--- a/Documents/CDR/MLV Holland.pptx
+++ b/Documents/CDR/MLV Holland.pptx
@@ -8,25 +8,27 @@
     <p:sldMasterId id="2147483912" r:id="rId4"/>
   </p:sldMasterIdLst>
   <p:notesMasterIdLst>
-    <p:notesMasterId r:id="rId21"/>
+    <p:notesMasterId r:id="rId23"/>
   </p:notesMasterIdLst>
   <p:sldIdLst>
     <p:sldId id="312" r:id="rId5"/>
     <p:sldId id="349" r:id="rId6"/>
     <p:sldId id="350" r:id="rId7"/>
-    <p:sldId id="485" r:id="rId8"/>
-    <p:sldId id="488" r:id="rId9"/>
-    <p:sldId id="419" r:id="rId10"/>
-    <p:sldId id="491" r:id="rId11"/>
-    <p:sldId id="487" r:id="rId12"/>
-    <p:sldId id="492" r:id="rId13"/>
+    <p:sldId id="488" r:id="rId8"/>
+    <p:sldId id="419" r:id="rId9"/>
+    <p:sldId id="491" r:id="rId10"/>
+    <p:sldId id="487" r:id="rId11"/>
+    <p:sldId id="492" r:id="rId12"/>
+    <p:sldId id="493" r:id="rId13"/>
     <p:sldId id="489" r:id="rId14"/>
     <p:sldId id="490" r:id="rId15"/>
-    <p:sldId id="486" r:id="rId16"/>
-    <p:sldId id="484" r:id="rId17"/>
-    <p:sldId id="483" r:id="rId18"/>
+    <p:sldId id="483" r:id="rId16"/>
+    <p:sldId id="497" r:id="rId17"/>
+    <p:sldId id="486" r:id="rId18"/>
     <p:sldId id="482" r:id="rId19"/>
-    <p:sldId id="469" r:id="rId20"/>
+    <p:sldId id="494" r:id="rId20"/>
+    <p:sldId id="496" r:id="rId21"/>
+    <p:sldId id="469" r:id="rId22"/>
   </p:sldIdLst>
   <p:sldSz cx="12192000" cy="6858000"/>
   <p:notesSz cx="6888163" cy="10021888"/>
@@ -127,7 +129,18 @@
   </p:defaultTextStyle>
   <p:extLst>
     <p:ext uri="{EFAFB233-063F-42B5-8137-9DF3F51BA10A}">
-      <p15:sldGuideLst xmlns:p15="http://schemas.microsoft.com/office/powerpoint/2012/main"/>
+      <p15:sldGuideLst xmlns:p15="http://schemas.microsoft.com/office/powerpoint/2012/main">
+        <p15:guide id="1" orient="horz" pos="2160" userDrawn="1">
+          <p15:clr>
+            <a:srgbClr val="A4A3A4"/>
+          </p15:clr>
+        </p15:guide>
+        <p15:guide id="2" pos="3840" userDrawn="1">
+          <p15:clr>
+            <a:srgbClr val="A4A3A4"/>
+          </p15:clr>
+        </p15:guide>
+      </p15:sldGuideLst>
     </p:ext>
   </p:extLst>
 </p:presentation>
@@ -14607,7 +14620,7 @@
         </p:blipFill>
         <p:spPr>
           <a:xfrm>
-            <a:off x="1958163" y="1390261"/>
+            <a:off x="1457649" y="1531253"/>
             <a:ext cx="8275674" cy="4684105"/>
           </a:xfrm>
           <a:prstGeom prst="rect">
@@ -14615,6 +14628,159 @@
           </a:prstGeom>
         </p:spPr>
       </p:pic>
+      <p:sp>
+        <p:nvSpPr>
+          <p:cNvPr id="4" name="TextBox 3">
+            <a:extLst>
+              <a:ext uri="{FF2B5EF4-FFF2-40B4-BE49-F238E27FC236}">
+                <a16:creationId xmlns:a16="http://schemas.microsoft.com/office/drawing/2014/main" id="{5D20FDD3-52EA-C804-4889-46948839FC25}"/>
+              </a:ext>
+            </a:extLst>
+          </p:cNvPr>
+          <p:cNvSpPr txBox="1"/>
+          <p:nvPr/>
+        </p:nvSpPr>
+        <p:spPr>
+          <a:xfrm>
+            <a:off x="9856268" y="3688639"/>
+            <a:ext cx="2147425" cy="369332"/>
+          </a:xfrm>
+          <a:prstGeom prst="rect">
+            <a:avLst/>
+          </a:prstGeom>
+          <a:noFill/>
+        </p:spPr>
+        <p:txBody>
+          <a:bodyPr wrap="square" rtlCol="1">
+            <a:spAutoFit/>
+          </a:bodyPr>
+          <a:lstStyle/>
+          <a:p>
+            <a:r>
+              <a:rPr lang="he-IL" dirty="0"/>
+              <a:t>הצגת גרסאות מערכת</a:t>
+            </a:r>
+          </a:p>
+        </p:txBody>
+      </p:sp>
+      <p:cxnSp>
+        <p:nvCxnSpPr>
+          <p:cNvPr id="5" name="Straight Arrow Connector 4">
+            <a:extLst>
+              <a:ext uri="{FF2B5EF4-FFF2-40B4-BE49-F238E27FC236}">
+                <a16:creationId xmlns:a16="http://schemas.microsoft.com/office/drawing/2014/main" id="{DF88BB4F-1AE9-EF5C-94AE-EC67892FBF9F}"/>
+              </a:ext>
+            </a:extLst>
+          </p:cNvPr>
+          <p:cNvCxnSpPr>
+            <a:cxnSpLocks/>
+            <a:stCxn id="4" idx="1"/>
+          </p:cNvCxnSpPr>
+          <p:nvPr/>
+        </p:nvCxnSpPr>
+        <p:spPr>
+          <a:xfrm flipH="1" flipV="1">
+            <a:off x="7521804" y="3843755"/>
+            <a:ext cx="2334464" cy="29550"/>
+          </a:xfrm>
+          <a:prstGeom prst="straightConnector1">
+            <a:avLst/>
+          </a:prstGeom>
+          <a:ln>
+            <a:tailEnd type="triangle"/>
+          </a:ln>
+        </p:spPr>
+        <p:style>
+          <a:lnRef idx="1">
+            <a:schemeClr val="accent1"/>
+          </a:lnRef>
+          <a:fillRef idx="0">
+            <a:schemeClr val="accent1"/>
+          </a:fillRef>
+          <a:effectRef idx="0">
+            <a:schemeClr val="accent1"/>
+          </a:effectRef>
+          <a:fontRef idx="minor">
+            <a:schemeClr val="tx1"/>
+          </a:fontRef>
+        </p:style>
+      </p:cxnSp>
+      <p:cxnSp>
+        <p:nvCxnSpPr>
+          <p:cNvPr id="6" name="Straight Arrow Connector 5">
+            <a:extLst>
+              <a:ext uri="{FF2B5EF4-FFF2-40B4-BE49-F238E27FC236}">
+                <a16:creationId xmlns:a16="http://schemas.microsoft.com/office/drawing/2014/main" id="{717D6B3D-9ADF-619F-9680-4F8A9C935F6E}"/>
+              </a:ext>
+            </a:extLst>
+          </p:cNvPr>
+          <p:cNvCxnSpPr>
+            <a:cxnSpLocks/>
+          </p:cNvCxnSpPr>
+          <p:nvPr/>
+        </p:nvCxnSpPr>
+        <p:spPr>
+          <a:xfrm flipH="1">
+            <a:off x="2687514" y="5767203"/>
+            <a:ext cx="631596" cy="0"/>
+          </a:xfrm>
+          <a:prstGeom prst="straightConnector1">
+            <a:avLst/>
+          </a:prstGeom>
+          <a:ln>
+            <a:tailEnd type="triangle"/>
+          </a:ln>
+        </p:spPr>
+        <p:style>
+          <a:lnRef idx="1">
+            <a:schemeClr val="accent1"/>
+          </a:lnRef>
+          <a:fillRef idx="0">
+            <a:schemeClr val="accent1"/>
+          </a:fillRef>
+          <a:effectRef idx="0">
+            <a:schemeClr val="accent1"/>
+          </a:effectRef>
+          <a:fontRef idx="minor">
+            <a:schemeClr val="tx1"/>
+          </a:fontRef>
+        </p:style>
+      </p:cxnSp>
+      <p:sp>
+        <p:nvSpPr>
+          <p:cNvPr id="9" name="TextBox 8">
+            <a:extLst>
+              <a:ext uri="{FF2B5EF4-FFF2-40B4-BE49-F238E27FC236}">
+                <a16:creationId xmlns:a16="http://schemas.microsoft.com/office/drawing/2014/main" id="{AA426E6F-A632-13BA-7A6C-F3ECFC66389B}"/>
+              </a:ext>
+            </a:extLst>
+          </p:cNvPr>
+          <p:cNvSpPr txBox="1"/>
+          <p:nvPr/>
+        </p:nvSpPr>
+        <p:spPr>
+          <a:xfrm>
+            <a:off x="3359215" y="5563287"/>
+            <a:ext cx="2303647" cy="369332"/>
+          </a:xfrm>
+          <a:prstGeom prst="rect">
+            <a:avLst/>
+          </a:prstGeom>
+          <a:noFill/>
+        </p:spPr>
+        <p:txBody>
+          <a:bodyPr wrap="square" rtlCol="1">
+            <a:spAutoFit/>
+          </a:bodyPr>
+          <a:lstStyle/>
+          <a:p>
+            <a:r>
+              <a:rPr lang="he-IL" dirty="0"/>
+              <a:t>בקשה לקריאת גרסאות</a:t>
+            </a:r>
+          </a:p>
+        </p:txBody>
+      </p:sp>
     </p:spTree>
     <p:extLst>
       <p:ext uri="{BB962C8B-B14F-4D97-AF65-F5344CB8AC3E}">
@@ -14751,7 +14917,7 @@
         <p:cNvPr id="1" name="">
           <a:extLst>
             <a:ext uri="{FF2B5EF4-FFF2-40B4-BE49-F238E27FC236}">
-              <a16:creationId xmlns:a16="http://schemas.microsoft.com/office/drawing/2014/main" id="{ED5D6130-5CE2-570A-B988-897A082EBB62}"/>
+              <a16:creationId xmlns:a16="http://schemas.microsoft.com/office/drawing/2014/main" id="{0593435D-A708-8F5E-C8C3-13C498183BD3}"/>
             </a:ext>
           </a:extLst>
         </p:cNvPr>
@@ -14771,7 +14937,7 @@
           <p:cNvPr id="2" name="כותרת 1">
             <a:extLst>
               <a:ext uri="{FF2B5EF4-FFF2-40B4-BE49-F238E27FC236}">
-                <a16:creationId xmlns:a16="http://schemas.microsoft.com/office/drawing/2014/main" id="{26BCA5D6-AD4D-A861-07DF-162ABFD6BFC8}"/>
+                <a16:creationId xmlns:a16="http://schemas.microsoft.com/office/drawing/2014/main" id="{8968C5AF-B9BC-1F6A-4F75-B607BA541741}"/>
               </a:ext>
             </a:extLst>
           </p:cNvPr>
@@ -14787,77 +14953,52 @@
           <a:bodyPr/>
           <a:lstStyle/>
           <a:p>
-            <a:r>
-              <a:rPr lang="he-IL" dirty="0"/>
-              <a:t>מנגנון הרשאות</a:t>
-            </a:r>
-            <a:endParaRPr lang="en-US" dirty="0"/>
-          </a:p>
-        </p:txBody>
-      </p:sp>
-      <p:sp>
-        <p:nvSpPr>
-          <p:cNvPr id="3" name="מציין מיקום של כותרת תחתונה 2">
-            <a:extLst>
-              <a:ext uri="{FF2B5EF4-FFF2-40B4-BE49-F238E27FC236}">
-                <a16:creationId xmlns:a16="http://schemas.microsoft.com/office/drawing/2014/main" id="{B18D1641-4FCC-ABA2-D460-62C4C43A45AD}"/>
-              </a:ext>
-            </a:extLst>
-          </p:cNvPr>
-          <p:cNvSpPr>
-            <a:spLocks noGrp="1"/>
-          </p:cNvSpPr>
-          <p:nvPr>
-            <p:ph type="ftr" sz="quarter" idx="10"/>
-          </p:nvPr>
-        </p:nvSpPr>
-        <p:spPr/>
-        <p:txBody>
-          <a:bodyPr/>
-          <a:lstStyle/>
-          <a:p>
-            <a:r>
-              <a:rPr lang="he-IL" dirty="0"/>
-              <a:t>אוריון פתרונות תוכנה בע"מ</a:t>
-            </a:r>
-            <a:endParaRPr lang="en-US" dirty="0"/>
-          </a:p>
-        </p:txBody>
-      </p:sp>
-      <p:sp>
-        <p:nvSpPr>
-          <p:cNvPr id="4" name="מציין מיקום טקסט 3">
-            <a:extLst>
-              <a:ext uri="{FF2B5EF4-FFF2-40B4-BE49-F238E27FC236}">
-                <a16:creationId xmlns:a16="http://schemas.microsoft.com/office/drawing/2014/main" id="{FD1B6D15-31A6-0244-451E-9544575D4EB1}"/>
-              </a:ext>
-            </a:extLst>
-          </p:cNvPr>
-          <p:cNvSpPr>
-            <a:spLocks noGrp="1"/>
-          </p:cNvSpPr>
-          <p:nvPr>
-            <p:ph type="body" sz="quarter" idx="11"/>
-          </p:nvPr>
-        </p:nvSpPr>
-        <p:spPr>
-          <a:xfrm>
-            <a:off x="933450" y="1944673"/>
-            <a:ext cx="9972675" cy="2014957"/>
-          </a:xfrm>
-        </p:spPr>
-        <p:txBody>
-          <a:bodyPr/>
-          <a:lstStyle/>
-          <a:p>
-            <a:pPr>
+            <a:pPr marL="1143000" lvl="1" indent="-457200" algn="ctr" rtl="1">
               <a:lnSpc>
                 <a:spcPct val="150000"/>
               </a:lnSpc>
             </a:pPr>
-            <a:endParaRPr lang="en-US" dirty="0"/>
-          </a:p>
-          <a:p>
+            <a:r>
+              <a:rPr lang="he-IL" altLang="en-US" sz="4400" dirty="0">
+                <a:solidFill>
+                  <a:schemeClr val="bg1"/>
+                </a:solidFill>
+              </a:rPr>
+              <a:t>פקודות חדשות </a:t>
+            </a:r>
+            <a:endParaRPr lang="en-US" altLang="en-US" sz="4400" dirty="0">
+              <a:solidFill>
+                <a:schemeClr val="bg1"/>
+              </a:solidFill>
+            </a:endParaRPr>
+          </a:p>
+        </p:txBody>
+      </p:sp>
+      <p:sp>
+        <p:nvSpPr>
+          <p:cNvPr id="3" name="מציין מיקום של כותרת תחתונה 2">
+            <a:extLst>
+              <a:ext uri="{FF2B5EF4-FFF2-40B4-BE49-F238E27FC236}">
+                <a16:creationId xmlns:a16="http://schemas.microsoft.com/office/drawing/2014/main" id="{D99206AF-991B-E6A1-37A6-ACAE4567A40F}"/>
+              </a:ext>
+            </a:extLst>
+          </p:cNvPr>
+          <p:cNvSpPr>
+            <a:spLocks noGrp="1"/>
+          </p:cNvSpPr>
+          <p:nvPr>
+            <p:ph type="ftr" sz="quarter" idx="10"/>
+          </p:nvPr>
+        </p:nvSpPr>
+        <p:spPr/>
+        <p:txBody>
+          <a:bodyPr/>
+          <a:lstStyle/>
+          <a:p>
+            <a:r>
+              <a:rPr lang="he-IL" dirty="0"/>
+              <a:t>אוריון פתרונות תוכנה בע"מ</a:t>
+            </a:r>
             <a:endParaRPr lang="en-US" dirty="0"/>
           </a:p>
         </p:txBody>
@@ -14865,7 +15006,7 @@
     </p:spTree>
     <p:extLst>
       <p:ext uri="{BB962C8B-B14F-4D97-AF65-F5344CB8AC3E}">
-        <p14:creationId xmlns:p14="http://schemas.microsoft.com/office/powerpoint/2010/main" val="3300099807"/>
+        <p14:creationId xmlns:p14="http://schemas.microsoft.com/office/powerpoint/2010/main" val="3757142552"/>
       </p:ext>
     </p:extLst>
   </p:cSld>
@@ -14883,7 +15024,7 @@
         <p:cNvPr id="1" name="">
           <a:extLst>
             <a:ext uri="{FF2B5EF4-FFF2-40B4-BE49-F238E27FC236}">
-              <a16:creationId xmlns:a16="http://schemas.microsoft.com/office/drawing/2014/main" id="{A34EAB50-877C-E6FD-AEDF-B2F4D78551DE}"/>
+              <a16:creationId xmlns:a16="http://schemas.microsoft.com/office/drawing/2014/main" id="{82E8DC78-5A16-3E2A-0D45-056C4FF38AA3}"/>
             </a:ext>
           </a:extLst>
         </p:cNvPr>
@@ -14903,7 +15044,7 @@
           <p:cNvPr id="2" name="כותרת 1">
             <a:extLst>
               <a:ext uri="{FF2B5EF4-FFF2-40B4-BE49-F238E27FC236}">
-                <a16:creationId xmlns:a16="http://schemas.microsoft.com/office/drawing/2014/main" id="{C24882B4-84A5-68FC-7855-EA331A25E03B}"/>
+                <a16:creationId xmlns:a16="http://schemas.microsoft.com/office/drawing/2014/main" id="{29967359-9998-5D0D-6312-4FE151087A1E}"/>
               </a:ext>
             </a:extLst>
           </p:cNvPr>
@@ -14919,62 +15060,126 @@
           <a:bodyPr/>
           <a:lstStyle/>
           <a:p>
-            <a:pPr marL="1143000" lvl="1" indent="-457200" algn="ctr" rtl="1">
+            <a:r>
+              <a:rPr lang="he-IL" dirty="0"/>
+              <a:t>מנגנון הרשאות</a:t>
+            </a:r>
+            <a:endParaRPr lang="en-US" dirty="0"/>
+          </a:p>
+        </p:txBody>
+      </p:sp>
+      <p:sp>
+        <p:nvSpPr>
+          <p:cNvPr id="3" name="מציין מיקום של כותרת תחתונה 2">
+            <a:extLst>
+              <a:ext uri="{FF2B5EF4-FFF2-40B4-BE49-F238E27FC236}">
+                <a16:creationId xmlns:a16="http://schemas.microsoft.com/office/drawing/2014/main" id="{D7581DE3-4177-A47B-A637-5414E7429042}"/>
+              </a:ext>
+            </a:extLst>
+          </p:cNvPr>
+          <p:cNvSpPr>
+            <a:spLocks noGrp="1"/>
+          </p:cNvSpPr>
+          <p:nvPr>
+            <p:ph type="ftr" sz="quarter" idx="10"/>
+          </p:nvPr>
+        </p:nvSpPr>
+        <p:spPr/>
+        <p:txBody>
+          <a:bodyPr/>
+          <a:lstStyle/>
+          <a:p>
+            <a:r>
+              <a:rPr lang="he-IL" dirty="0"/>
+              <a:t>אוריון פתרונות תוכנה בע"מ</a:t>
+            </a:r>
+            <a:endParaRPr lang="en-US" dirty="0"/>
+          </a:p>
+        </p:txBody>
+      </p:sp>
+      <p:sp>
+        <p:nvSpPr>
+          <p:cNvPr id="4" name="מציין מיקום טקסט 3">
+            <a:extLst>
+              <a:ext uri="{FF2B5EF4-FFF2-40B4-BE49-F238E27FC236}">
+                <a16:creationId xmlns:a16="http://schemas.microsoft.com/office/drawing/2014/main" id="{B2A501D1-72F9-2134-3A5D-77ED53DA1319}"/>
+              </a:ext>
+            </a:extLst>
+          </p:cNvPr>
+          <p:cNvSpPr>
+            <a:spLocks noGrp="1"/>
+          </p:cNvSpPr>
+          <p:nvPr>
+            <p:ph type="body" sz="quarter" idx="11"/>
+          </p:nvPr>
+        </p:nvSpPr>
+        <p:spPr>
+          <a:xfrm>
+            <a:off x="933450" y="1944673"/>
+            <a:ext cx="9972675" cy="2014957"/>
+          </a:xfrm>
+        </p:spPr>
+        <p:txBody>
+          <a:bodyPr/>
+          <a:lstStyle/>
+          <a:p>
+            <a:pPr>
               <a:lnSpc>
                 <a:spcPct val="150000"/>
               </a:lnSpc>
             </a:pPr>
-            <a:r>
-              <a:rPr lang="he-IL" altLang="en-US" sz="4400" dirty="0">
-                <a:solidFill>
-                  <a:schemeClr val="bg1"/>
-                </a:solidFill>
-              </a:rPr>
-              <a:t>הורדת לוגים</a:t>
-            </a:r>
-            <a:endParaRPr lang="en-US" altLang="en-US" sz="4400" dirty="0">
-              <a:solidFill>
-                <a:schemeClr val="bg1"/>
-              </a:solidFill>
-            </a:endParaRPr>
-          </a:p>
-        </p:txBody>
-      </p:sp>
-      <p:sp>
-        <p:nvSpPr>
-          <p:cNvPr id="3" name="מציין מיקום של כותרת תחתונה 2">
-            <a:extLst>
-              <a:ext uri="{FF2B5EF4-FFF2-40B4-BE49-F238E27FC236}">
-                <a16:creationId xmlns:a16="http://schemas.microsoft.com/office/drawing/2014/main" id="{14ACE099-752D-0539-A8F7-879EA8340296}"/>
-              </a:ext>
-            </a:extLst>
-          </p:cNvPr>
-          <p:cNvSpPr>
-            <a:spLocks noGrp="1"/>
-          </p:cNvSpPr>
-          <p:nvPr>
-            <p:ph type="ftr" sz="quarter" idx="10"/>
-          </p:nvPr>
-        </p:nvSpPr>
-        <p:spPr/>
-        <p:txBody>
-          <a:bodyPr/>
-          <a:lstStyle/>
-          <a:p>
-            <a:r>
-              <a:rPr lang="he-IL" dirty="0"/>
-              <a:t>אוריון פתרונות תוכנה בע"מ</a:t>
-            </a:r>
             <a:endParaRPr lang="en-US" dirty="0"/>
           </a:p>
-        </p:txBody>
-      </p:sp>
-      <p:sp>
-        <p:nvSpPr>
-          <p:cNvPr id="5" name="TextBox 4">
-            <a:extLst>
-              <a:ext uri="{FF2B5EF4-FFF2-40B4-BE49-F238E27FC236}">
-                <a16:creationId xmlns:a16="http://schemas.microsoft.com/office/drawing/2014/main" id="{6C24CA5F-9B20-AFC1-2344-2F22F5D650FF}"/>
+          <a:p>
+            <a:endParaRPr lang="en-US" dirty="0"/>
+          </a:p>
+        </p:txBody>
+      </p:sp>
+      <p:cxnSp>
+        <p:nvCxnSpPr>
+          <p:cNvPr id="13" name="Straight Arrow Connector 12">
+            <a:extLst>
+              <a:ext uri="{FF2B5EF4-FFF2-40B4-BE49-F238E27FC236}">
+                <a16:creationId xmlns:a16="http://schemas.microsoft.com/office/drawing/2014/main" id="{CCB90661-A577-DEEA-A157-4F29FA5268CA}"/>
+              </a:ext>
+            </a:extLst>
+          </p:cNvPr>
+          <p:cNvCxnSpPr/>
+          <p:nvPr/>
+        </p:nvCxnSpPr>
+        <p:spPr>
+          <a:xfrm>
+            <a:off x="5063691" y="4415249"/>
+            <a:ext cx="818148" cy="0"/>
+          </a:xfrm>
+          <a:prstGeom prst="straightConnector1">
+            <a:avLst/>
+          </a:prstGeom>
+          <a:ln>
+            <a:tailEnd type="triangle"/>
+          </a:ln>
+        </p:spPr>
+        <p:style>
+          <a:lnRef idx="1">
+            <a:schemeClr val="accent1"/>
+          </a:lnRef>
+          <a:fillRef idx="0">
+            <a:schemeClr val="accent1"/>
+          </a:fillRef>
+          <a:effectRef idx="0">
+            <a:schemeClr val="accent1"/>
+          </a:effectRef>
+          <a:fontRef idx="minor">
+            <a:schemeClr val="tx1"/>
+          </a:fontRef>
+        </p:style>
+      </p:cxnSp>
+      <p:sp>
+        <p:nvSpPr>
+          <p:cNvPr id="8" name="TextBox 7">
+            <a:extLst>
+              <a:ext uri="{FF2B5EF4-FFF2-40B4-BE49-F238E27FC236}">
+                <a16:creationId xmlns:a16="http://schemas.microsoft.com/office/drawing/2014/main" id="{076A9776-418C-595C-5BA2-0B3AD101D930}"/>
               </a:ext>
             </a:extLst>
           </p:cNvPr>
@@ -14983,8 +15188,8 @@
         </p:nvSpPr>
         <p:spPr>
           <a:xfrm>
-            <a:off x="5106186" y="2965925"/>
-            <a:ext cx="6094428" cy="463075"/>
+            <a:off x="1439879" y="1479992"/>
+            <a:ext cx="10130677" cy="646331"/>
           </a:xfrm>
           <a:prstGeom prst="rect">
             <a:avLst/>
@@ -14992,32 +15197,109 @@
           <a:noFill/>
         </p:spPr>
         <p:txBody>
-          <a:bodyPr wrap="square">
+          <a:bodyPr wrap="square" rtlCol="1">
             <a:spAutoFit/>
           </a:bodyPr>
           <a:lstStyle/>
           <a:p>
-            <a:pPr marL="1143000" lvl="1" indent="-457200">
-              <a:lnSpc>
-                <a:spcPct val="150000"/>
-              </a:lnSpc>
+            <a:pPr marL="342900" indent="-342900">
+              <a:buFont typeface="+mj-lt"/>
+              <a:buAutoNum type="arabicPeriod"/>
             </a:pPr>
             <a:r>
-              <a:rPr lang="he-IL" altLang="en-US" dirty="0"/>
-              <a:t>הלוגים יאוחסנו בתיקיית </a:t>
-            </a:r>
-            <a:r>
-              <a:rPr lang="en-US" altLang="en-US" dirty="0"/>
-              <a:t>SPARE CPU</a:t>
-            </a:r>
-            <a:endParaRPr lang="he-IL" altLang="en-US" sz="1800" dirty="0"/>
-          </a:p>
-        </p:txBody>
-      </p:sp>
+              <a:rPr lang="he-IL" dirty="0"/>
+              <a:t>ניתן להגדיר מספר רמות של הרשאות במערכת, כאשר לכל הרשאה יכולות משלה</a:t>
+            </a:r>
+          </a:p>
+          <a:p>
+            <a:pPr marL="342900" indent="-342900">
+              <a:buFont typeface="+mj-lt"/>
+              <a:buAutoNum type="arabicPeriod"/>
+            </a:pPr>
+            <a:r>
+              <a:rPr lang="he-IL" dirty="0"/>
+              <a:t>בתמונה מטה הוגדרו 2 הרשאות: </a:t>
+            </a:r>
+            <a:r>
+              <a:rPr lang="en-US" dirty="0"/>
+              <a:t>Admin</a:t>
+            </a:r>
+            <a:r>
+              <a:rPr lang="he-IL" dirty="0"/>
+              <a:t> ו </a:t>
+            </a:r>
+            <a:r>
+              <a:rPr lang="en-US" dirty="0"/>
+              <a:t>USER</a:t>
+            </a:r>
+            <a:endParaRPr lang="he-IL" dirty="0"/>
+          </a:p>
+        </p:txBody>
+      </p:sp>
+      <p:pic>
+        <p:nvPicPr>
+          <p:cNvPr id="10" name="Picture 9">
+            <a:extLst>
+              <a:ext uri="{FF2B5EF4-FFF2-40B4-BE49-F238E27FC236}">
+                <a16:creationId xmlns:a16="http://schemas.microsoft.com/office/drawing/2014/main" id="{11B84F84-4676-A922-08A2-7D9D58448DDB}"/>
+              </a:ext>
+            </a:extLst>
+          </p:cNvPr>
+          <p:cNvPicPr>
+            <a:picLocks noChangeAspect="1"/>
+          </p:cNvPicPr>
+          <p:nvPr/>
+        </p:nvPicPr>
+        <p:blipFill>
+          <a:blip r:embed="rId2"/>
+          <a:stretch>
+            <a:fillRect/>
+          </a:stretch>
+        </p:blipFill>
+        <p:spPr>
+          <a:xfrm>
+            <a:off x="1699129" y="2591004"/>
+            <a:ext cx="3182114" cy="3354119"/>
+          </a:xfrm>
+          <a:prstGeom prst="rect">
+            <a:avLst/>
+          </a:prstGeom>
+        </p:spPr>
+      </p:pic>
+      <p:pic>
+        <p:nvPicPr>
+          <p:cNvPr id="16" name="Picture 15">
+            <a:extLst>
+              <a:ext uri="{FF2B5EF4-FFF2-40B4-BE49-F238E27FC236}">
+                <a16:creationId xmlns:a16="http://schemas.microsoft.com/office/drawing/2014/main" id="{0144E63D-5038-CF2F-80DF-32B5214BC29D}"/>
+              </a:ext>
+            </a:extLst>
+          </p:cNvPr>
+          <p:cNvPicPr>
+            <a:picLocks noChangeAspect="1"/>
+          </p:cNvPicPr>
+          <p:nvPr/>
+        </p:nvPicPr>
+        <p:blipFill>
+          <a:blip r:embed="rId3"/>
+          <a:stretch>
+            <a:fillRect/>
+          </a:stretch>
+        </p:blipFill>
+        <p:spPr>
+          <a:xfrm>
+            <a:off x="6246736" y="2424814"/>
+            <a:ext cx="4049155" cy="3817930"/>
+          </a:xfrm>
+          <a:prstGeom prst="rect">
+            <a:avLst/>
+          </a:prstGeom>
+        </p:spPr>
+      </p:pic>
     </p:spTree>
     <p:extLst>
       <p:ext uri="{BB962C8B-B14F-4D97-AF65-F5344CB8AC3E}">
-        <p14:creationId xmlns:p14="http://schemas.microsoft.com/office/powerpoint/2010/main" val="58135180"/>
+        <p14:creationId xmlns:p14="http://schemas.microsoft.com/office/powerpoint/2010/main" val="2119166435"/>
       </p:ext>
     </p:extLst>
   </p:cSld>
@@ -15035,7 +15317,7 @@
         <p:cNvPr id="1" name="">
           <a:extLst>
             <a:ext uri="{FF2B5EF4-FFF2-40B4-BE49-F238E27FC236}">
-              <a16:creationId xmlns:a16="http://schemas.microsoft.com/office/drawing/2014/main" id="{0593435D-A708-8F5E-C8C3-13C498183BD3}"/>
+              <a16:creationId xmlns:a16="http://schemas.microsoft.com/office/drawing/2014/main" id="{ED5D6130-5CE2-570A-B988-897A082EBB62}"/>
             </a:ext>
           </a:extLst>
         </p:cNvPr>
@@ -15055,7 +15337,7 @@
           <p:cNvPr id="2" name="כותרת 1">
             <a:extLst>
               <a:ext uri="{FF2B5EF4-FFF2-40B4-BE49-F238E27FC236}">
-                <a16:creationId xmlns:a16="http://schemas.microsoft.com/office/drawing/2014/main" id="{8968C5AF-B9BC-1F6A-4F75-B607BA541741}"/>
+                <a16:creationId xmlns:a16="http://schemas.microsoft.com/office/drawing/2014/main" id="{26BCA5D6-AD4D-A861-07DF-162ABFD6BFC8}"/>
               </a:ext>
             </a:extLst>
           </p:cNvPr>
@@ -15071,60 +15353,223 @@
           <a:bodyPr/>
           <a:lstStyle/>
           <a:p>
-            <a:pPr marL="1143000" lvl="1" indent="-457200" algn="ctr" rtl="1">
+            <a:r>
+              <a:rPr lang="he-IL" dirty="0"/>
+              <a:t>מנגנון הרשאות - משתמשים</a:t>
+            </a:r>
+            <a:endParaRPr lang="en-US" dirty="0"/>
+          </a:p>
+        </p:txBody>
+      </p:sp>
+      <p:sp>
+        <p:nvSpPr>
+          <p:cNvPr id="3" name="מציין מיקום של כותרת תחתונה 2">
+            <a:extLst>
+              <a:ext uri="{FF2B5EF4-FFF2-40B4-BE49-F238E27FC236}">
+                <a16:creationId xmlns:a16="http://schemas.microsoft.com/office/drawing/2014/main" id="{B18D1641-4FCC-ABA2-D460-62C4C43A45AD}"/>
+              </a:ext>
+            </a:extLst>
+          </p:cNvPr>
+          <p:cNvSpPr>
+            <a:spLocks noGrp="1"/>
+          </p:cNvSpPr>
+          <p:nvPr>
+            <p:ph type="ftr" sz="quarter" idx="10"/>
+          </p:nvPr>
+        </p:nvSpPr>
+        <p:spPr/>
+        <p:txBody>
+          <a:bodyPr/>
+          <a:lstStyle/>
+          <a:p>
+            <a:r>
+              <a:rPr lang="he-IL" dirty="0"/>
+              <a:t>אוריון פתרונות תוכנה בע"מ</a:t>
+            </a:r>
+            <a:endParaRPr lang="en-US" dirty="0"/>
+          </a:p>
+        </p:txBody>
+      </p:sp>
+      <p:sp>
+        <p:nvSpPr>
+          <p:cNvPr id="4" name="מציין מיקום טקסט 3">
+            <a:extLst>
+              <a:ext uri="{FF2B5EF4-FFF2-40B4-BE49-F238E27FC236}">
+                <a16:creationId xmlns:a16="http://schemas.microsoft.com/office/drawing/2014/main" id="{FD1B6D15-31A6-0244-451E-9544575D4EB1}"/>
+              </a:ext>
+            </a:extLst>
+          </p:cNvPr>
+          <p:cNvSpPr>
+            <a:spLocks noGrp="1"/>
+          </p:cNvSpPr>
+          <p:nvPr>
+            <p:ph type="body" sz="quarter" idx="11"/>
+          </p:nvPr>
+        </p:nvSpPr>
+        <p:spPr>
+          <a:xfrm>
+            <a:off x="933450" y="1944673"/>
+            <a:ext cx="9972675" cy="2014957"/>
+          </a:xfrm>
+        </p:spPr>
+        <p:txBody>
+          <a:bodyPr/>
+          <a:lstStyle/>
+          <a:p>
+            <a:pPr>
               <a:lnSpc>
                 <a:spcPct val="150000"/>
               </a:lnSpc>
             </a:pPr>
-            <a:r>
-              <a:rPr lang="he-IL" altLang="en-US" sz="4400" dirty="0">
-                <a:solidFill>
-                  <a:schemeClr val="bg1"/>
-                </a:solidFill>
-              </a:rPr>
-              <a:t>פקודות חדשות </a:t>
-            </a:r>
-            <a:endParaRPr lang="en-US" altLang="en-US" sz="4400" dirty="0">
-              <a:solidFill>
-                <a:schemeClr val="bg1"/>
-              </a:solidFill>
-            </a:endParaRPr>
-          </a:p>
-        </p:txBody>
-      </p:sp>
-      <p:sp>
-        <p:nvSpPr>
-          <p:cNvPr id="3" name="מציין מיקום של כותרת תחתונה 2">
-            <a:extLst>
-              <a:ext uri="{FF2B5EF4-FFF2-40B4-BE49-F238E27FC236}">
-                <a16:creationId xmlns:a16="http://schemas.microsoft.com/office/drawing/2014/main" id="{D99206AF-991B-E6A1-37A6-ACAE4567A40F}"/>
-              </a:ext>
-            </a:extLst>
-          </p:cNvPr>
-          <p:cNvSpPr>
-            <a:spLocks noGrp="1"/>
-          </p:cNvSpPr>
-          <p:nvPr>
-            <p:ph type="ftr" sz="quarter" idx="10"/>
-          </p:nvPr>
-        </p:nvSpPr>
-        <p:spPr/>
-        <p:txBody>
-          <a:bodyPr/>
-          <a:lstStyle/>
-          <a:p>
+            <a:endParaRPr lang="en-US" dirty="0"/>
+          </a:p>
+          <a:p>
+            <a:endParaRPr lang="en-US" dirty="0"/>
+          </a:p>
+        </p:txBody>
+      </p:sp>
+      <p:pic>
+        <p:nvPicPr>
+          <p:cNvPr id="9" name="Picture 8">
+            <a:extLst>
+              <a:ext uri="{FF2B5EF4-FFF2-40B4-BE49-F238E27FC236}">
+                <a16:creationId xmlns:a16="http://schemas.microsoft.com/office/drawing/2014/main" id="{0359E925-B621-77EE-3AB5-63DC56FF4E31}"/>
+              </a:ext>
+            </a:extLst>
+          </p:cNvPr>
+          <p:cNvPicPr>
+            <a:picLocks noChangeAspect="1"/>
+          </p:cNvPicPr>
+          <p:nvPr/>
+        </p:nvPicPr>
+        <p:blipFill>
+          <a:blip r:embed="rId2"/>
+          <a:stretch>
+            <a:fillRect/>
+          </a:stretch>
+        </p:blipFill>
+        <p:spPr>
+          <a:xfrm>
+            <a:off x="6808855" y="2812947"/>
+            <a:ext cx="4238625" cy="2466975"/>
+          </a:xfrm>
+          <a:prstGeom prst="rect">
+            <a:avLst/>
+          </a:prstGeom>
+        </p:spPr>
+      </p:pic>
+      <p:cxnSp>
+        <p:nvCxnSpPr>
+          <p:cNvPr id="13" name="Straight Arrow Connector 12">
+            <a:extLst>
+              <a:ext uri="{FF2B5EF4-FFF2-40B4-BE49-F238E27FC236}">
+                <a16:creationId xmlns:a16="http://schemas.microsoft.com/office/drawing/2014/main" id="{0C5188AC-BD35-7E91-61AD-CED1BC9DA0EA}"/>
+              </a:ext>
+            </a:extLst>
+          </p:cNvPr>
+          <p:cNvCxnSpPr/>
+          <p:nvPr/>
+        </p:nvCxnSpPr>
+        <p:spPr>
+          <a:xfrm>
+            <a:off x="5371950" y="4082188"/>
+            <a:ext cx="818148" cy="0"/>
+          </a:xfrm>
+          <a:prstGeom prst="straightConnector1">
+            <a:avLst/>
+          </a:prstGeom>
+          <a:ln>
+            <a:tailEnd type="triangle"/>
+          </a:ln>
+        </p:spPr>
+        <p:style>
+          <a:lnRef idx="1">
+            <a:schemeClr val="accent1"/>
+          </a:lnRef>
+          <a:fillRef idx="0">
+            <a:schemeClr val="accent1"/>
+          </a:fillRef>
+          <a:effectRef idx="0">
+            <a:schemeClr val="accent1"/>
+          </a:effectRef>
+          <a:fontRef idx="minor">
+            <a:schemeClr val="tx1"/>
+          </a:fontRef>
+        </p:style>
+      </p:cxnSp>
+      <p:sp>
+        <p:nvSpPr>
+          <p:cNvPr id="14" name="TextBox 13">
+            <a:extLst>
+              <a:ext uri="{FF2B5EF4-FFF2-40B4-BE49-F238E27FC236}">
+                <a16:creationId xmlns:a16="http://schemas.microsoft.com/office/drawing/2014/main" id="{70324A4C-53CC-2D32-D1F0-0EB70496F5C4}"/>
+              </a:ext>
+            </a:extLst>
+          </p:cNvPr>
+          <p:cNvSpPr txBox="1"/>
+          <p:nvPr/>
+        </p:nvSpPr>
+        <p:spPr>
+          <a:xfrm>
+            <a:off x="1439879" y="1479992"/>
+            <a:ext cx="10130677" cy="369332"/>
+          </a:xfrm>
+          <a:prstGeom prst="rect">
+            <a:avLst/>
+          </a:prstGeom>
+          <a:noFill/>
+        </p:spPr>
+        <p:txBody>
+          <a:bodyPr wrap="square" rtlCol="1">
+            <a:spAutoFit/>
+          </a:bodyPr>
+          <a:lstStyle/>
+          <a:p>
+            <a:pPr marL="342900" indent="-342900">
+              <a:buFont typeface="+mj-lt"/>
+              <a:buAutoNum type="arabicPeriod"/>
+            </a:pPr>
             <a:r>
               <a:rPr lang="he-IL" dirty="0"/>
-              <a:t>אוריון פתרונות תוכנה בע"מ</a:t>
-            </a:r>
-            <a:endParaRPr lang="en-US" dirty="0"/>
-          </a:p>
-        </p:txBody>
-      </p:sp>
+              <a:t>בתמונה מטה הוגדרו 2 משתמשים. הראשון עם הרשאת מנהל</a:t>
+            </a:r>
+          </a:p>
+        </p:txBody>
+      </p:sp>
+      <p:pic>
+        <p:nvPicPr>
+          <p:cNvPr id="18" name="Picture 17">
+            <a:extLst>
+              <a:ext uri="{FF2B5EF4-FFF2-40B4-BE49-F238E27FC236}">
+                <a16:creationId xmlns:a16="http://schemas.microsoft.com/office/drawing/2014/main" id="{A537AF46-92B5-ED26-9B26-602B8B2001F1}"/>
+              </a:ext>
+            </a:extLst>
+          </p:cNvPr>
+          <p:cNvPicPr>
+            <a:picLocks noChangeAspect="1"/>
+          </p:cNvPicPr>
+          <p:nvPr/>
+        </p:nvPicPr>
+        <p:blipFill>
+          <a:blip r:embed="rId3"/>
+          <a:stretch>
+            <a:fillRect/>
+          </a:stretch>
+        </p:blipFill>
+        <p:spPr>
+          <a:xfrm>
+            <a:off x="1620404" y="2309369"/>
+            <a:ext cx="3442168" cy="3628231"/>
+          </a:xfrm>
+          <a:prstGeom prst="rect">
+            <a:avLst/>
+          </a:prstGeom>
+        </p:spPr>
+      </p:pic>
     </p:spTree>
     <p:extLst>
       <p:ext uri="{BB962C8B-B14F-4D97-AF65-F5344CB8AC3E}">
-        <p14:creationId xmlns:p14="http://schemas.microsoft.com/office/powerpoint/2010/main" val="3757142552"/>
+        <p14:creationId xmlns:p14="http://schemas.microsoft.com/office/powerpoint/2010/main" val="3300099807"/>
       </p:ext>
     </p:extLst>
   </p:cSld>
@@ -15184,7 +15629,7 @@
               </a:lnSpc>
             </a:pPr>
             <a:r>
-              <a:rPr lang="he-IL" altLang="en-US" sz="4400" dirty="0">
+              <a:rPr lang="he-IL" altLang="en-US" sz="4400">
                 <a:solidFill>
                   <a:schemeClr val="bg1"/>
                 </a:solidFill>
@@ -15221,13 +15666,244 @@
           <a:lstStyle/>
           <a:p>
             <a:r>
-              <a:rPr lang="he-IL" dirty="0"/>
+              <a:rPr lang="he-IL"/>
               <a:t>אוריון פתרונות תוכנה בע"מ</a:t>
             </a:r>
             <a:endParaRPr lang="en-US" dirty="0"/>
           </a:p>
         </p:txBody>
       </p:sp>
+      <p:sp>
+        <p:nvSpPr>
+          <p:cNvPr id="4" name="TextBox 3">
+            <a:extLst>
+              <a:ext uri="{FF2B5EF4-FFF2-40B4-BE49-F238E27FC236}">
+                <a16:creationId xmlns:a16="http://schemas.microsoft.com/office/drawing/2014/main" id="{162421DF-2665-A6C9-20B8-0714AB0BECF1}"/>
+              </a:ext>
+            </a:extLst>
+          </p:cNvPr>
+          <p:cNvSpPr txBox="1"/>
+          <p:nvPr/>
+        </p:nvSpPr>
+        <p:spPr>
+          <a:xfrm>
+            <a:off x="2916455" y="1724266"/>
+            <a:ext cx="8996429" cy="3780522"/>
+          </a:xfrm>
+          <a:prstGeom prst="rect">
+            <a:avLst/>
+          </a:prstGeom>
+          <a:noFill/>
+        </p:spPr>
+        <p:txBody>
+          <a:bodyPr wrap="square">
+            <a:spAutoFit/>
+          </a:bodyPr>
+          <a:lstStyle/>
+          <a:p>
+            <a:pPr marL="1143000" lvl="1" indent="-457200">
+              <a:lnSpc>
+                <a:spcPct val="150000"/>
+              </a:lnSpc>
+              <a:buFont typeface="+mj-lt"/>
+              <a:buAutoNum type="arabicPeriod"/>
+            </a:pPr>
+            <a:r>
+              <a:rPr lang="he-IL" altLang="en-US" dirty="0"/>
+              <a:t>בעת עליית המערכת, נקרא מזהה של מספר רכיבי חומרה במחשב</a:t>
+            </a:r>
+          </a:p>
+          <a:p>
+            <a:pPr marL="1143000" lvl="1" indent="-457200">
+              <a:lnSpc>
+                <a:spcPct val="150000"/>
+              </a:lnSpc>
+              <a:buFont typeface="+mj-lt"/>
+              <a:buAutoNum type="arabicPeriod"/>
+            </a:pPr>
+            <a:r>
+              <a:rPr lang="he-IL" altLang="en-US" dirty="0"/>
+              <a:t>תוצג למשתמש הודעה שכוללת</a:t>
+            </a:r>
+          </a:p>
+          <a:p>
+            <a:pPr marL="1250950" lvl="1" indent="269875">
+              <a:lnSpc>
+                <a:spcPct val="150000"/>
+              </a:lnSpc>
+              <a:buFont typeface="Arial" panose="020B0604020202020204" pitchFamily="34" charset="0"/>
+              <a:buChar char="•"/>
+              <a:tabLst>
+                <a:tab pos="1617663" algn="l"/>
+              </a:tabLst>
+            </a:pPr>
+            <a:r>
+              <a:rPr lang="he-IL" altLang="en-US" dirty="0"/>
+              <a:t>	מזהה ייחודי על בסיס המזהה שנקרא בסעיף 1</a:t>
+            </a:r>
+          </a:p>
+          <a:p>
+            <a:pPr marL="1250950" lvl="1" indent="269875">
+              <a:lnSpc>
+                <a:spcPct val="150000"/>
+              </a:lnSpc>
+              <a:buFont typeface="Arial" panose="020B0604020202020204" pitchFamily="34" charset="0"/>
+              <a:buChar char="•"/>
+              <a:tabLst>
+                <a:tab pos="1617663" algn="l"/>
+              </a:tabLst>
+            </a:pPr>
+            <a:r>
+              <a:rPr lang="he-IL" altLang="en-US" dirty="0"/>
+              <a:t>שדה להזנת רישיון</a:t>
+            </a:r>
+          </a:p>
+          <a:p>
+            <a:pPr marL="1065212" lvl="1" indent="-342900">
+              <a:lnSpc>
+                <a:spcPct val="150000"/>
+              </a:lnSpc>
+              <a:buAutoNum type="arabicPeriod" startAt="3"/>
+              <a:tabLst>
+                <a:tab pos="1617663" algn="l"/>
+              </a:tabLst>
+            </a:pPr>
+            <a:r>
+              <a:rPr lang="he-IL" altLang="en-US" dirty="0"/>
+              <a:t>הלקוח ישלח את המזהה שקיבל בסעיף 2 </a:t>
+            </a:r>
+            <a:r>
+              <a:rPr lang="he-IL" altLang="en-US" dirty="0" err="1"/>
+              <a:t>לאלאופ</a:t>
+            </a:r>
+            <a:endParaRPr lang="he-IL" altLang="en-US" dirty="0"/>
+          </a:p>
+          <a:p>
+            <a:pPr marL="1065212" lvl="1" indent="-342900">
+              <a:lnSpc>
+                <a:spcPct val="150000"/>
+              </a:lnSpc>
+              <a:buAutoNum type="arabicPeriod" startAt="3"/>
+              <a:tabLst>
+                <a:tab pos="1617663" algn="l"/>
+              </a:tabLst>
+            </a:pPr>
+            <a:r>
+              <a:rPr lang="he-IL" altLang="en-US" dirty="0" err="1"/>
+              <a:t>אלאופ</a:t>
+            </a:r>
+            <a:r>
+              <a:rPr lang="he-IL" altLang="en-US" dirty="0"/>
+              <a:t> תנפיק ללקוח רישיון, על בסיס מזהה, באמצעות אפליקציה ייעודית</a:t>
+            </a:r>
+          </a:p>
+          <a:p>
+            <a:pPr marL="1143000" lvl="1">
+              <a:lnSpc>
+                <a:spcPct val="150000"/>
+              </a:lnSpc>
+              <a:tabLst>
+                <a:tab pos="1617663" algn="l"/>
+              </a:tabLst>
+            </a:pPr>
+            <a:r>
+              <a:rPr lang="he-IL" altLang="en-US" sz="1800" dirty="0"/>
+              <a:t> </a:t>
+            </a:r>
+          </a:p>
+          <a:p>
+            <a:pPr marL="1143000" lvl="1" indent="204788">
+              <a:lnSpc>
+                <a:spcPct val="150000"/>
+              </a:lnSpc>
+              <a:buFont typeface="Arial" panose="020B0604020202020204" pitchFamily="34" charset="0"/>
+              <a:buChar char="•"/>
+              <a:tabLst>
+                <a:tab pos="1617663" algn="l"/>
+              </a:tabLst>
+            </a:pPr>
+            <a:r>
+              <a:rPr lang="he-IL" altLang="en-US" sz="1800" dirty="0"/>
+              <a:t>נוסיף לטופס תיבת גלילה שתכיל את סוג המוצר עבור</a:t>
+            </a:r>
+          </a:p>
+          <a:p>
+            <a:pPr marL="1143000" lvl="1">
+              <a:lnSpc>
+                <a:spcPct val="150000"/>
+              </a:lnSpc>
+              <a:tabLst>
+                <a:tab pos="1617663" algn="l"/>
+              </a:tabLst>
+            </a:pPr>
+            <a:r>
+              <a:rPr lang="he-IL" altLang="en-US" dirty="0"/>
+              <a:t>    נרצה להנפיק את הרישיון</a:t>
+            </a:r>
+            <a:endParaRPr lang="he-IL" altLang="en-US" sz="1800" dirty="0"/>
+          </a:p>
+        </p:txBody>
+      </p:sp>
+      <p:pic>
+        <p:nvPicPr>
+          <p:cNvPr id="8" name="Picture 7">
+            <a:extLst>
+              <a:ext uri="{FF2B5EF4-FFF2-40B4-BE49-F238E27FC236}">
+                <a16:creationId xmlns:a16="http://schemas.microsoft.com/office/drawing/2014/main" id="{6C426DCC-8F00-E9E1-DF1D-BB5E93CE2C83}"/>
+              </a:ext>
+            </a:extLst>
+          </p:cNvPr>
+          <p:cNvPicPr>
+            <a:picLocks noChangeAspect="1"/>
+          </p:cNvPicPr>
+          <p:nvPr/>
+        </p:nvPicPr>
+        <p:blipFill>
+          <a:blip r:embed="rId2"/>
+          <a:stretch>
+            <a:fillRect/>
+          </a:stretch>
+        </p:blipFill>
+        <p:spPr>
+          <a:xfrm>
+            <a:off x="730982" y="2295367"/>
+            <a:ext cx="4526282" cy="1133633"/>
+          </a:xfrm>
+          <a:prstGeom prst="rect">
+            <a:avLst/>
+          </a:prstGeom>
+        </p:spPr>
+      </p:pic>
+      <p:pic>
+        <p:nvPicPr>
+          <p:cNvPr id="12" name="Picture 11">
+            <a:extLst>
+              <a:ext uri="{FF2B5EF4-FFF2-40B4-BE49-F238E27FC236}">
+                <a16:creationId xmlns:a16="http://schemas.microsoft.com/office/drawing/2014/main" id="{2AD8469F-BD0E-D5F3-6CAC-C4D05D363CD8}"/>
+              </a:ext>
+            </a:extLst>
+          </p:cNvPr>
+          <p:cNvPicPr>
+            <a:picLocks noChangeAspect="1"/>
+          </p:cNvPicPr>
+          <p:nvPr/>
+        </p:nvPicPr>
+        <p:blipFill>
+          <a:blip r:embed="rId3"/>
+          <a:stretch>
+            <a:fillRect/>
+          </a:stretch>
+        </p:blipFill>
+        <p:spPr>
+          <a:xfrm>
+            <a:off x="736999" y="4254282"/>
+            <a:ext cx="4526281" cy="1756143"/>
+          </a:xfrm>
+          <a:prstGeom prst="rect">
+            <a:avLst/>
+          </a:prstGeom>
+        </p:spPr>
+      </p:pic>
     </p:spTree>
     <p:extLst>
       <p:ext uri="{BB962C8B-B14F-4D97-AF65-F5344CB8AC3E}">
@@ -15242,6 +15918,465 @@
 </file>
 
 <file path=ppt/slides/slide16.xml><?xml version="1.0" encoding="utf-8"?>
+<p:sld xmlns:a="http://schemas.openxmlformats.org/drawingml/2006/main" xmlns:r="http://schemas.openxmlformats.org/officeDocument/2006/relationships" xmlns:p="http://schemas.openxmlformats.org/presentationml/2006/main">
+  <p:cSld>
+    <p:spTree>
+      <p:nvGrpSpPr>
+        <p:cNvPr id="1" name="">
+          <a:extLst>
+            <a:ext uri="{FF2B5EF4-FFF2-40B4-BE49-F238E27FC236}">
+              <a16:creationId xmlns:a16="http://schemas.microsoft.com/office/drawing/2014/main" id="{E424EAB8-6DEE-93E7-0A2B-266A8B3BF243}"/>
+            </a:ext>
+          </a:extLst>
+        </p:cNvPr>
+        <p:cNvGrpSpPr/>
+        <p:nvPr/>
+      </p:nvGrpSpPr>
+      <p:grpSpPr>
+        <a:xfrm>
+          <a:off x="0" y="0"/>
+          <a:ext cx="0" cy="0"/>
+          <a:chOff x="0" y="0"/>
+          <a:chExt cx="0" cy="0"/>
+        </a:xfrm>
+      </p:grpSpPr>
+      <p:sp>
+        <p:nvSpPr>
+          <p:cNvPr id="2" name="כותרת 1">
+            <a:extLst>
+              <a:ext uri="{FF2B5EF4-FFF2-40B4-BE49-F238E27FC236}">
+                <a16:creationId xmlns:a16="http://schemas.microsoft.com/office/drawing/2014/main" id="{D492EA65-D519-4A77-7940-28BEAA6ED2CB}"/>
+              </a:ext>
+            </a:extLst>
+          </p:cNvPr>
+          <p:cNvSpPr>
+            <a:spLocks noGrp="1"/>
+          </p:cNvSpPr>
+          <p:nvPr>
+            <p:ph type="title"/>
+          </p:nvPr>
+        </p:nvSpPr>
+        <p:spPr/>
+        <p:txBody>
+          <a:bodyPr/>
+          <a:lstStyle/>
+          <a:p>
+            <a:pPr marL="1143000" lvl="1" indent="-457200" algn="ctr" rtl="1">
+              <a:lnSpc>
+                <a:spcPct val="150000"/>
+              </a:lnSpc>
+            </a:pPr>
+            <a:r>
+              <a:rPr lang="he-IL" altLang="en-US" sz="4400" dirty="0">
+                <a:solidFill>
+                  <a:schemeClr val="bg1"/>
+                </a:solidFill>
+              </a:rPr>
+              <a:t>ניהול רישיונות – צד לקוח</a:t>
+            </a:r>
+            <a:endParaRPr lang="en-US" altLang="en-US" sz="4400" dirty="0">
+              <a:solidFill>
+                <a:schemeClr val="bg1"/>
+              </a:solidFill>
+            </a:endParaRPr>
+          </a:p>
+        </p:txBody>
+      </p:sp>
+      <p:sp>
+        <p:nvSpPr>
+          <p:cNvPr id="3" name="מציין מיקום של כותרת תחתונה 2">
+            <a:extLst>
+              <a:ext uri="{FF2B5EF4-FFF2-40B4-BE49-F238E27FC236}">
+                <a16:creationId xmlns:a16="http://schemas.microsoft.com/office/drawing/2014/main" id="{E928276F-24F5-6F88-A328-7159F37E92EA}"/>
+              </a:ext>
+            </a:extLst>
+          </p:cNvPr>
+          <p:cNvSpPr>
+            <a:spLocks noGrp="1"/>
+          </p:cNvSpPr>
+          <p:nvPr>
+            <p:ph type="ftr" sz="quarter" idx="10"/>
+          </p:nvPr>
+        </p:nvSpPr>
+        <p:spPr/>
+        <p:txBody>
+          <a:bodyPr/>
+          <a:lstStyle/>
+          <a:p>
+            <a:r>
+              <a:rPr lang="he-IL"/>
+              <a:t>אוריון פתרונות תוכנה בע"מ</a:t>
+            </a:r>
+            <a:endParaRPr lang="en-US" dirty="0"/>
+          </a:p>
+        </p:txBody>
+      </p:sp>
+      <p:sp>
+        <p:nvSpPr>
+          <p:cNvPr id="4" name="TextBox 3">
+            <a:extLst>
+              <a:ext uri="{FF2B5EF4-FFF2-40B4-BE49-F238E27FC236}">
+                <a16:creationId xmlns:a16="http://schemas.microsoft.com/office/drawing/2014/main" id="{5266BAA3-656C-3AFE-6341-D8F07E2FE101}"/>
+              </a:ext>
+            </a:extLst>
+          </p:cNvPr>
+          <p:cNvSpPr txBox="1"/>
+          <p:nvPr/>
+        </p:nvSpPr>
+        <p:spPr>
+          <a:xfrm>
+            <a:off x="875899" y="1724266"/>
+            <a:ext cx="11036985" cy="2118529"/>
+          </a:xfrm>
+          <a:prstGeom prst="rect">
+            <a:avLst/>
+          </a:prstGeom>
+          <a:noFill/>
+        </p:spPr>
+        <p:txBody>
+          <a:bodyPr wrap="square">
+            <a:spAutoFit/>
+          </a:bodyPr>
+          <a:lstStyle/>
+          <a:p>
+            <a:pPr marL="1143000" lvl="1" indent="-457200">
+              <a:lnSpc>
+                <a:spcPct val="150000"/>
+              </a:lnSpc>
+              <a:buFont typeface="+mj-lt"/>
+              <a:buAutoNum type="arabicPeriod"/>
+            </a:pPr>
+            <a:r>
+              <a:rPr lang="he-IL" altLang="en-US" dirty="0"/>
+              <a:t>בעת עליית המערכת, נקרא מזהה של מספר רכיבי חומרה במחשב</a:t>
+            </a:r>
+          </a:p>
+          <a:p>
+            <a:pPr marL="1143000" lvl="1" indent="-457200">
+              <a:lnSpc>
+                <a:spcPct val="150000"/>
+              </a:lnSpc>
+              <a:buFont typeface="+mj-lt"/>
+              <a:buAutoNum type="arabicPeriod"/>
+            </a:pPr>
+            <a:r>
+              <a:rPr lang="he-IL" altLang="en-US" dirty="0"/>
+              <a:t>תוצג למשתמש הודעה שכוללת</a:t>
+            </a:r>
+          </a:p>
+          <a:p>
+            <a:pPr marL="1250950" lvl="1" indent="269875">
+              <a:lnSpc>
+                <a:spcPct val="150000"/>
+              </a:lnSpc>
+              <a:buFont typeface="Arial" panose="020B0604020202020204" pitchFamily="34" charset="0"/>
+              <a:buChar char="•"/>
+              <a:tabLst>
+                <a:tab pos="1617663" algn="l"/>
+              </a:tabLst>
+            </a:pPr>
+            <a:r>
+              <a:rPr lang="he-IL" altLang="en-US" dirty="0"/>
+              <a:t>	מזהה ייחודי על בסיס המזהה שנקרא בסעיף 1</a:t>
+            </a:r>
+          </a:p>
+          <a:p>
+            <a:pPr marL="1250950" lvl="1" indent="269875">
+              <a:lnSpc>
+                <a:spcPct val="150000"/>
+              </a:lnSpc>
+              <a:buFont typeface="Arial" panose="020B0604020202020204" pitchFamily="34" charset="0"/>
+              <a:buChar char="•"/>
+              <a:tabLst>
+                <a:tab pos="1617663" algn="l"/>
+              </a:tabLst>
+            </a:pPr>
+            <a:r>
+              <a:rPr lang="he-IL" altLang="en-US" dirty="0"/>
+              <a:t>שדה להזנת רישיון</a:t>
+            </a:r>
+          </a:p>
+          <a:p>
+            <a:pPr marL="1065212" lvl="1" indent="-342900">
+              <a:lnSpc>
+                <a:spcPct val="150000"/>
+              </a:lnSpc>
+              <a:buAutoNum type="arabicPeriod" startAt="3"/>
+              <a:tabLst>
+                <a:tab pos="1617663" algn="l"/>
+              </a:tabLst>
+            </a:pPr>
+            <a:r>
+              <a:rPr lang="he-IL" altLang="en-US" dirty="0"/>
+              <a:t>הלקוח ישלח את המזהה שקיבל בסעיף 2 </a:t>
+            </a:r>
+            <a:r>
+              <a:rPr lang="he-IL" altLang="en-US" dirty="0" err="1"/>
+              <a:t>לאלאופ</a:t>
+            </a:r>
+            <a:endParaRPr lang="he-IL" altLang="en-US" dirty="0"/>
+          </a:p>
+        </p:txBody>
+      </p:sp>
+      <p:pic>
+        <p:nvPicPr>
+          <p:cNvPr id="8" name="Picture 7">
+            <a:extLst>
+              <a:ext uri="{FF2B5EF4-FFF2-40B4-BE49-F238E27FC236}">
+                <a16:creationId xmlns:a16="http://schemas.microsoft.com/office/drawing/2014/main" id="{C879FC17-AD4B-BA4C-B013-2D1879B0EF31}"/>
+              </a:ext>
+            </a:extLst>
+          </p:cNvPr>
+          <p:cNvPicPr>
+            <a:picLocks noChangeAspect="1"/>
+          </p:cNvPicPr>
+          <p:nvPr/>
+        </p:nvPicPr>
+        <p:blipFill>
+          <a:blip r:embed="rId2"/>
+          <a:stretch>
+            <a:fillRect/>
+          </a:stretch>
+        </p:blipFill>
+        <p:spPr>
+          <a:xfrm>
+            <a:off x="6201886" y="4301928"/>
+            <a:ext cx="4526282" cy="1133633"/>
+          </a:xfrm>
+          <a:prstGeom prst="rect">
+            <a:avLst/>
+          </a:prstGeom>
+        </p:spPr>
+      </p:pic>
+    </p:spTree>
+    <p:extLst>
+      <p:ext uri="{BB962C8B-B14F-4D97-AF65-F5344CB8AC3E}">
+        <p14:creationId xmlns:p14="http://schemas.microsoft.com/office/powerpoint/2010/main" val="3174862337"/>
+      </p:ext>
+    </p:extLst>
+  </p:cSld>
+  <p:clrMapOvr>
+    <a:masterClrMapping/>
+  </p:clrMapOvr>
+</p:sld>
+</file>
+
+<file path=ppt/slides/slide17.xml><?xml version="1.0" encoding="utf-8"?>
+<p:sld xmlns:a="http://schemas.openxmlformats.org/drawingml/2006/main" xmlns:r="http://schemas.openxmlformats.org/officeDocument/2006/relationships" xmlns:p="http://schemas.openxmlformats.org/presentationml/2006/main">
+  <p:cSld>
+    <p:spTree>
+      <p:nvGrpSpPr>
+        <p:cNvPr id="1" name="">
+          <a:extLst>
+            <a:ext uri="{FF2B5EF4-FFF2-40B4-BE49-F238E27FC236}">
+              <a16:creationId xmlns:a16="http://schemas.microsoft.com/office/drawing/2014/main" id="{504FFB9B-41BC-6AEC-DE4D-D34FF595195B}"/>
+            </a:ext>
+          </a:extLst>
+        </p:cNvPr>
+        <p:cNvGrpSpPr/>
+        <p:nvPr/>
+      </p:nvGrpSpPr>
+      <p:grpSpPr>
+        <a:xfrm>
+          <a:off x="0" y="0"/>
+          <a:ext cx="0" cy="0"/>
+          <a:chOff x="0" y="0"/>
+          <a:chExt cx="0" cy="0"/>
+        </a:xfrm>
+      </p:grpSpPr>
+      <p:sp>
+        <p:nvSpPr>
+          <p:cNvPr id="2" name="כותרת 1">
+            <a:extLst>
+              <a:ext uri="{FF2B5EF4-FFF2-40B4-BE49-F238E27FC236}">
+                <a16:creationId xmlns:a16="http://schemas.microsoft.com/office/drawing/2014/main" id="{579D90ED-80D5-5E4B-AF22-BC8691C6061C}"/>
+              </a:ext>
+            </a:extLst>
+          </p:cNvPr>
+          <p:cNvSpPr>
+            <a:spLocks noGrp="1"/>
+          </p:cNvSpPr>
+          <p:nvPr>
+            <p:ph type="title"/>
+          </p:nvPr>
+        </p:nvSpPr>
+        <p:spPr/>
+        <p:txBody>
+          <a:bodyPr/>
+          <a:lstStyle/>
+          <a:p>
+            <a:pPr marL="1143000" lvl="1" indent="-457200" algn="ctr" rtl="1">
+              <a:lnSpc>
+                <a:spcPct val="150000"/>
+              </a:lnSpc>
+            </a:pPr>
+            <a:r>
+              <a:rPr lang="he-IL" altLang="en-US" sz="4400" dirty="0">
+                <a:solidFill>
+                  <a:schemeClr val="bg1"/>
+                </a:solidFill>
+              </a:rPr>
+              <a:t>ניהול רישיונות – צד </a:t>
+            </a:r>
+            <a:r>
+              <a:rPr lang="he-IL" altLang="en-US" sz="4400" dirty="0" err="1">
+                <a:solidFill>
+                  <a:schemeClr val="bg1"/>
+                </a:solidFill>
+              </a:rPr>
+              <a:t>אלאופ</a:t>
+            </a:r>
+            <a:endParaRPr lang="en-US" altLang="en-US" sz="4400" dirty="0">
+              <a:solidFill>
+                <a:schemeClr val="bg1"/>
+              </a:solidFill>
+            </a:endParaRPr>
+          </a:p>
+        </p:txBody>
+      </p:sp>
+      <p:sp>
+        <p:nvSpPr>
+          <p:cNvPr id="3" name="מציין מיקום של כותרת תחתונה 2">
+            <a:extLst>
+              <a:ext uri="{FF2B5EF4-FFF2-40B4-BE49-F238E27FC236}">
+                <a16:creationId xmlns:a16="http://schemas.microsoft.com/office/drawing/2014/main" id="{7021E9AB-E4F1-13F7-2528-B6DB78D8A54E}"/>
+              </a:ext>
+            </a:extLst>
+          </p:cNvPr>
+          <p:cNvSpPr>
+            <a:spLocks noGrp="1"/>
+          </p:cNvSpPr>
+          <p:nvPr>
+            <p:ph type="ftr" sz="quarter" idx="10"/>
+          </p:nvPr>
+        </p:nvSpPr>
+        <p:spPr/>
+        <p:txBody>
+          <a:bodyPr/>
+          <a:lstStyle/>
+          <a:p>
+            <a:r>
+              <a:rPr lang="he-IL"/>
+              <a:t>אוריון פתרונות תוכנה בע"מ</a:t>
+            </a:r>
+            <a:endParaRPr lang="en-US" dirty="0"/>
+          </a:p>
+        </p:txBody>
+      </p:sp>
+      <p:sp>
+        <p:nvSpPr>
+          <p:cNvPr id="5" name="TextBox 4">
+            <a:extLst>
+              <a:ext uri="{FF2B5EF4-FFF2-40B4-BE49-F238E27FC236}">
+                <a16:creationId xmlns:a16="http://schemas.microsoft.com/office/drawing/2014/main" id="{866CF914-D5B3-8D1C-5C8F-83F50CB220C9}"/>
+              </a:ext>
+            </a:extLst>
+          </p:cNvPr>
+          <p:cNvSpPr txBox="1"/>
+          <p:nvPr/>
+        </p:nvSpPr>
+        <p:spPr>
+          <a:xfrm>
+            <a:off x="856648" y="1548377"/>
+            <a:ext cx="11100334" cy="872034"/>
+          </a:xfrm>
+          <a:prstGeom prst="rect">
+            <a:avLst/>
+          </a:prstGeom>
+          <a:noFill/>
+        </p:spPr>
+        <p:txBody>
+          <a:bodyPr wrap="square">
+            <a:spAutoFit/>
+          </a:bodyPr>
+          <a:lstStyle/>
+          <a:p>
+            <a:pPr marL="1065212" lvl="1" indent="-342900">
+              <a:lnSpc>
+                <a:spcPct val="150000"/>
+              </a:lnSpc>
+              <a:buAutoNum type="arabicPeriod" startAt="3"/>
+              <a:tabLst>
+                <a:tab pos="1617663" algn="l"/>
+              </a:tabLst>
+            </a:pPr>
+            <a:r>
+              <a:rPr lang="he-IL" altLang="en-US" dirty="0" err="1"/>
+              <a:t>אלאופ</a:t>
+            </a:r>
+            <a:r>
+              <a:rPr lang="he-IL" altLang="en-US" dirty="0"/>
+              <a:t> תנפיק ללקוח רישיון, על בסיס מזהה, באמצעות אפליקציה ייעודית</a:t>
+            </a:r>
+            <a:endParaRPr lang="he-IL" altLang="en-US" sz="1800" dirty="0"/>
+          </a:p>
+          <a:p>
+            <a:pPr marL="1143000" lvl="1" indent="204788">
+              <a:lnSpc>
+                <a:spcPct val="150000"/>
+              </a:lnSpc>
+              <a:buFont typeface="Arial" panose="020B0604020202020204" pitchFamily="34" charset="0"/>
+              <a:buChar char="•"/>
+              <a:tabLst>
+                <a:tab pos="1617663" algn="l"/>
+              </a:tabLst>
+            </a:pPr>
+            <a:r>
+              <a:rPr lang="he-IL" altLang="en-US" sz="1800" dirty="0"/>
+              <a:t>נוסיף לטופס תיבת גלילה שתכיל את סוג המוצר עבור </a:t>
+            </a:r>
+            <a:r>
+              <a:rPr lang="he-IL" altLang="en-US" dirty="0"/>
+              <a:t>נרצה להנפיק את הרישיון</a:t>
+            </a:r>
+            <a:endParaRPr lang="he-IL" altLang="en-US" sz="1800" dirty="0"/>
+          </a:p>
+        </p:txBody>
+      </p:sp>
+      <p:pic>
+        <p:nvPicPr>
+          <p:cNvPr id="6" name="Picture 5">
+            <a:extLst>
+              <a:ext uri="{FF2B5EF4-FFF2-40B4-BE49-F238E27FC236}">
+                <a16:creationId xmlns:a16="http://schemas.microsoft.com/office/drawing/2014/main" id="{4B9E2019-BA78-9D55-471A-FA04D6D18E90}"/>
+              </a:ext>
+            </a:extLst>
+          </p:cNvPr>
+          <p:cNvPicPr>
+            <a:picLocks noChangeAspect="1"/>
+          </p:cNvPicPr>
+          <p:nvPr/>
+        </p:nvPicPr>
+        <p:blipFill>
+          <a:blip r:embed="rId2"/>
+          <a:stretch>
+            <a:fillRect/>
+          </a:stretch>
+        </p:blipFill>
+        <p:spPr>
+          <a:xfrm>
+            <a:off x="6021268" y="2748824"/>
+            <a:ext cx="4526281" cy="1756143"/>
+          </a:xfrm>
+          <a:prstGeom prst="rect">
+            <a:avLst/>
+          </a:prstGeom>
+        </p:spPr>
+      </p:pic>
+    </p:spTree>
+    <p:extLst>
+      <p:ext uri="{BB962C8B-B14F-4D97-AF65-F5344CB8AC3E}">
+        <p14:creationId xmlns:p14="http://schemas.microsoft.com/office/powerpoint/2010/main" val="2064315268"/>
+      </p:ext>
+    </p:extLst>
+  </p:cSld>
+  <p:clrMapOvr>
+    <a:masterClrMapping/>
+  </p:clrMapOvr>
+</p:sld>
+</file>
+
+<file path=ppt/slides/slide18.xml><?xml version="1.0" encoding="utf-8"?>
 <p:sld xmlns:a="http://schemas.openxmlformats.org/drawingml/2006/main" xmlns:r="http://schemas.openxmlformats.org/officeDocument/2006/relationships" xmlns:p="http://schemas.openxmlformats.org/presentationml/2006/main">
   <p:cSld>
     <p:spTree>
@@ -15521,7 +16656,7 @@
         </p:spPr>
         <p:txBody>
           <a:bodyPr>
-            <a:normAutofit lnSpcReduction="10000"/>
+            <a:normAutofit fontScale="92500"/>
           </a:bodyPr>
           <a:lstStyle/>
           <a:p>
@@ -15617,7 +16752,7 @@
             </a:pPr>
             <a:r>
               <a:rPr lang="he-IL" altLang="en-US" sz="3000" dirty="0"/>
-              <a:t>בדומה למחשב טכנאי קודמים, בסיס הנתונים הוא </a:t>
+              <a:t>בדומה למחשבי טכנאי קודמים, בסיס הנתונים הוא </a:t>
             </a:r>
             <a:r>
               <a:rPr lang="he-IL" altLang="en-US" sz="3000" dirty="0" err="1"/>
@@ -15688,8 +16823,8 @@
         </p:nvSpPr>
         <p:spPr bwMode="auto">
           <a:xfrm>
-            <a:off x="5963549" y="4872295"/>
-            <a:ext cx="1822990" cy="875698"/>
+            <a:off x="5963548" y="4872295"/>
+            <a:ext cx="1839619" cy="1206120"/>
           </a:xfrm>
           <a:prstGeom prst="rect">
             <a:avLst/>
@@ -15842,13 +16977,21 @@
           </a:p>
           <a:p>
             <a:pPr algn="l" rtl="0" eaLnBrk="1" hangingPunct="1"/>
+            <a:endParaRPr lang="en-US" altLang="en-US" sz="1800" b="0" dirty="0">
+              <a:solidFill>
+                <a:schemeClr val="bg1"/>
+              </a:solidFill>
+            </a:endParaRPr>
+          </a:p>
+          <a:p>
+            <a:pPr algn="l" rtl="0" eaLnBrk="1" hangingPunct="1"/>
             <a:r>
               <a:rPr lang="en-US" altLang="en-US" sz="1800" b="0" dirty="0">
                 <a:solidFill>
                   <a:schemeClr val="bg1"/>
                 </a:solidFill>
               </a:rPr>
-              <a:t>DIRCM</a:t>
+              <a:t>      DIRCM</a:t>
             </a:r>
           </a:p>
           <a:p>
@@ -15981,8 +17124,8 @@
         </p:nvSpPr>
         <p:spPr bwMode="auto">
           <a:xfrm>
-            <a:off x="5999815" y="2578084"/>
-            <a:ext cx="1803352" cy="850913"/>
+            <a:off x="5999815" y="2207908"/>
+            <a:ext cx="1803352" cy="1221090"/>
           </a:xfrm>
           <a:prstGeom prst="rect">
             <a:avLst/>
@@ -16170,10 +17313,10 @@
         </p:nvGrpSpPr>
         <p:grpSpPr bwMode="auto">
           <a:xfrm>
-            <a:off x="8075660" y="2517281"/>
-            <a:ext cx="1884365" cy="926334"/>
-            <a:chOff x="3840" y="1154"/>
-            <a:chExt cx="1187" cy="504"/>
+            <a:off x="8075661" y="2041249"/>
+            <a:ext cx="2641604" cy="1402367"/>
+            <a:chOff x="3840" y="895"/>
+            <a:chExt cx="1664" cy="763"/>
           </a:xfrm>
         </p:grpSpPr>
         <p:sp>
@@ -16192,8 +17335,8 @@
           </p:nvSpPr>
           <p:spPr bwMode="auto">
             <a:xfrm>
-              <a:off x="4558" y="1162"/>
-              <a:ext cx="469" cy="496"/>
+              <a:off x="4558" y="895"/>
+              <a:ext cx="946" cy="763"/>
             </a:xfrm>
             <a:prstGeom prst="flowChartMagneticDisk">
               <a:avLst/>
@@ -17026,8 +18169,8 @@
         </p:nvSpPr>
         <p:spPr bwMode="auto">
           <a:xfrm>
-            <a:off x="1728640" y="2578084"/>
-            <a:ext cx="1501698" cy="825042"/>
+            <a:off x="1728640" y="2207908"/>
+            <a:ext cx="1501698" cy="1195218"/>
           </a:xfrm>
           <a:prstGeom prst="rect">
             <a:avLst/>
@@ -17870,242 +19013,6 @@
         <p:cNvPr id="1" name="">
           <a:extLst>
             <a:ext uri="{FF2B5EF4-FFF2-40B4-BE49-F238E27FC236}">
-              <a16:creationId xmlns:a16="http://schemas.microsoft.com/office/drawing/2014/main" id="{2926A076-8968-44BA-943A-50C7B3DA7F20}"/>
-            </a:ext>
-          </a:extLst>
-        </p:cNvPr>
-        <p:cNvGrpSpPr/>
-        <p:nvPr/>
-      </p:nvGrpSpPr>
-      <p:grpSpPr>
-        <a:xfrm>
-          <a:off x="0" y="0"/>
-          <a:ext cx="0" cy="0"/>
-          <a:chOff x="0" y="0"/>
-          <a:chExt cx="0" cy="0"/>
-        </a:xfrm>
-      </p:grpSpPr>
-      <p:sp>
-        <p:nvSpPr>
-          <p:cNvPr id="2" name="כותרת 1">
-            <a:extLst>
-              <a:ext uri="{FF2B5EF4-FFF2-40B4-BE49-F238E27FC236}">
-                <a16:creationId xmlns:a16="http://schemas.microsoft.com/office/drawing/2014/main" id="{9D8AB176-7811-2529-9707-6254DF6CB886}"/>
-              </a:ext>
-            </a:extLst>
-          </p:cNvPr>
-          <p:cNvSpPr>
-            <a:spLocks noGrp="1"/>
-          </p:cNvSpPr>
-          <p:nvPr>
-            <p:ph type="title"/>
-          </p:nvPr>
-        </p:nvSpPr>
-        <p:spPr/>
-        <p:txBody>
-          <a:bodyPr/>
-          <a:lstStyle/>
-          <a:p>
-            <a:r>
-              <a:rPr lang="he-IL" dirty="0"/>
-              <a:t>כללי</a:t>
-            </a:r>
-            <a:endParaRPr lang="en-US" dirty="0"/>
-          </a:p>
-        </p:txBody>
-      </p:sp>
-      <p:sp>
-        <p:nvSpPr>
-          <p:cNvPr id="3" name="מציין מיקום של כותרת תחתונה 2">
-            <a:extLst>
-              <a:ext uri="{FF2B5EF4-FFF2-40B4-BE49-F238E27FC236}">
-                <a16:creationId xmlns:a16="http://schemas.microsoft.com/office/drawing/2014/main" id="{4C5F85AF-20AF-E103-2CE1-2CA00D9BF7D6}"/>
-              </a:ext>
-            </a:extLst>
-          </p:cNvPr>
-          <p:cNvSpPr>
-            <a:spLocks noGrp="1"/>
-          </p:cNvSpPr>
-          <p:nvPr>
-            <p:ph type="ftr" sz="quarter" idx="10"/>
-          </p:nvPr>
-        </p:nvSpPr>
-        <p:spPr/>
-        <p:txBody>
-          <a:bodyPr/>
-          <a:lstStyle/>
-          <a:p>
-            <a:r>
-              <a:rPr lang="he-IL" dirty="0"/>
-              <a:t>אוריון פתרונות תוכנה בע"מ</a:t>
-            </a:r>
-            <a:endParaRPr lang="en-US" dirty="0"/>
-          </a:p>
-        </p:txBody>
-      </p:sp>
-      <p:sp>
-        <p:nvSpPr>
-          <p:cNvPr id="4" name="מציין מיקום טקסט 3">
-            <a:extLst>
-              <a:ext uri="{FF2B5EF4-FFF2-40B4-BE49-F238E27FC236}">
-                <a16:creationId xmlns:a16="http://schemas.microsoft.com/office/drawing/2014/main" id="{B564A7F8-A4E7-F3ED-9875-D1F7461AFFC9}"/>
-              </a:ext>
-            </a:extLst>
-          </p:cNvPr>
-          <p:cNvSpPr>
-            <a:spLocks noGrp="1"/>
-          </p:cNvSpPr>
-          <p:nvPr>
-            <p:ph type="body" sz="quarter" idx="11"/>
-          </p:nvPr>
-        </p:nvSpPr>
-        <p:spPr>
-          <a:xfrm>
-            <a:off x="933450" y="1944673"/>
-            <a:ext cx="9972675" cy="2014957"/>
-          </a:xfrm>
-        </p:spPr>
-        <p:txBody>
-          <a:bodyPr/>
-          <a:lstStyle/>
-          <a:p>
-            <a:pPr>
-              <a:lnSpc>
-                <a:spcPct val="150000"/>
-              </a:lnSpc>
-            </a:pPr>
-            <a:endParaRPr lang="en-US" dirty="0"/>
-          </a:p>
-          <a:p>
-            <a:endParaRPr lang="en-US" dirty="0"/>
-          </a:p>
-        </p:txBody>
-      </p:sp>
-      <p:sp>
-        <p:nvSpPr>
-          <p:cNvPr id="6" name="TextBox 5">
-            <a:extLst>
-              <a:ext uri="{FF2B5EF4-FFF2-40B4-BE49-F238E27FC236}">
-                <a16:creationId xmlns:a16="http://schemas.microsoft.com/office/drawing/2014/main" id="{A11DB015-FBF0-146D-6BC2-0E924377162A}"/>
-              </a:ext>
-            </a:extLst>
-          </p:cNvPr>
-          <p:cNvSpPr txBox="1"/>
-          <p:nvPr/>
-        </p:nvSpPr>
-        <p:spPr>
-          <a:xfrm>
-            <a:off x="716437" y="1817380"/>
-            <a:ext cx="10998724" cy="935834"/>
-          </a:xfrm>
-          <a:prstGeom prst="rect">
-            <a:avLst/>
-          </a:prstGeom>
-          <a:noFill/>
-        </p:spPr>
-        <p:txBody>
-          <a:bodyPr wrap="square">
-            <a:spAutoFit/>
-          </a:bodyPr>
-          <a:lstStyle/>
-          <a:p>
-            <a:pPr marL="1143000" indent="-457200" algn="r" rtl="1" eaLnBrk="1" latinLnBrk="0" hangingPunct="1">
-              <a:lnSpc>
-                <a:spcPct val="150000"/>
-              </a:lnSpc>
-              <a:spcBef>
-                <a:spcPts val="500"/>
-              </a:spcBef>
-              <a:buClrTx/>
-              <a:buSzPts val="3000"/>
-              <a:buFont typeface="Arial" panose="020B0604020202020204" pitchFamily="34" charset="0"/>
-              <a:buChar char="•"/>
-            </a:pPr>
-            <a:r>
-              <a:rPr lang="he-IL" dirty="0">
-                <a:solidFill>
-                  <a:srgbClr val="000000"/>
-                </a:solidFill>
-                <a:latin typeface="Segoe UI" panose="020B0502040204020203" pitchFamily="34" charset="0"/>
-                <a:cs typeface="Segoe UI" panose="020B0502040204020203" pitchFamily="34" charset="0"/>
-              </a:rPr>
-              <a:t>סיסמאות הכניסה ל </a:t>
-            </a:r>
-            <a:r>
-              <a:rPr lang="en-US" dirty="0">
-                <a:solidFill>
-                  <a:srgbClr val="000000"/>
-                </a:solidFill>
-                <a:latin typeface="Segoe UI" panose="020B0502040204020203" pitchFamily="34" charset="0"/>
-                <a:cs typeface="Segoe UI" panose="020B0502040204020203" pitchFamily="34" charset="0"/>
-              </a:rPr>
-              <a:t>manage</a:t>
-            </a:r>
-            <a:r>
-              <a:rPr lang="he-IL" dirty="0">
-                <a:solidFill>
-                  <a:srgbClr val="000000"/>
-                </a:solidFill>
-                <a:latin typeface="Segoe UI" panose="020B0502040204020203" pitchFamily="34" charset="0"/>
-                <a:cs typeface="Segoe UI" panose="020B0502040204020203" pitchFamily="34" charset="0"/>
-              </a:rPr>
-              <a:t> תואמות לאילו שב </a:t>
-            </a:r>
-            <a:r>
-              <a:rPr lang="en-US" dirty="0">
-                <a:solidFill>
-                  <a:srgbClr val="000000"/>
-                </a:solidFill>
-                <a:latin typeface="Segoe UI" panose="020B0502040204020203" pitchFamily="34" charset="0"/>
-                <a:cs typeface="Segoe UI" panose="020B0502040204020203" pitchFamily="34" charset="0"/>
-              </a:rPr>
-              <a:t>NOVA</a:t>
-            </a:r>
-          </a:p>
-          <a:p>
-            <a:pPr marL="1143000" indent="-457200" algn="r" rtl="1" eaLnBrk="1" latinLnBrk="0" hangingPunct="1">
-              <a:lnSpc>
-                <a:spcPct val="150000"/>
-              </a:lnSpc>
-              <a:spcBef>
-                <a:spcPts val="500"/>
-              </a:spcBef>
-              <a:buClrTx/>
-              <a:buSzPts val="3000"/>
-              <a:buFont typeface="Arial" panose="020B0604020202020204" pitchFamily="34" charset="0"/>
-              <a:buChar char="•"/>
-            </a:pPr>
-            <a:endParaRPr lang="en-US" dirty="0">
-              <a:solidFill>
-                <a:srgbClr val="000000"/>
-              </a:solidFill>
-              <a:latin typeface="Segoe UI" panose="020B0502040204020203" pitchFamily="34" charset="0"/>
-              <a:cs typeface="Segoe UI" panose="020B0502040204020203" pitchFamily="34" charset="0"/>
-            </a:endParaRPr>
-          </a:p>
-        </p:txBody>
-      </p:sp>
-    </p:spTree>
-    <p:extLst>
-      <p:ext uri="{BB962C8B-B14F-4D97-AF65-F5344CB8AC3E}">
-        <p14:creationId xmlns:p14="http://schemas.microsoft.com/office/powerpoint/2010/main" val="1277927659"/>
-      </p:ext>
-    </p:extLst>
-  </p:cSld>
-  <p:clrMapOvr>
-    <a:masterClrMapping/>
-  </p:clrMapOvr>
-</p:sld>
-</file>
-
-<file path=ppt/slides/slide5.xml><?xml version="1.0" encoding="utf-8"?>
-<p:sld xmlns:a="http://schemas.openxmlformats.org/drawingml/2006/main" xmlns:r="http://schemas.openxmlformats.org/officeDocument/2006/relationships" xmlns:p="http://schemas.openxmlformats.org/presentationml/2006/main">
-  <p:cSld>
-    <p:spTree>
-      <p:nvGrpSpPr>
-        <p:cNvPr id="1" name="">
-          <a:extLst>
-            <a:ext uri="{FF2B5EF4-FFF2-40B4-BE49-F238E27FC236}">
               <a16:creationId xmlns:a16="http://schemas.microsoft.com/office/drawing/2014/main" id="{09BEA682-A689-4522-A5E2-7B0944D8A908}"/>
             </a:ext>
           </a:extLst>
@@ -18289,7 +19196,7 @@
 </p:sld>
 </file>
 
-<file path=ppt/slides/slide6.xml><?xml version="1.0" encoding="utf-8"?>
+<file path=ppt/slides/slide5.xml><?xml version="1.0" encoding="utf-8"?>
 <p:sld xmlns:a="http://schemas.openxmlformats.org/drawingml/2006/main" xmlns:r="http://schemas.openxmlformats.org/officeDocument/2006/relationships" xmlns:p="http://schemas.openxmlformats.org/presentationml/2006/main">
   <p:cSld>
     <p:spTree>
@@ -18333,18 +19240,13 @@
               </a:lnSpc>
             </a:pPr>
             <a:r>
-              <a:rPr lang="he-IL" altLang="en-US" sz="4400" dirty="0">
+              <a:rPr lang="en-US" altLang="en-US" sz="4400" dirty="0">
                 <a:solidFill>
                   <a:schemeClr val="bg1"/>
                 </a:solidFill>
               </a:rPr>
-              <a:t>טופס כניסה</a:t>
-            </a:r>
-            <a:endParaRPr lang="en-US" altLang="en-US" sz="4400" dirty="0">
-              <a:solidFill>
-                <a:schemeClr val="bg1"/>
-              </a:solidFill>
-            </a:endParaRPr>
+              <a:t>Login</a:t>
+            </a:r>
           </a:p>
         </p:txBody>
       </p:sp>
@@ -18399,7 +19301,7 @@
         </p:blipFill>
         <p:spPr>
           <a:xfrm>
-            <a:off x="3082565" y="1503383"/>
+            <a:off x="3167408" y="1503383"/>
             <a:ext cx="4872610" cy="4698588"/>
           </a:xfrm>
           <a:prstGeom prst="rect">
@@ -18430,7 +19332,7 @@
 </p:sld>
 </file>
 
-<file path=ppt/slides/slide7.xml><?xml version="1.0" encoding="utf-8"?>
+<file path=ppt/slides/slide6.xml><?xml version="1.0" encoding="utf-8"?>
 <p:sld xmlns:a="http://schemas.openxmlformats.org/drawingml/2006/main" xmlns:r="http://schemas.openxmlformats.org/officeDocument/2006/relationships" xmlns:p="http://schemas.openxmlformats.org/presentationml/2006/main">
   <p:cSld>
     <p:spTree>
@@ -18701,6 +19603,165 @@
           </a:fontRef>
         </p:style>
       </p:cxnSp>
+      <p:sp>
+        <p:nvSpPr>
+          <p:cNvPr id="5" name="TextBox 4">
+            <a:extLst>
+              <a:ext uri="{FF2B5EF4-FFF2-40B4-BE49-F238E27FC236}">
+                <a16:creationId xmlns:a16="http://schemas.microsoft.com/office/drawing/2014/main" id="{862E387F-0A7F-2E7A-84AE-F430F0CA47E5}"/>
+              </a:ext>
+            </a:extLst>
+          </p:cNvPr>
+          <p:cNvSpPr txBox="1"/>
+          <p:nvPr/>
+        </p:nvSpPr>
+        <p:spPr>
+          <a:xfrm>
+            <a:off x="10501459" y="1916392"/>
+            <a:ext cx="1338606" cy="369332"/>
+          </a:xfrm>
+          <a:prstGeom prst="rect">
+            <a:avLst/>
+          </a:prstGeom>
+          <a:noFill/>
+        </p:spPr>
+        <p:txBody>
+          <a:bodyPr wrap="square" rtlCol="1">
+            <a:spAutoFit/>
+          </a:bodyPr>
+          <a:lstStyle/>
+          <a:p>
+            <a:r>
+              <a:rPr lang="he-IL" dirty="0"/>
+              <a:t>מוד מערכת</a:t>
+            </a:r>
+          </a:p>
+        </p:txBody>
+      </p:sp>
+      <p:sp>
+        <p:nvSpPr>
+          <p:cNvPr id="6" name="TextBox 5">
+            <a:extLst>
+              <a:ext uri="{FF2B5EF4-FFF2-40B4-BE49-F238E27FC236}">
+                <a16:creationId xmlns:a16="http://schemas.microsoft.com/office/drawing/2014/main" id="{D669050B-4792-4455-1D24-7EE18F97D91A}"/>
+              </a:ext>
+            </a:extLst>
+          </p:cNvPr>
+          <p:cNvSpPr txBox="1"/>
+          <p:nvPr/>
+        </p:nvSpPr>
+        <p:spPr>
+          <a:xfrm>
+            <a:off x="3101420" y="3080399"/>
+            <a:ext cx="2937250" cy="369332"/>
+          </a:xfrm>
+          <a:prstGeom prst="rect">
+            <a:avLst/>
+          </a:prstGeom>
+          <a:noFill/>
+        </p:spPr>
+        <p:txBody>
+          <a:bodyPr wrap="square" rtlCol="1">
+            <a:spAutoFit/>
+          </a:bodyPr>
+          <a:lstStyle/>
+          <a:p>
+            <a:r>
+              <a:rPr lang="he-IL" dirty="0"/>
+              <a:t>רשימת תקלות במערכת </a:t>
+            </a:r>
+          </a:p>
+        </p:txBody>
+      </p:sp>
+      <p:sp>
+        <p:nvSpPr>
+          <p:cNvPr id="8" name="TextBox 7">
+            <a:extLst>
+              <a:ext uri="{FF2B5EF4-FFF2-40B4-BE49-F238E27FC236}">
+                <a16:creationId xmlns:a16="http://schemas.microsoft.com/office/drawing/2014/main" id="{7626F008-0B5D-D0D7-BE5D-42E2B421A2DE}"/>
+              </a:ext>
+            </a:extLst>
+          </p:cNvPr>
+          <p:cNvSpPr txBox="1"/>
+          <p:nvPr/>
+        </p:nvSpPr>
+        <p:spPr>
+          <a:xfrm>
+            <a:off x="10394524" y="2907631"/>
+            <a:ext cx="1728051" cy="1754326"/>
+          </a:xfrm>
+          <a:prstGeom prst="rect">
+            <a:avLst/>
+          </a:prstGeom>
+          <a:noFill/>
+        </p:spPr>
+        <p:txBody>
+          <a:bodyPr wrap="square" rtlCol="1">
+            <a:spAutoFit/>
+          </a:bodyPr>
+          <a:lstStyle/>
+          <a:p>
+            <a:r>
+              <a:rPr lang="he-IL" dirty="0"/>
+              <a:t>סטטוס </a:t>
+            </a:r>
+            <a:r>
+              <a:rPr lang="en-US" dirty="0"/>
+              <a:t>BIT</a:t>
+            </a:r>
+            <a:r>
+              <a:rPr lang="he-IL" dirty="0"/>
+              <a:t> של תת מערכות</a:t>
+            </a:r>
+          </a:p>
+          <a:p>
+            <a:r>
+              <a:rPr lang="he-IL" dirty="0"/>
+              <a:t>רשימת תתי המערכות נבנה באופן דינאמי מתוכן ההודעה</a:t>
+            </a:r>
+          </a:p>
+        </p:txBody>
+      </p:sp>
+      <p:sp>
+        <p:nvSpPr>
+          <p:cNvPr id="10" name="TextBox 9">
+            <a:extLst>
+              <a:ext uri="{FF2B5EF4-FFF2-40B4-BE49-F238E27FC236}">
+                <a16:creationId xmlns:a16="http://schemas.microsoft.com/office/drawing/2014/main" id="{4C7D4A92-B17A-8E69-6C03-77E36F04031E}"/>
+              </a:ext>
+            </a:extLst>
+          </p:cNvPr>
+          <p:cNvSpPr txBox="1"/>
+          <p:nvPr/>
+        </p:nvSpPr>
+        <p:spPr>
+          <a:xfrm>
+            <a:off x="10482605" y="5355506"/>
+            <a:ext cx="1728051" cy="646331"/>
+          </a:xfrm>
+          <a:prstGeom prst="rect">
+            <a:avLst/>
+          </a:prstGeom>
+          <a:noFill/>
+        </p:spPr>
+        <p:txBody>
+          <a:bodyPr wrap="square" rtlCol="1">
+            <a:spAutoFit/>
+          </a:bodyPr>
+          <a:lstStyle/>
+          <a:p>
+            <a:r>
+              <a:rPr lang="he-IL" dirty="0"/>
+              <a:t>סטטוס תקשורת מול ה </a:t>
+            </a:r>
+            <a:r>
+              <a:rPr lang="en-US" dirty="0"/>
+              <a:t>manage</a:t>
+            </a:r>
+            <a:endParaRPr lang="he-IL" dirty="0"/>
+          </a:p>
+        </p:txBody>
+      </p:sp>
     </p:spTree>
     <p:extLst>
       <p:ext uri="{BB962C8B-B14F-4D97-AF65-F5344CB8AC3E}">
@@ -18714,7 +19775,7 @@
 </p:sld>
 </file>
 
-<file path=ppt/slides/slide8.xml><?xml version="1.0" encoding="utf-8"?>
+<file path=ppt/slides/slide7.xml><?xml version="1.0" encoding="utf-8"?>
 <p:sld xmlns:a="http://schemas.openxmlformats.org/drawingml/2006/main" xmlns:r="http://schemas.openxmlformats.org/officeDocument/2006/relationships" xmlns:p="http://schemas.openxmlformats.org/presentationml/2006/main">
   <p:cSld>
     <p:spTree>
@@ -18862,7 +19923,7 @@
 </p:sld>
 </file>
 
-<file path=ppt/slides/slide9.xml><?xml version="1.0" encoding="utf-8"?>
+<file path=ppt/slides/slide8.xml><?xml version="1.0" encoding="utf-8"?>
 <p:sld xmlns:a="http://schemas.openxmlformats.org/drawingml/2006/main" xmlns:r="http://schemas.openxmlformats.org/officeDocument/2006/relationships" xmlns:p="http://schemas.openxmlformats.org/presentationml/2006/main">
   <p:cSld>
     <p:spTree>
@@ -18967,40 +20028,536 @@
           </a:p>
         </p:txBody>
       </p:sp>
-      <p:pic>
-        <p:nvPicPr>
-          <p:cNvPr id="7" name="Picture 6">
-            <a:extLst>
-              <a:ext uri="{FF2B5EF4-FFF2-40B4-BE49-F238E27FC236}">
-                <a16:creationId xmlns:a16="http://schemas.microsoft.com/office/drawing/2014/main" id="{DE277752-6B07-0EA4-CC35-E297B78605F9}"/>
-              </a:ext>
-            </a:extLst>
-          </p:cNvPr>
-          <p:cNvPicPr>
-            <a:picLocks noChangeAspect="1"/>
-          </p:cNvPicPr>
+      <p:sp>
+        <p:nvSpPr>
+          <p:cNvPr id="5" name="TextBox 4">
+            <a:extLst>
+              <a:ext uri="{FF2B5EF4-FFF2-40B4-BE49-F238E27FC236}">
+                <a16:creationId xmlns:a16="http://schemas.microsoft.com/office/drawing/2014/main" id="{250F1D4D-AD54-09C7-04B1-F55BE0252D05}"/>
+              </a:ext>
+            </a:extLst>
+          </p:cNvPr>
+          <p:cNvSpPr txBox="1"/>
           <p:nvPr/>
-        </p:nvPicPr>
-        <p:blipFill>
-          <a:blip r:embed="rId2"/>
-          <a:stretch>
-            <a:fillRect/>
-          </a:stretch>
-        </p:blipFill>
+        </p:nvSpPr>
         <p:spPr>
           <a:xfrm>
-            <a:off x="1958162" y="1534623"/>
-            <a:ext cx="8275674" cy="4684105"/>
+            <a:off x="583866" y="1319625"/>
+            <a:ext cx="11227323" cy="4618059"/>
           </a:xfrm>
           <a:prstGeom prst="rect">
             <a:avLst/>
           </a:prstGeom>
+          <a:noFill/>
         </p:spPr>
-      </p:pic>
+        <p:txBody>
+          <a:bodyPr wrap="square" rtlCol="1">
+            <a:spAutoFit/>
+          </a:bodyPr>
+          <a:lstStyle/>
+          <a:p>
+            <a:pPr marL="342900" indent="-342900">
+              <a:lnSpc>
+                <a:spcPct val="150000"/>
+              </a:lnSpc>
+              <a:buFont typeface="+mj-lt"/>
+              <a:buAutoNum type="arabicPeriod"/>
+            </a:pPr>
+            <a:r>
+              <a:rPr lang="he-IL" dirty="0"/>
+              <a:t>בחירת </a:t>
+            </a:r>
+            <a:r>
+              <a:rPr lang="en-US" dirty="0"/>
+              <a:t>Tail</a:t>
+            </a:r>
+            <a:r>
+              <a:rPr lang="he-IL" dirty="0"/>
+              <a:t> + הוספת יכולת להוספת חדש</a:t>
+            </a:r>
+          </a:p>
+          <a:p>
+            <a:pPr marL="342900" indent="-342900">
+              <a:lnSpc>
+                <a:spcPct val="150000"/>
+              </a:lnSpc>
+              <a:buFont typeface="+mj-lt"/>
+              <a:buAutoNum type="arabicPeriod"/>
+            </a:pPr>
+            <a:r>
+              <a:rPr lang="en-US" b="1" dirty="0"/>
+              <a:t>Download</a:t>
+            </a:r>
+            <a:r>
+              <a:rPr lang="he-IL" dirty="0"/>
+              <a:t> </a:t>
+            </a:r>
+          </a:p>
+          <a:p>
+            <a:pPr marL="742950" indent="-20638">
+              <a:lnSpc>
+                <a:spcPct val="150000"/>
+              </a:lnSpc>
+              <a:buFont typeface="Arial" panose="020B0604020202020204" pitchFamily="34" charset="0"/>
+              <a:buChar char="•"/>
+            </a:pPr>
+            <a:r>
+              <a:rPr lang="he-IL" dirty="0"/>
+              <a:t>    הורדת לוגים מתבצעת בערוץ </a:t>
+            </a:r>
+            <a:r>
+              <a:rPr lang="en-US" dirty="0"/>
+              <a:t>FTP</a:t>
+            </a:r>
+            <a:r>
+              <a:rPr lang="he-IL" dirty="0"/>
+              <a:t> מ </a:t>
+            </a:r>
+            <a:r>
+              <a:rPr lang="en-US" dirty="0"/>
+              <a:t>Spare CPU Flash</a:t>
+            </a:r>
+            <a:r>
+              <a:rPr lang="he-IL" dirty="0"/>
+              <a:t> מתיקיית </a:t>
+            </a:r>
+            <a:r>
+              <a:rPr lang="en-US" dirty="0"/>
+              <a:t>tffs1</a:t>
+            </a:r>
+            <a:r>
+              <a:rPr lang="he-IL" dirty="0"/>
+              <a:t> (</a:t>
+            </a:r>
+            <a:r>
+              <a:rPr lang="en-US" dirty="0"/>
+              <a:t>manage</a:t>
+            </a:r>
+            <a:r>
+              <a:rPr lang="he-IL" dirty="0"/>
+              <a:t>)</a:t>
+            </a:r>
+          </a:p>
+          <a:p>
+            <a:pPr marL="1008062" lvl="1" indent="-285750">
+              <a:lnSpc>
+                <a:spcPct val="150000"/>
+              </a:lnSpc>
+              <a:buFont typeface="Arial" panose="020B0604020202020204" pitchFamily="34" charset="0"/>
+              <a:buChar char="•"/>
+            </a:pPr>
+            <a:r>
+              <a:rPr lang="he-IL" dirty="0"/>
+              <a:t>הקבצים מורדים לתיקיית </a:t>
+            </a:r>
+            <a:r>
+              <a:rPr lang="en-US" dirty="0"/>
+              <a:t>Logs\</a:t>
+            </a:r>
+            <a:r>
+              <a:rPr lang="en-US" dirty="0" err="1"/>
+              <a:t>TailNumber</a:t>
+            </a:r>
+            <a:r>
+              <a:rPr lang="en-US" dirty="0"/>
+              <a:t>\</a:t>
+            </a:r>
+            <a:r>
+              <a:rPr lang="en-US" dirty="0" err="1"/>
+              <a:t>YY-MM-DD-hh:mm:ss</a:t>
+            </a:r>
+            <a:endParaRPr lang="en-US" dirty="0"/>
+          </a:p>
+          <a:p>
+            <a:pPr marL="1008062" lvl="1" indent="-285750">
+              <a:lnSpc>
+                <a:spcPct val="150000"/>
+              </a:lnSpc>
+              <a:buFont typeface="Arial" panose="020B0604020202020204" pitchFamily="34" charset="0"/>
+              <a:buChar char="•"/>
+            </a:pPr>
+            <a:r>
+              <a:rPr lang="he-IL" dirty="0"/>
+              <a:t>לאחר הורדת הקבצים, מריצים את האפליקציה </a:t>
+            </a:r>
+            <a:r>
+              <a:rPr lang="he-IL" dirty="0" err="1"/>
+              <a:t>האלאופית</a:t>
+            </a:r>
+            <a:r>
+              <a:rPr lang="he-IL" dirty="0"/>
+              <a:t> </a:t>
+            </a:r>
+            <a:r>
+              <a:rPr lang="en-US" dirty="0" err="1"/>
+              <a:t>ElopLog</a:t>
+            </a:r>
+            <a:r>
+              <a:rPr lang="he-IL" dirty="0"/>
+              <a:t> לקבלת קובצי </a:t>
+            </a:r>
+            <a:r>
+              <a:rPr lang="en-US" dirty="0"/>
+              <a:t>CSV</a:t>
+            </a:r>
+          </a:p>
+          <a:p>
+            <a:pPr marL="1008062" lvl="1" indent="-285750">
+              <a:lnSpc>
+                <a:spcPct val="150000"/>
+              </a:lnSpc>
+              <a:buFont typeface="Arial" panose="020B0604020202020204" pitchFamily="34" charset="0"/>
+              <a:buChar char="•"/>
+            </a:pPr>
+            <a:r>
+              <a:rPr lang="he-IL" dirty="0"/>
+              <a:t>מבצעים עיבוד על הקבצים ומציגים מקבץ נתונים מתוך אוסף קובצי ה </a:t>
+            </a:r>
+            <a:r>
+              <a:rPr lang="en-US" dirty="0"/>
+              <a:t>CSV</a:t>
+            </a:r>
+            <a:r>
+              <a:rPr lang="he-IL" dirty="0"/>
+              <a:t> שנוצר</a:t>
+            </a:r>
+          </a:p>
+          <a:p>
+            <a:pPr marL="1008062" lvl="1" indent="-285750">
+              <a:lnSpc>
+                <a:spcPct val="150000"/>
+              </a:lnSpc>
+              <a:buFont typeface="Arial" panose="020B0604020202020204" pitchFamily="34" charset="0"/>
+              <a:buChar char="•"/>
+            </a:pPr>
+            <a:r>
+              <a:rPr lang="he-IL" dirty="0"/>
+              <a:t>רשימת </a:t>
+            </a:r>
+            <a:r>
+              <a:rPr lang="he-IL" dirty="0" err="1"/>
+              <a:t>הטאבים</a:t>
+            </a:r>
+            <a:r>
+              <a:rPr lang="he-IL" dirty="0"/>
+              <a:t> ולוגיקת הצגת הנתונים שיוצגו בכל </a:t>
+            </a:r>
+            <a:r>
+              <a:rPr lang="he-IL" dirty="0" err="1"/>
+              <a:t>טאב</a:t>
+            </a:r>
+            <a:r>
+              <a:rPr lang="he-IL" dirty="0"/>
+              <a:t> נקרא מקובץ ייעודי שמאוחסן בתיקיית </a:t>
+            </a:r>
+            <a:r>
+              <a:rPr lang="en-US" dirty="0"/>
+              <a:t>.INI</a:t>
+            </a:r>
+          </a:p>
+          <a:p>
+            <a:pPr marL="722312" lvl="1">
+              <a:lnSpc>
+                <a:spcPct val="150000"/>
+              </a:lnSpc>
+            </a:pPr>
+            <a:r>
+              <a:rPr lang="he-IL" dirty="0"/>
+              <a:t>     קובץ ההגדרות מחולל דרך מחשב טכנאי בהרשאת מנהל</a:t>
+            </a:r>
+          </a:p>
+          <a:p>
+            <a:pPr marL="1008062" lvl="1" indent="-285750">
+              <a:lnSpc>
+                <a:spcPct val="150000"/>
+              </a:lnSpc>
+              <a:buFont typeface="Arial" panose="020B0604020202020204" pitchFamily="34" charset="0"/>
+              <a:buChar char="•"/>
+            </a:pPr>
+            <a:r>
+              <a:rPr lang="he-IL" dirty="0"/>
+              <a:t>בסיום התהליך נמחקים קובצי ה </a:t>
+            </a:r>
+            <a:r>
+              <a:rPr lang="en-US" dirty="0"/>
+              <a:t>CSV</a:t>
+            </a:r>
+            <a:r>
+              <a:rPr lang="he-IL" dirty="0"/>
+              <a:t> שנוצרו ע"י </a:t>
+            </a:r>
+            <a:r>
+              <a:rPr lang="en-US" dirty="0" err="1"/>
+              <a:t>ElopLog</a:t>
+            </a:r>
+            <a:r>
+              <a:rPr lang="he-IL" dirty="0"/>
+              <a:t> ונשמרים קובצי </a:t>
+            </a:r>
+            <a:r>
+              <a:rPr lang="en-US" dirty="0"/>
+              <a:t>CSV</a:t>
+            </a:r>
+            <a:r>
+              <a:rPr lang="he-IL" dirty="0"/>
+              <a:t> בהתאם לטבלאות בתצוגה</a:t>
+            </a:r>
+          </a:p>
+          <a:p>
+            <a:pPr>
+              <a:lnSpc>
+                <a:spcPct val="150000"/>
+              </a:lnSpc>
+            </a:pPr>
+            <a:r>
+              <a:rPr lang="he-IL" dirty="0"/>
+              <a:t>7. </a:t>
+            </a:r>
+            <a:r>
+              <a:rPr lang="en-US" b="1" dirty="0"/>
+              <a:t>Delete</a:t>
+            </a:r>
+            <a:r>
+              <a:rPr lang="he-IL" dirty="0"/>
+              <a:t> – מחיקה מתאפשרת לאחר הורדת נתונים. רשימת הקבצים שיימחקו נגזרת מהרשימה שהורדה</a:t>
+            </a:r>
+          </a:p>
+          <a:p>
+            <a:pPr marL="342900" indent="-342900">
+              <a:lnSpc>
+                <a:spcPct val="150000"/>
+              </a:lnSpc>
+              <a:buAutoNum type="arabicPeriod" startAt="8"/>
+            </a:pPr>
+            <a:r>
+              <a:rPr lang="en-US" b="1" dirty="0"/>
+              <a:t>Open</a:t>
+            </a:r>
+            <a:r>
+              <a:rPr lang="he-IL" dirty="0"/>
+              <a:t> – פתיחה של קובצי ה </a:t>
+            </a:r>
+            <a:r>
+              <a:rPr lang="en-US" dirty="0"/>
+              <a:t>CSV</a:t>
+            </a:r>
+            <a:r>
+              <a:rPr lang="he-IL" dirty="0"/>
+              <a:t> שנשמרו בסעיף 2</a:t>
+            </a:r>
+          </a:p>
+        </p:txBody>
+      </p:sp>
     </p:spTree>
     <p:extLst>
       <p:ext uri="{BB962C8B-B14F-4D97-AF65-F5344CB8AC3E}">
         <p14:creationId xmlns:p14="http://schemas.microsoft.com/office/powerpoint/2010/main" val="1952643249"/>
+      </p:ext>
+    </p:extLst>
+  </p:cSld>
+  <p:clrMapOvr>
+    <a:masterClrMapping/>
+  </p:clrMapOvr>
+</p:sld>
+</file>
+
+<file path=ppt/slides/slide9.xml><?xml version="1.0" encoding="utf-8"?>
+<p:sld xmlns:a="http://schemas.openxmlformats.org/drawingml/2006/main" xmlns:r="http://schemas.openxmlformats.org/officeDocument/2006/relationships" xmlns:p="http://schemas.openxmlformats.org/presentationml/2006/main">
+  <p:cSld>
+    <p:spTree>
+      <p:nvGrpSpPr>
+        <p:cNvPr id="1" name="">
+          <a:extLst>
+            <a:ext uri="{FF2B5EF4-FFF2-40B4-BE49-F238E27FC236}">
+              <a16:creationId xmlns:a16="http://schemas.microsoft.com/office/drawing/2014/main" id="{DDCC7ED4-BE3B-B765-3E5E-5DB8017B3983}"/>
+            </a:ext>
+          </a:extLst>
+        </p:cNvPr>
+        <p:cNvGrpSpPr/>
+        <p:nvPr/>
+      </p:nvGrpSpPr>
+      <p:grpSpPr>
+        <a:xfrm>
+          <a:off x="0" y="0"/>
+          <a:ext cx="0" cy="0"/>
+          <a:chOff x="0" y="0"/>
+          <a:chExt cx="0" cy="0"/>
+        </a:xfrm>
+      </p:grpSpPr>
+      <p:sp>
+        <p:nvSpPr>
+          <p:cNvPr id="2" name="כותרת 1">
+            <a:extLst>
+              <a:ext uri="{FF2B5EF4-FFF2-40B4-BE49-F238E27FC236}">
+                <a16:creationId xmlns:a16="http://schemas.microsoft.com/office/drawing/2014/main" id="{71A15742-2764-5838-DDEC-7B44777D5042}"/>
+              </a:ext>
+            </a:extLst>
+          </p:cNvPr>
+          <p:cNvSpPr>
+            <a:spLocks noGrp="1"/>
+          </p:cNvSpPr>
+          <p:nvPr>
+            <p:ph type="title"/>
+          </p:nvPr>
+        </p:nvSpPr>
+        <p:spPr/>
+        <p:txBody>
+          <a:bodyPr/>
+          <a:lstStyle/>
+          <a:p>
+            <a:pPr marL="1143000" lvl="1" indent="-457200" algn="ctr" rtl="1">
+              <a:lnSpc>
+                <a:spcPct val="150000"/>
+              </a:lnSpc>
+            </a:pPr>
+            <a:r>
+              <a:rPr lang="en-US" altLang="en-US" sz="4400" dirty="0">
+                <a:solidFill>
+                  <a:schemeClr val="bg1"/>
+                </a:solidFill>
+              </a:rPr>
+              <a:t>Tab</a:t>
+            </a:r>
+            <a:r>
+              <a:rPr lang="he-IL" altLang="en-US" sz="4400" dirty="0">
+                <a:solidFill>
+                  <a:schemeClr val="bg1"/>
+                </a:solidFill>
+              </a:rPr>
+              <a:t> </a:t>
+            </a:r>
+            <a:r>
+              <a:rPr lang="en-US" altLang="en-US" sz="4400" dirty="0">
+                <a:solidFill>
+                  <a:schemeClr val="bg1"/>
+                </a:solidFill>
+              </a:rPr>
+              <a:t>Log Viewer</a:t>
+            </a:r>
+          </a:p>
+        </p:txBody>
+      </p:sp>
+      <p:sp>
+        <p:nvSpPr>
+          <p:cNvPr id="3" name="מציין מיקום של כותרת תחתונה 2">
+            <a:extLst>
+              <a:ext uri="{FF2B5EF4-FFF2-40B4-BE49-F238E27FC236}">
+                <a16:creationId xmlns:a16="http://schemas.microsoft.com/office/drawing/2014/main" id="{D0BC483A-9E39-249E-D655-EDAB19E42B5E}"/>
+              </a:ext>
+            </a:extLst>
+          </p:cNvPr>
+          <p:cNvSpPr>
+            <a:spLocks noGrp="1"/>
+          </p:cNvSpPr>
+          <p:nvPr>
+            <p:ph type="ftr" sz="quarter" idx="10"/>
+          </p:nvPr>
+        </p:nvSpPr>
+        <p:spPr/>
+        <p:txBody>
+          <a:bodyPr/>
+          <a:lstStyle/>
+          <a:p>
+            <a:r>
+              <a:rPr lang="he-IL" dirty="0"/>
+              <a:t>אוריון פתרונות תוכנה בע"מ</a:t>
+            </a:r>
+            <a:endParaRPr lang="en-US" dirty="0"/>
+          </a:p>
+        </p:txBody>
+      </p:sp>
+      <p:sp>
+        <p:nvSpPr>
+          <p:cNvPr id="5" name="TextBox 4">
+            <a:extLst>
+              <a:ext uri="{FF2B5EF4-FFF2-40B4-BE49-F238E27FC236}">
+                <a16:creationId xmlns:a16="http://schemas.microsoft.com/office/drawing/2014/main" id="{9F12E2BB-03D3-97AF-25B9-C6C9D5395000}"/>
+              </a:ext>
+            </a:extLst>
+          </p:cNvPr>
+          <p:cNvSpPr txBox="1"/>
+          <p:nvPr/>
+        </p:nvSpPr>
+        <p:spPr>
+          <a:xfrm>
+            <a:off x="583866" y="1444752"/>
+            <a:ext cx="11227323" cy="1200329"/>
+          </a:xfrm>
+          <a:prstGeom prst="rect">
+            <a:avLst/>
+          </a:prstGeom>
+          <a:noFill/>
+        </p:spPr>
+        <p:txBody>
+          <a:bodyPr wrap="square" rtlCol="1">
+            <a:spAutoFit/>
+          </a:bodyPr>
+          <a:lstStyle/>
+          <a:p>
+            <a:pPr marL="342900" indent="-342900">
+              <a:lnSpc>
+                <a:spcPct val="150000"/>
+              </a:lnSpc>
+              <a:buAutoNum type="arabicPeriod" startAt="8"/>
+            </a:pPr>
+            <a:r>
+              <a:rPr lang="en-US" b="1" dirty="0"/>
+              <a:t>Export BIN</a:t>
+            </a:r>
+            <a:r>
+              <a:rPr lang="he-IL" dirty="0"/>
+              <a:t>  – ייצוא של הקבצים הבינאריים ל </a:t>
+            </a:r>
+            <a:r>
+              <a:rPr lang="en-US" dirty="0"/>
+              <a:t>DOK</a:t>
+            </a:r>
+          </a:p>
+          <a:p>
+            <a:pPr marL="342900" indent="-342900">
+              <a:lnSpc>
+                <a:spcPct val="150000"/>
+              </a:lnSpc>
+              <a:buAutoNum type="arabicPeriod" startAt="8"/>
+            </a:pPr>
+            <a:r>
+              <a:rPr lang="en-US" b="1" dirty="0"/>
+              <a:t>Export CSV</a:t>
+            </a:r>
+            <a:r>
+              <a:rPr lang="he-IL" b="1" dirty="0"/>
+              <a:t> </a:t>
+            </a:r>
+            <a:r>
+              <a:rPr lang="he-IL" dirty="0"/>
+              <a:t>– ייצוא של קובצי ה </a:t>
+            </a:r>
+            <a:r>
+              <a:rPr lang="en-US" dirty="0"/>
+              <a:t>CSV</a:t>
+            </a:r>
+            <a:r>
+              <a:rPr lang="he-IL" dirty="0"/>
+              <a:t> שנוצרו בסעיף 2 ל </a:t>
+            </a:r>
+            <a:r>
+              <a:rPr lang="en-US" dirty="0"/>
+              <a:t>DOK</a:t>
+            </a:r>
+            <a:endParaRPr lang="he-IL" dirty="0"/>
+          </a:p>
+          <a:p>
+            <a:pPr marL="342900" indent="-342900">
+              <a:buAutoNum type="arabicPeriod" startAt="8"/>
+            </a:pPr>
+            <a:endParaRPr lang="he-IL" dirty="0"/>
+          </a:p>
+        </p:txBody>
+      </p:sp>
+    </p:spTree>
+    <p:extLst>
+      <p:ext uri="{BB962C8B-B14F-4D97-AF65-F5344CB8AC3E}">
+        <p14:creationId xmlns:p14="http://schemas.microsoft.com/office/powerpoint/2010/main" val="3073214716"/>
       </p:ext>
     </p:extLst>
   </p:cSld>

--- a/Documents/CDR/MLV Holland.pptx
+++ b/Documents/CDR/MLV Holland.pptx
@@ -8,7 +8,7 @@
     <p:sldMasterId id="2147483912" r:id="rId4"/>
   </p:sldMasterIdLst>
   <p:notesMasterIdLst>
-    <p:notesMasterId r:id="rId23"/>
+    <p:notesMasterId r:id="rId28"/>
   </p:notesMasterIdLst>
   <p:sldIdLst>
     <p:sldId id="312" r:id="rId5"/>
@@ -16,19 +16,24 @@
     <p:sldId id="350" r:id="rId7"/>
     <p:sldId id="488" r:id="rId8"/>
     <p:sldId id="419" r:id="rId9"/>
-    <p:sldId id="491" r:id="rId10"/>
-    <p:sldId id="487" r:id="rId11"/>
-    <p:sldId id="492" r:id="rId12"/>
-    <p:sldId id="493" r:id="rId13"/>
-    <p:sldId id="489" r:id="rId14"/>
-    <p:sldId id="490" r:id="rId15"/>
-    <p:sldId id="483" r:id="rId16"/>
-    <p:sldId id="497" r:id="rId17"/>
-    <p:sldId id="486" r:id="rId18"/>
-    <p:sldId id="482" r:id="rId19"/>
-    <p:sldId id="494" r:id="rId20"/>
-    <p:sldId id="496" r:id="rId21"/>
-    <p:sldId id="469" r:id="rId22"/>
+    <p:sldId id="502" r:id="rId10"/>
+    <p:sldId id="491" r:id="rId11"/>
+    <p:sldId id="487" r:id="rId12"/>
+    <p:sldId id="492" r:id="rId13"/>
+    <p:sldId id="493" r:id="rId14"/>
+    <p:sldId id="489" r:id="rId15"/>
+    <p:sldId id="490" r:id="rId16"/>
+    <p:sldId id="503" r:id="rId17"/>
+    <p:sldId id="483" r:id="rId18"/>
+    <p:sldId id="497" r:id="rId19"/>
+    <p:sldId id="486" r:id="rId20"/>
+    <p:sldId id="469" r:id="rId21"/>
+    <p:sldId id="500" r:id="rId22"/>
+    <p:sldId id="498" r:id="rId23"/>
+    <p:sldId id="501" r:id="rId24"/>
+    <p:sldId id="482" r:id="rId25"/>
+    <p:sldId id="494" r:id="rId26"/>
+    <p:sldId id="496" r:id="rId27"/>
   </p:sldIdLst>
   <p:sldSz cx="12192000" cy="6858000"/>
   <p:notesSz cx="6888163" cy="10021888"/>
@@ -257,7 +262,7 @@
           <a:p>
             <a:fld id="{66DC5C97-8EEC-42DC-835C-2603F1A63FB3}" type="datetimeFigureOut">
               <a:rPr lang="en-US" smtClean="0"/>
-              <a:t>5/28/2025</a:t>
+              <a:t>5/29/2025</a:t>
             </a:fld>
             <a:endParaRPr lang="en-US"/>
           </a:p>
@@ -810,7 +815,7 @@
           <a:p>
             <a:fld id="{F3637732-E839-4677-AE33-52269301FCE6}" type="datetime1">
               <a:rPr lang="en-US" smtClean="0"/>
-              <a:t>5/28/2025</a:t>
+              <a:t>5/29/2025</a:t>
             </a:fld>
             <a:endParaRPr lang="en-US" dirty="0"/>
           </a:p>
@@ -1043,7 +1048,7 @@
           <a:p>
             <a:fld id="{32C6224F-B325-49C5-8623-0A0BC8A06EC0}" type="datetime1">
               <a:rPr lang="en-US" smtClean="0"/>
-              <a:t>5/28/2025</a:t>
+              <a:t>5/29/2025</a:t>
             </a:fld>
             <a:endParaRPr lang="en-US" dirty="0"/>
           </a:p>
@@ -1277,7 +1282,7 @@
           <a:p>
             <a:fld id="{972C7937-2F35-4C92-8E0B-09E5F7DF9A99}" type="datetimeFigureOut">
               <a:rPr lang="en-US" smtClean="0"/>
-              <a:t>5/28/2025</a:t>
+              <a:t>5/29/2025</a:t>
             </a:fld>
             <a:endParaRPr lang="en-US"/>
           </a:p>
@@ -1477,7 +1482,7 @@
           <a:p>
             <a:fld id="{972C7937-2F35-4C92-8E0B-09E5F7DF9A99}" type="datetimeFigureOut">
               <a:rPr lang="en-US" smtClean="0"/>
-              <a:t>5/28/2025</a:t>
+              <a:t>5/29/2025</a:t>
             </a:fld>
             <a:endParaRPr lang="en-US"/>
           </a:p>
@@ -1753,7 +1758,7 @@
           <a:p>
             <a:fld id="{972C7937-2F35-4C92-8E0B-09E5F7DF9A99}" type="datetimeFigureOut">
               <a:rPr lang="en-US" smtClean="0"/>
-              <a:t>5/28/2025</a:t>
+              <a:t>5/29/2025</a:t>
             </a:fld>
             <a:endParaRPr lang="en-US"/>
           </a:p>
@@ -2021,7 +2026,7 @@
           <a:p>
             <a:fld id="{972C7937-2F35-4C92-8E0B-09E5F7DF9A99}" type="datetimeFigureOut">
               <a:rPr lang="en-US" smtClean="0"/>
-              <a:t>5/28/2025</a:t>
+              <a:t>5/29/2025</a:t>
             </a:fld>
             <a:endParaRPr lang="en-US"/>
           </a:p>
@@ -2436,7 +2441,7 @@
           <a:p>
             <a:fld id="{972C7937-2F35-4C92-8E0B-09E5F7DF9A99}" type="datetimeFigureOut">
               <a:rPr lang="en-US" smtClean="0"/>
-              <a:t>5/28/2025</a:t>
+              <a:t>5/29/2025</a:t>
             </a:fld>
             <a:endParaRPr lang="en-US"/>
           </a:p>
@@ -2578,7 +2583,7 @@
           <a:p>
             <a:fld id="{972C7937-2F35-4C92-8E0B-09E5F7DF9A99}" type="datetimeFigureOut">
               <a:rPr lang="en-US" smtClean="0"/>
-              <a:t>5/28/2025</a:t>
+              <a:t>5/29/2025</a:t>
             </a:fld>
             <a:endParaRPr lang="en-US"/>
           </a:p>
@@ -2691,7 +2696,7 @@
           <a:p>
             <a:fld id="{972C7937-2F35-4C92-8E0B-09E5F7DF9A99}" type="datetimeFigureOut">
               <a:rPr lang="en-US" smtClean="0"/>
-              <a:t>5/28/2025</a:t>
+              <a:t>5/29/2025</a:t>
             </a:fld>
             <a:endParaRPr lang="en-US"/>
           </a:p>
@@ -3004,7 +3009,7 @@
           <a:p>
             <a:fld id="{972C7937-2F35-4C92-8E0B-09E5F7DF9A99}" type="datetimeFigureOut">
               <a:rPr lang="en-US" smtClean="0"/>
-              <a:t>5/28/2025</a:t>
+              <a:t>5/29/2025</a:t>
             </a:fld>
             <a:endParaRPr lang="en-US"/>
           </a:p>
@@ -3125,7 +3130,7 @@
           <a:p>
             <a:fld id="{6B38E35E-3C02-4793-89CC-B801D0B37B15}" type="datetime1">
               <a:rPr lang="en-US" smtClean="0"/>
-              <a:t>5/28/2025</a:t>
+              <a:t>5/29/2025</a:t>
             </a:fld>
             <a:endParaRPr lang="en-US" dirty="0"/>
           </a:p>
@@ -3624,7 +3629,7 @@
           <a:p>
             <a:fld id="{972C7937-2F35-4C92-8E0B-09E5F7DF9A99}" type="datetimeFigureOut">
               <a:rPr lang="en-US" smtClean="0"/>
-              <a:t>5/28/2025</a:t>
+              <a:t>5/29/2025</a:t>
             </a:fld>
             <a:endParaRPr lang="en-US"/>
           </a:p>
@@ -3824,7 +3829,7 @@
           <a:p>
             <a:fld id="{972C7937-2F35-4C92-8E0B-09E5F7DF9A99}" type="datetimeFigureOut">
               <a:rPr lang="en-US" smtClean="0"/>
-              <a:t>5/28/2025</a:t>
+              <a:t>5/29/2025</a:t>
             </a:fld>
             <a:endParaRPr lang="en-US"/>
           </a:p>
@@ -4034,7 +4039,7 @@
           <a:p>
             <a:fld id="{972C7937-2F35-4C92-8E0B-09E5F7DF9A99}" type="datetimeFigureOut">
               <a:rPr lang="en-US" smtClean="0"/>
-              <a:t>5/28/2025</a:t>
+              <a:t>5/29/2025</a:t>
             </a:fld>
             <a:endParaRPr lang="en-US"/>
           </a:p>
@@ -4297,7 +4302,7 @@
           <a:p>
             <a:fld id="{6B38E35E-3C02-4793-89CC-B801D0B37B15}" type="datetime1">
               <a:rPr lang="en-US" smtClean="0"/>
-              <a:t>5/28/2025</a:t>
+              <a:t>5/29/2025</a:t>
             </a:fld>
             <a:endParaRPr lang="en-US" dirty="0"/>
           </a:p>
@@ -4719,7 +4724,7 @@
           <a:p>
             <a:fld id="{FAC53DC0-2EEA-4C84-97F9-B0C7F6E1DE22}" type="datetime1">
               <a:rPr lang="en-US" smtClean="0"/>
-              <a:t>5/28/2025</a:t>
+              <a:t>5/29/2025</a:t>
             </a:fld>
             <a:endParaRPr lang="en-US" dirty="0"/>
           </a:p>
@@ -5018,7 +5023,7 @@
           <a:p>
             <a:fld id="{42A965D9-3D62-4AA9-BCBC-86BAA89F7FA6}" type="datetime1">
               <a:rPr lang="en-US" smtClean="0"/>
-              <a:t>5/28/2025</a:t>
+              <a:t>5/29/2025</a:t>
             </a:fld>
             <a:endParaRPr lang="en-US" dirty="0"/>
           </a:p>
@@ -5312,7 +5317,7 @@
           <a:p>
             <a:fld id="{388A08FB-0B78-4C3E-8079-2F06E67C3BA1}" type="datetime1">
               <a:rPr lang="en-US" smtClean="0"/>
-              <a:t>5/28/2025</a:t>
+              <a:t>5/29/2025</a:t>
             </a:fld>
             <a:endParaRPr lang="en-US" dirty="0"/>
           </a:p>
@@ -5759,7 +5764,7 @@
           <a:p>
             <a:fld id="{60A0E709-37EB-42D8-BB0E-6EE7E5CD1FB2}" type="datetime1">
               <a:rPr lang="en-US" smtClean="0"/>
-              <a:t>5/28/2025</a:t>
+              <a:t>5/29/2025</a:t>
             </a:fld>
             <a:endParaRPr lang="en-US" dirty="0"/>
           </a:p>
@@ -5921,7 +5926,7 @@
           <a:p>
             <a:fld id="{41A53116-5BC5-44A0-A66F-025100D730E8}" type="datetime1">
               <a:rPr lang="en-US" smtClean="0"/>
-              <a:t>5/28/2025</a:t>
+              <a:t>5/29/2025</a:t>
             </a:fld>
             <a:endParaRPr lang="en-US" dirty="0"/>
           </a:p>
@@ -6149,7 +6154,7 @@
           <a:p>
             <a:fld id="{FAC53DC0-2EEA-4C84-97F9-B0C7F6E1DE22}" type="datetime1">
               <a:rPr lang="en-US" smtClean="0"/>
-              <a:t>5/28/2025</a:t>
+              <a:t>5/29/2025</a:t>
             </a:fld>
             <a:endParaRPr lang="en-US" dirty="0"/>
           </a:p>
@@ -6488,7 +6493,7 @@
           <a:p>
             <a:fld id="{94190ACC-A6FA-42BB-A2E5-2A894BB4F7A2}" type="datetime1">
               <a:rPr lang="en-US" smtClean="0"/>
-              <a:t>5/28/2025</a:t>
+              <a:t>5/29/2025</a:t>
             </a:fld>
             <a:endParaRPr lang="en-US" dirty="0"/>
           </a:p>
@@ -6807,7 +6812,7 @@
           <a:p>
             <a:fld id="{70E832FA-0ADE-4CC3-9C26-A12655C76AFA}" type="datetime1">
               <a:rPr lang="en-US" smtClean="0"/>
-              <a:t>5/28/2025</a:t>
+              <a:t>5/29/2025</a:t>
             </a:fld>
             <a:endParaRPr lang="en-US" dirty="0"/>
           </a:p>
@@ -7035,7 +7040,7 @@
           <a:p>
             <a:fld id="{F3637732-E839-4677-AE33-52269301FCE6}" type="datetime1">
               <a:rPr lang="en-US" smtClean="0"/>
-              <a:t>5/28/2025</a:t>
+              <a:t>5/29/2025</a:t>
             </a:fld>
             <a:endParaRPr lang="en-US" dirty="0"/>
           </a:p>
@@ -7268,7 +7273,7 @@
           <a:p>
             <a:fld id="{32C6224F-B325-49C5-8623-0A0BC8A06EC0}" type="datetime1">
               <a:rPr lang="en-US" smtClean="0"/>
-              <a:t>5/28/2025</a:t>
+              <a:t>5/29/2025</a:t>
             </a:fld>
             <a:endParaRPr lang="en-US" dirty="0"/>
           </a:p>
@@ -7393,7 +7398,7 @@
           <a:p>
             <a:fld id="{972C7937-2F35-4C92-8E0B-09E5F7DF9A99}" type="datetimeFigureOut">
               <a:rPr lang="en-US" smtClean="0"/>
-              <a:t>5/28/2025</a:t>
+              <a:t>5/29/2025</a:t>
             </a:fld>
             <a:endParaRPr lang="en-US"/>
           </a:p>
@@ -7615,7 +7620,7 @@
           <a:p>
             <a:fld id="{972C7937-2F35-4C92-8E0B-09E5F7DF9A99}" type="datetimeFigureOut">
               <a:rPr lang="en-US" smtClean="0"/>
-              <a:t>5/28/2025</a:t>
+              <a:t>5/29/2025</a:t>
             </a:fld>
             <a:endParaRPr lang="en-US"/>
           </a:p>
@@ -7815,7 +7820,7 @@
           <a:p>
             <a:fld id="{972C7937-2F35-4C92-8E0B-09E5F7DF9A99}" type="datetimeFigureOut">
               <a:rPr lang="en-US" smtClean="0"/>
-              <a:t>5/28/2025</a:t>
+              <a:t>5/29/2025</a:t>
             </a:fld>
             <a:endParaRPr lang="en-US"/>
           </a:p>
@@ -8091,7 +8096,7 @@
           <a:p>
             <a:fld id="{972C7937-2F35-4C92-8E0B-09E5F7DF9A99}" type="datetimeFigureOut">
               <a:rPr lang="en-US" smtClean="0"/>
-              <a:t>5/28/2025</a:t>
+              <a:t>5/29/2025</a:t>
             </a:fld>
             <a:endParaRPr lang="en-US"/>
           </a:p>
@@ -8359,7 +8364,7 @@
           <a:p>
             <a:fld id="{972C7937-2F35-4C92-8E0B-09E5F7DF9A99}" type="datetimeFigureOut">
               <a:rPr lang="en-US" smtClean="0"/>
-              <a:t>5/28/2025</a:t>
+              <a:t>5/29/2025</a:t>
             </a:fld>
             <a:endParaRPr lang="en-US"/>
           </a:p>
@@ -8774,7 +8779,7 @@
           <a:p>
             <a:fld id="{972C7937-2F35-4C92-8E0B-09E5F7DF9A99}" type="datetimeFigureOut">
               <a:rPr lang="en-US" smtClean="0"/>
-              <a:t>5/28/2025</a:t>
+              <a:t>5/29/2025</a:t>
             </a:fld>
             <a:endParaRPr lang="en-US"/>
           </a:p>
@@ -9061,7 +9066,7 @@
           <a:p>
             <a:fld id="{42A965D9-3D62-4AA9-BCBC-86BAA89F7FA6}" type="datetime1">
               <a:rPr lang="en-US" smtClean="0"/>
-              <a:t>5/28/2025</a:t>
+              <a:t>5/29/2025</a:t>
             </a:fld>
             <a:endParaRPr lang="en-US" dirty="0"/>
           </a:p>
@@ -9215,7 +9220,7 @@
           <a:p>
             <a:fld id="{972C7937-2F35-4C92-8E0B-09E5F7DF9A99}" type="datetimeFigureOut">
               <a:rPr lang="en-US" smtClean="0"/>
-              <a:t>5/28/2025</a:t>
+              <a:t>5/29/2025</a:t>
             </a:fld>
             <a:endParaRPr lang="en-US"/>
           </a:p>
@@ -9328,7 +9333,7 @@
           <a:p>
             <a:fld id="{972C7937-2F35-4C92-8E0B-09E5F7DF9A99}" type="datetimeFigureOut">
               <a:rPr lang="en-US" smtClean="0"/>
-              <a:t>5/28/2025</a:t>
+              <a:t>5/29/2025</a:t>
             </a:fld>
             <a:endParaRPr lang="en-US"/>
           </a:p>
@@ -9641,7 +9646,7 @@
           <a:p>
             <a:fld id="{972C7937-2F35-4C92-8E0B-09E5F7DF9A99}" type="datetimeFigureOut">
               <a:rPr lang="en-US" smtClean="0"/>
-              <a:t>5/28/2025</a:t>
+              <a:t>5/29/2025</a:t>
             </a:fld>
             <a:endParaRPr lang="en-US"/>
           </a:p>
@@ -9934,7 +9939,7 @@
           <a:p>
             <a:fld id="{972C7937-2F35-4C92-8E0B-09E5F7DF9A99}" type="datetimeFigureOut">
               <a:rPr lang="en-US" smtClean="0"/>
-              <a:t>5/28/2025</a:t>
+              <a:t>5/29/2025</a:t>
             </a:fld>
             <a:endParaRPr lang="en-US"/>
           </a:p>
@@ -10134,7 +10139,7 @@
           <a:p>
             <a:fld id="{972C7937-2F35-4C92-8E0B-09E5F7DF9A99}" type="datetimeFigureOut">
               <a:rPr lang="en-US" smtClean="0"/>
-              <a:t>5/28/2025</a:t>
+              <a:t>5/29/2025</a:t>
             </a:fld>
             <a:endParaRPr lang="en-US"/>
           </a:p>
@@ -10344,7 +10349,7 @@
           <a:p>
             <a:fld id="{972C7937-2F35-4C92-8E0B-09E5F7DF9A99}" type="datetimeFigureOut">
               <a:rPr lang="en-US" smtClean="0"/>
-              <a:t>5/28/2025</a:t>
+              <a:t>5/29/2025</a:t>
             </a:fld>
             <a:endParaRPr lang="en-US"/>
           </a:p>
@@ -10626,7 +10631,7 @@
           <a:p>
             <a:fld id="{388A08FB-0B78-4C3E-8079-2F06E67C3BA1}" type="datetime1">
               <a:rPr lang="en-US" smtClean="0"/>
-              <a:t>5/28/2025</a:t>
+              <a:t>5/29/2025</a:t>
             </a:fld>
             <a:endParaRPr lang="en-US" dirty="0"/>
           </a:p>
@@ -11073,7 +11078,7 @@
           <a:p>
             <a:fld id="{60A0E709-37EB-42D8-BB0E-6EE7E5CD1FB2}" type="datetime1">
               <a:rPr lang="en-US" smtClean="0"/>
-              <a:t>5/28/2025</a:t>
+              <a:t>5/29/2025</a:t>
             </a:fld>
             <a:endParaRPr lang="en-US" dirty="0"/>
           </a:p>
@@ -11235,7 +11240,7 @@
           <a:p>
             <a:fld id="{41A53116-5BC5-44A0-A66F-025100D730E8}" type="datetime1">
               <a:rPr lang="en-US" smtClean="0"/>
-              <a:t>5/28/2025</a:t>
+              <a:t>5/29/2025</a:t>
             </a:fld>
             <a:endParaRPr lang="en-US" dirty="0"/>
           </a:p>
@@ -11574,7 +11579,7 @@
           <a:p>
             <a:fld id="{94190ACC-A6FA-42BB-A2E5-2A894BB4F7A2}" type="datetime1">
               <a:rPr lang="en-US" smtClean="0"/>
-              <a:t>5/28/2025</a:t>
+              <a:t>5/29/2025</a:t>
             </a:fld>
             <a:endParaRPr lang="en-US" dirty="0"/>
           </a:p>
@@ -11893,7 +11898,7 @@
           <a:p>
             <a:fld id="{70E832FA-0ADE-4CC3-9C26-A12655C76AFA}" type="datetime1">
               <a:rPr lang="en-US" smtClean="0"/>
-              <a:t>5/28/2025</a:t>
+              <a:t>5/29/2025</a:t>
             </a:fld>
             <a:endParaRPr lang="en-US" dirty="0"/>
           </a:p>
@@ -12717,7 +12722,7 @@
           <a:p>
             <a:fld id="{972C7937-2F35-4C92-8E0B-09E5F7DF9A99}" type="datetimeFigureOut">
               <a:rPr lang="en-US" smtClean="0"/>
-              <a:t>5/28/2025</a:t>
+              <a:t>5/29/2025</a:t>
             </a:fld>
             <a:endParaRPr lang="en-US"/>
           </a:p>
@@ -13857,7 +13862,7 @@
           <a:p>
             <a:fld id="{972C7937-2F35-4C92-8E0B-09E5F7DF9A99}" type="datetimeFigureOut">
               <a:rPr lang="en-US" smtClean="0"/>
-              <a:t>5/28/2025</a:t>
+              <a:t>5/29/2025</a:t>
             </a:fld>
             <a:endParaRPr lang="en-US"/>
           </a:p>
@@ -14501,6 +14506,212 @@
         <p:cNvPr id="1" name="">
           <a:extLst>
             <a:ext uri="{FF2B5EF4-FFF2-40B4-BE49-F238E27FC236}">
+              <a16:creationId xmlns:a16="http://schemas.microsoft.com/office/drawing/2014/main" id="{DDCC7ED4-BE3B-B765-3E5E-5DB8017B3983}"/>
+            </a:ext>
+          </a:extLst>
+        </p:cNvPr>
+        <p:cNvGrpSpPr/>
+        <p:nvPr/>
+      </p:nvGrpSpPr>
+      <p:grpSpPr>
+        <a:xfrm>
+          <a:off x="0" y="0"/>
+          <a:ext cx="0" cy="0"/>
+          <a:chOff x="0" y="0"/>
+          <a:chExt cx="0" cy="0"/>
+        </a:xfrm>
+      </p:grpSpPr>
+      <p:sp>
+        <p:nvSpPr>
+          <p:cNvPr id="2" name="כותרת 1">
+            <a:extLst>
+              <a:ext uri="{FF2B5EF4-FFF2-40B4-BE49-F238E27FC236}">
+                <a16:creationId xmlns:a16="http://schemas.microsoft.com/office/drawing/2014/main" id="{71A15742-2764-5838-DDEC-7B44777D5042}"/>
+              </a:ext>
+            </a:extLst>
+          </p:cNvPr>
+          <p:cNvSpPr>
+            <a:spLocks noGrp="1"/>
+          </p:cNvSpPr>
+          <p:nvPr>
+            <p:ph type="title"/>
+          </p:nvPr>
+        </p:nvSpPr>
+        <p:spPr/>
+        <p:txBody>
+          <a:bodyPr/>
+          <a:lstStyle/>
+          <a:p>
+            <a:pPr marL="1143000" lvl="1" indent="-457200" algn="ctr" rtl="1">
+              <a:lnSpc>
+                <a:spcPct val="150000"/>
+              </a:lnSpc>
+            </a:pPr>
+            <a:r>
+              <a:rPr lang="en-US" altLang="en-US" sz="4400" dirty="0">
+                <a:solidFill>
+                  <a:schemeClr val="bg1"/>
+                </a:solidFill>
+              </a:rPr>
+              <a:t>Tab</a:t>
+            </a:r>
+            <a:r>
+              <a:rPr lang="he-IL" altLang="en-US" sz="4400" dirty="0">
+                <a:solidFill>
+                  <a:schemeClr val="bg1"/>
+                </a:solidFill>
+              </a:rPr>
+              <a:t> </a:t>
+            </a:r>
+            <a:r>
+              <a:rPr lang="en-US" altLang="en-US" sz="4400" dirty="0">
+                <a:solidFill>
+                  <a:schemeClr val="bg1"/>
+                </a:solidFill>
+              </a:rPr>
+              <a:t>Log Viewer</a:t>
+            </a:r>
+          </a:p>
+        </p:txBody>
+      </p:sp>
+      <p:sp>
+        <p:nvSpPr>
+          <p:cNvPr id="3" name="מציין מיקום של כותרת תחתונה 2">
+            <a:extLst>
+              <a:ext uri="{FF2B5EF4-FFF2-40B4-BE49-F238E27FC236}">
+                <a16:creationId xmlns:a16="http://schemas.microsoft.com/office/drawing/2014/main" id="{D0BC483A-9E39-249E-D655-EDAB19E42B5E}"/>
+              </a:ext>
+            </a:extLst>
+          </p:cNvPr>
+          <p:cNvSpPr>
+            <a:spLocks noGrp="1"/>
+          </p:cNvSpPr>
+          <p:nvPr>
+            <p:ph type="ftr" sz="quarter" idx="10"/>
+          </p:nvPr>
+        </p:nvSpPr>
+        <p:spPr/>
+        <p:txBody>
+          <a:bodyPr/>
+          <a:lstStyle/>
+          <a:p>
+            <a:r>
+              <a:rPr lang="he-IL" dirty="0"/>
+              <a:t>אוריון פתרונות תוכנה בע"מ</a:t>
+            </a:r>
+            <a:endParaRPr lang="en-US" dirty="0"/>
+          </a:p>
+        </p:txBody>
+      </p:sp>
+      <p:sp>
+        <p:nvSpPr>
+          <p:cNvPr id="5" name="TextBox 4">
+            <a:extLst>
+              <a:ext uri="{FF2B5EF4-FFF2-40B4-BE49-F238E27FC236}">
+                <a16:creationId xmlns:a16="http://schemas.microsoft.com/office/drawing/2014/main" id="{9F12E2BB-03D3-97AF-25B9-C6C9D5395000}"/>
+              </a:ext>
+            </a:extLst>
+          </p:cNvPr>
+          <p:cNvSpPr txBox="1"/>
+          <p:nvPr/>
+        </p:nvSpPr>
+        <p:spPr>
+          <a:xfrm>
+            <a:off x="583866" y="1444752"/>
+            <a:ext cx="11227323" cy="1200329"/>
+          </a:xfrm>
+          <a:prstGeom prst="rect">
+            <a:avLst/>
+          </a:prstGeom>
+          <a:noFill/>
+        </p:spPr>
+        <p:txBody>
+          <a:bodyPr wrap="square" rtlCol="1">
+            <a:spAutoFit/>
+          </a:bodyPr>
+          <a:lstStyle/>
+          <a:p>
+            <a:pPr marL="342900" indent="-342900">
+              <a:lnSpc>
+                <a:spcPct val="150000"/>
+              </a:lnSpc>
+              <a:buAutoNum type="arabicPeriod" startAt="8"/>
+            </a:pPr>
+            <a:r>
+              <a:rPr lang="en-US" b="1" dirty="0"/>
+              <a:t>Export BIN</a:t>
+            </a:r>
+            <a:r>
+              <a:rPr lang="he-IL" dirty="0"/>
+              <a:t>  – ייצוא של הקבצים הבינאריים ל </a:t>
+            </a:r>
+            <a:r>
+              <a:rPr lang="en-US" dirty="0"/>
+              <a:t>DOK</a:t>
+            </a:r>
+          </a:p>
+          <a:p>
+            <a:pPr marL="342900" indent="-342900">
+              <a:lnSpc>
+                <a:spcPct val="150000"/>
+              </a:lnSpc>
+              <a:buAutoNum type="arabicPeriod" startAt="8"/>
+            </a:pPr>
+            <a:r>
+              <a:rPr lang="en-US" b="1" dirty="0"/>
+              <a:t>Export CSV</a:t>
+            </a:r>
+            <a:r>
+              <a:rPr lang="he-IL" b="1" dirty="0"/>
+              <a:t> </a:t>
+            </a:r>
+            <a:r>
+              <a:rPr lang="he-IL" dirty="0"/>
+              <a:t>– ייצוא של קובצי ה </a:t>
+            </a:r>
+            <a:r>
+              <a:rPr lang="en-US" dirty="0"/>
+              <a:t>CSV</a:t>
+            </a:r>
+            <a:r>
+              <a:rPr lang="he-IL" dirty="0"/>
+              <a:t> שנוצרו בסעיף 2 ל </a:t>
+            </a:r>
+            <a:r>
+              <a:rPr lang="en-US" dirty="0"/>
+              <a:t>DOK</a:t>
+            </a:r>
+            <a:endParaRPr lang="he-IL" dirty="0"/>
+          </a:p>
+          <a:p>
+            <a:pPr marL="342900" indent="-342900">
+              <a:buAutoNum type="arabicPeriod" startAt="8"/>
+            </a:pPr>
+            <a:endParaRPr lang="he-IL" dirty="0"/>
+          </a:p>
+        </p:txBody>
+      </p:sp>
+    </p:spTree>
+    <p:extLst>
+      <p:ext uri="{BB962C8B-B14F-4D97-AF65-F5344CB8AC3E}">
+        <p14:creationId xmlns:p14="http://schemas.microsoft.com/office/powerpoint/2010/main" val="3073214716"/>
+      </p:ext>
+    </p:extLst>
+  </p:cSld>
+  <p:clrMapOvr>
+    <a:masterClrMapping/>
+  </p:clrMapOvr>
+</p:sld>
+</file>
+
+<file path=ppt/slides/slide11.xml><?xml version="1.0" encoding="utf-8"?>
+<p:sld xmlns:a="http://schemas.openxmlformats.org/drawingml/2006/main" xmlns:r="http://schemas.openxmlformats.org/officeDocument/2006/relationships" xmlns:p="http://schemas.openxmlformats.org/presentationml/2006/main">
+  <p:cSld>
+    <p:spTree>
+      <p:nvGrpSpPr>
+        <p:cNvPr id="1" name="">
+          <a:extLst>
+            <a:ext uri="{FF2B5EF4-FFF2-40B4-BE49-F238E27FC236}">
               <a16:creationId xmlns:a16="http://schemas.microsoft.com/office/drawing/2014/main" id="{14EB8B44-85A9-8D5E-1E28-A0596E1CC141}"/>
             </a:ext>
           </a:extLst>
@@ -14794,7 +15005,7 @@
 </p:sld>
 </file>
 
-<file path=ppt/slides/slide11.xml><?xml version="1.0" encoding="utf-8"?>
+<file path=ppt/slides/slide12.xml><?xml version="1.0" encoding="utf-8"?>
 <p:sld xmlns:a="http://schemas.openxmlformats.org/drawingml/2006/main" xmlns:r="http://schemas.openxmlformats.org/officeDocument/2006/relationships" xmlns:p="http://schemas.openxmlformats.org/presentationml/2006/main">
   <p:cSld>
     <p:spTree>
@@ -14896,6 +15107,148 @@
           </a:p>
         </p:txBody>
       </p:sp>
+      <p:pic>
+        <p:nvPicPr>
+          <p:cNvPr id="9" name="Picture 8">
+            <a:extLst>
+              <a:ext uri="{FF2B5EF4-FFF2-40B4-BE49-F238E27FC236}">
+                <a16:creationId xmlns:a16="http://schemas.microsoft.com/office/drawing/2014/main" id="{842D4A28-8775-1250-0AE9-160C3BE50D30}"/>
+              </a:ext>
+            </a:extLst>
+          </p:cNvPr>
+          <p:cNvPicPr>
+            <a:picLocks noChangeAspect="1"/>
+          </p:cNvPicPr>
+          <p:nvPr/>
+        </p:nvPicPr>
+        <p:blipFill>
+          <a:blip r:embed="rId2"/>
+          <a:stretch>
+            <a:fillRect/>
+          </a:stretch>
+        </p:blipFill>
+        <p:spPr>
+          <a:xfrm>
+            <a:off x="466636" y="1776801"/>
+            <a:ext cx="5637568" cy="3519237"/>
+          </a:xfrm>
+          <a:prstGeom prst="rect">
+            <a:avLst/>
+          </a:prstGeom>
+        </p:spPr>
+      </p:pic>
+      <p:sp>
+        <p:nvSpPr>
+          <p:cNvPr id="13" name="TextBox 12">
+            <a:extLst>
+              <a:ext uri="{FF2B5EF4-FFF2-40B4-BE49-F238E27FC236}">
+                <a16:creationId xmlns:a16="http://schemas.microsoft.com/office/drawing/2014/main" id="{5241F287-0AAA-6928-BCC7-A63B7835726E}"/>
+              </a:ext>
+            </a:extLst>
+          </p:cNvPr>
+          <p:cNvSpPr txBox="1"/>
+          <p:nvPr/>
+        </p:nvSpPr>
+        <p:spPr>
+          <a:xfrm>
+            <a:off x="6161954" y="1773570"/>
+            <a:ext cx="5891279" cy="1709571"/>
+          </a:xfrm>
+          <a:prstGeom prst="rect">
+            <a:avLst/>
+          </a:prstGeom>
+          <a:noFill/>
+        </p:spPr>
+        <p:txBody>
+          <a:bodyPr wrap="square">
+            <a:spAutoFit/>
+          </a:bodyPr>
+          <a:lstStyle/>
+          <a:p>
+            <a:pPr marL="342900" indent="-342900" defTabSz="179388">
+              <a:lnSpc>
+                <a:spcPct val="150000"/>
+              </a:lnSpc>
+              <a:buFont typeface="+mj-lt"/>
+              <a:buAutoNum type="arabicPeriod"/>
+              <a:tabLst>
+                <a:tab pos="539750" algn="l"/>
+              </a:tabLst>
+            </a:pPr>
+            <a:r>
+              <a:rPr lang="he-IL" dirty="0"/>
+              <a:t>בחירת הטכניקה הפעילה במערכת: לקוח או </a:t>
+            </a:r>
+            <a:r>
+              <a:rPr lang="he-IL" dirty="0" err="1"/>
+              <a:t>אלאופ</a:t>
+            </a:r>
+            <a:r>
+              <a:rPr lang="he-IL" dirty="0"/>
+              <a:t> - </a:t>
+            </a:r>
+            <a:r>
+              <a:rPr lang="en-US" dirty="0"/>
+              <a:t>LSHELL</a:t>
+            </a:r>
+            <a:endParaRPr lang="he-IL" dirty="0"/>
+          </a:p>
+          <a:p>
+            <a:pPr marL="342900" indent="-342900">
+              <a:lnSpc>
+                <a:spcPct val="150000"/>
+              </a:lnSpc>
+              <a:buFont typeface="+mj-lt"/>
+              <a:buAutoNum type="arabicPeriod"/>
+            </a:pPr>
+            <a:r>
+              <a:rPr lang="he-IL" dirty="0"/>
+              <a:t>קריאה והצגה של הטכניקה הפעילה - </a:t>
+            </a:r>
+            <a:r>
+              <a:rPr lang="en-US" dirty="0"/>
+              <a:t>LSHELL</a:t>
+            </a:r>
+            <a:endParaRPr lang="he-IL" dirty="0"/>
+          </a:p>
+          <a:p>
+            <a:pPr marL="342900" indent="-342900">
+              <a:lnSpc>
+                <a:spcPct val="150000"/>
+              </a:lnSpc>
+              <a:buFont typeface="+mj-lt"/>
+              <a:buAutoNum type="arabicPeriod"/>
+            </a:pPr>
+            <a:r>
+              <a:rPr lang="he-IL" dirty="0"/>
+              <a:t>מחיקת הטכניקה של הלקוח בפקודת - </a:t>
+            </a:r>
+            <a:r>
+              <a:rPr lang="en-US" dirty="0"/>
+              <a:t>LSHELL</a:t>
+            </a:r>
+            <a:endParaRPr lang="he-IL" dirty="0"/>
+          </a:p>
+          <a:p>
+            <a:pPr marL="342900" indent="-342900">
+              <a:lnSpc>
+                <a:spcPct val="150000"/>
+              </a:lnSpc>
+              <a:buFont typeface="+mj-lt"/>
+              <a:buAutoNum type="arabicPeriod"/>
+            </a:pPr>
+            <a:r>
+              <a:rPr lang="he-IL" dirty="0"/>
+              <a:t>הצגת סטטוס – </a:t>
+            </a:r>
+            <a:r>
+              <a:rPr lang="en-US" dirty="0"/>
+              <a:t>TBD</a:t>
+            </a:r>
+            <a:endParaRPr lang="he-IL" dirty="0"/>
+          </a:p>
+        </p:txBody>
+      </p:sp>
     </p:spTree>
     <p:extLst>
       <p:ext uri="{BB962C8B-B14F-4D97-AF65-F5344CB8AC3E}">
@@ -14909,7 +15262,283 @@
 </p:sld>
 </file>
 
-<file path=ppt/slides/slide12.xml><?xml version="1.0" encoding="utf-8"?>
+<file path=ppt/slides/slide13.xml><?xml version="1.0" encoding="utf-8"?>
+<p:sld xmlns:a="http://schemas.openxmlformats.org/drawingml/2006/main" xmlns:r="http://schemas.openxmlformats.org/officeDocument/2006/relationships" xmlns:p="http://schemas.openxmlformats.org/presentationml/2006/main">
+  <p:cSld>
+    <p:spTree>
+      <p:nvGrpSpPr>
+        <p:cNvPr id="1" name="">
+          <a:extLst>
+            <a:ext uri="{FF2B5EF4-FFF2-40B4-BE49-F238E27FC236}">
+              <a16:creationId xmlns:a16="http://schemas.microsoft.com/office/drawing/2014/main" id="{1C5DD9E7-E519-8E73-3BC8-5B70BD7BFB3F}"/>
+            </a:ext>
+          </a:extLst>
+        </p:cNvPr>
+        <p:cNvGrpSpPr/>
+        <p:nvPr/>
+      </p:nvGrpSpPr>
+      <p:grpSpPr>
+        <a:xfrm>
+          <a:off x="0" y="0"/>
+          <a:ext cx="0" cy="0"/>
+          <a:chOff x="0" y="0"/>
+          <a:chExt cx="0" cy="0"/>
+        </a:xfrm>
+      </p:grpSpPr>
+      <p:sp>
+        <p:nvSpPr>
+          <p:cNvPr id="2" name="כותרת 1">
+            <a:extLst>
+              <a:ext uri="{FF2B5EF4-FFF2-40B4-BE49-F238E27FC236}">
+                <a16:creationId xmlns:a16="http://schemas.microsoft.com/office/drawing/2014/main" id="{D2B08F00-2276-3174-47C5-272251F59053}"/>
+              </a:ext>
+            </a:extLst>
+          </p:cNvPr>
+          <p:cNvSpPr>
+            <a:spLocks noGrp="1"/>
+          </p:cNvSpPr>
+          <p:nvPr>
+            <p:ph type="title"/>
+          </p:nvPr>
+        </p:nvSpPr>
+        <p:spPr/>
+        <p:txBody>
+          <a:bodyPr/>
+          <a:lstStyle/>
+          <a:p>
+            <a:pPr marL="1143000" lvl="1" indent="-457200" algn="ctr" rtl="0">
+              <a:lnSpc>
+                <a:spcPct val="150000"/>
+              </a:lnSpc>
+            </a:pPr>
+            <a:r>
+              <a:rPr lang="en-US" altLang="en-US" sz="4400" dirty="0">
+                <a:solidFill>
+                  <a:schemeClr val="bg1"/>
+                </a:solidFill>
+              </a:rPr>
+              <a:t>JC Handling Tab</a:t>
+            </a:r>
+            <a:r>
+              <a:rPr lang="he-IL" altLang="en-US" sz="4400" dirty="0">
+                <a:solidFill>
+                  <a:schemeClr val="bg1"/>
+                </a:solidFill>
+              </a:rPr>
+              <a:t> </a:t>
+            </a:r>
+            <a:endParaRPr lang="en-US" altLang="en-US" sz="4400" dirty="0">
+              <a:solidFill>
+                <a:schemeClr val="bg1"/>
+              </a:solidFill>
+            </a:endParaRPr>
+          </a:p>
+        </p:txBody>
+      </p:sp>
+      <p:sp>
+        <p:nvSpPr>
+          <p:cNvPr id="3" name="מציין מיקום של כותרת תחתונה 2">
+            <a:extLst>
+              <a:ext uri="{FF2B5EF4-FFF2-40B4-BE49-F238E27FC236}">
+                <a16:creationId xmlns:a16="http://schemas.microsoft.com/office/drawing/2014/main" id="{FA9F43DA-B1C3-D33C-01D7-335CDF0D13B4}"/>
+              </a:ext>
+            </a:extLst>
+          </p:cNvPr>
+          <p:cNvSpPr>
+            <a:spLocks noGrp="1"/>
+          </p:cNvSpPr>
+          <p:nvPr>
+            <p:ph type="ftr" sz="quarter" idx="10"/>
+          </p:nvPr>
+        </p:nvSpPr>
+        <p:spPr/>
+        <p:txBody>
+          <a:bodyPr/>
+          <a:lstStyle/>
+          <a:p>
+            <a:r>
+              <a:rPr lang="he-IL" dirty="0"/>
+              <a:t>אוריון פתרונות תוכנה בע"מ</a:t>
+            </a:r>
+            <a:endParaRPr lang="en-US" dirty="0"/>
+          </a:p>
+        </p:txBody>
+      </p:sp>
+      <p:sp>
+        <p:nvSpPr>
+          <p:cNvPr id="16" name="TextBox 15">
+            <a:extLst>
+              <a:ext uri="{FF2B5EF4-FFF2-40B4-BE49-F238E27FC236}">
+                <a16:creationId xmlns:a16="http://schemas.microsoft.com/office/drawing/2014/main" id="{5E909BAE-A276-8097-DEE9-5D0E18FC6F55}"/>
+              </a:ext>
+            </a:extLst>
+          </p:cNvPr>
+          <p:cNvSpPr txBox="1"/>
+          <p:nvPr/>
+        </p:nvSpPr>
+        <p:spPr>
+          <a:xfrm>
+            <a:off x="2332129" y="1561232"/>
+            <a:ext cx="9547849" cy="2540567"/>
+          </a:xfrm>
+          <a:prstGeom prst="rect">
+            <a:avLst/>
+          </a:prstGeom>
+          <a:noFill/>
+        </p:spPr>
+        <p:txBody>
+          <a:bodyPr wrap="square">
+            <a:spAutoFit/>
+          </a:bodyPr>
+          <a:lstStyle/>
+          <a:p>
+            <a:pPr>
+              <a:lnSpc>
+                <a:spcPct val="150000"/>
+              </a:lnSpc>
+            </a:pPr>
+            <a:r>
+              <a:rPr lang="he-IL" b="1" dirty="0"/>
+              <a:t>נקודות חשובות</a:t>
+            </a:r>
+          </a:p>
+          <a:p>
+            <a:pPr marL="285750" indent="-285750">
+              <a:lnSpc>
+                <a:spcPct val="150000"/>
+              </a:lnSpc>
+              <a:buFont typeface="Arial" panose="020B0604020202020204" pitchFamily="34" charset="0"/>
+              <a:buChar char="•"/>
+            </a:pPr>
+            <a:r>
+              <a:rPr lang="he-IL" dirty="0"/>
+              <a:t>לפני בחירת </a:t>
+            </a:r>
+            <a:r>
+              <a:rPr lang="en-US" dirty="0"/>
+              <a:t> JC</a:t>
+            </a:r>
+            <a:r>
+              <a:rPr lang="he-IL" dirty="0"/>
+              <a:t> תופיע הודעת מקדימה שדורשת את אישור המשתמש.</a:t>
+            </a:r>
+          </a:p>
+          <a:p>
+            <a:pPr marL="285750" indent="-285750">
+              <a:lnSpc>
+                <a:spcPct val="150000"/>
+              </a:lnSpc>
+              <a:buFont typeface="Arial" panose="020B0604020202020204" pitchFamily="34" charset="0"/>
+              <a:buChar char="•"/>
+            </a:pPr>
+            <a:r>
+              <a:rPr lang="he-IL" dirty="0"/>
+              <a:t>במהלך בחירת </a:t>
+            </a:r>
+            <a:r>
+              <a:rPr lang="en-US" dirty="0"/>
+              <a:t> JC</a:t>
+            </a:r>
+            <a:r>
+              <a:rPr lang="he-IL" dirty="0"/>
+              <a:t> פעולת </a:t>
+            </a:r>
+            <a:r>
+              <a:rPr lang="en-US" dirty="0"/>
+              <a:t>Selection</a:t>
+            </a:r>
+            <a:r>
+              <a:rPr lang="he-IL" dirty="0"/>
+              <a:t> יוצג חיווי התקדמות.</a:t>
+            </a:r>
+          </a:p>
+          <a:p>
+            <a:pPr marL="285750" indent="-285750">
+              <a:lnSpc>
+                <a:spcPct val="150000"/>
+              </a:lnSpc>
+              <a:buFont typeface="Arial" panose="020B0604020202020204" pitchFamily="34" charset="0"/>
+              <a:buChar char="•"/>
+            </a:pPr>
+            <a:r>
+              <a:rPr lang="he-IL" dirty="0"/>
+              <a:t>בסיום תהליך בחירת </a:t>
+            </a:r>
+            <a:r>
+              <a:rPr lang="en-US" dirty="0"/>
+              <a:t> JC</a:t>
+            </a:r>
+            <a:r>
+              <a:rPr lang="he-IL" dirty="0"/>
+              <a:t> </a:t>
+            </a:r>
+            <a:r>
+              <a:rPr lang="en-US" dirty="0"/>
+              <a:t>Selection</a:t>
+            </a:r>
+            <a:r>
+              <a:rPr lang="he-IL" dirty="0"/>
+              <a:t> תוצג הודעה הצלחה או כשלון.</a:t>
+            </a:r>
+          </a:p>
+          <a:p>
+            <a:pPr marL="285750" indent="-285750">
+              <a:lnSpc>
+                <a:spcPct val="150000"/>
+              </a:lnSpc>
+              <a:buFont typeface="Arial" panose="020B0604020202020204" pitchFamily="34" charset="0"/>
+              <a:buChar char="•"/>
+            </a:pPr>
+            <a:r>
+              <a:rPr lang="he-IL" dirty="0"/>
+              <a:t>בסיום תהליך בחירת </a:t>
+            </a:r>
+            <a:r>
+              <a:rPr lang="en-US" dirty="0"/>
+              <a:t> JC </a:t>
+            </a:r>
+            <a:r>
+              <a:rPr lang="he-IL" dirty="0"/>
+              <a:t>המערכת מבצעת אתחול</a:t>
+            </a:r>
+          </a:p>
+          <a:p>
+            <a:pPr marL="285750" indent="-285750">
+              <a:lnSpc>
+                <a:spcPct val="150000"/>
+              </a:lnSpc>
+              <a:buFont typeface="Arial" panose="020B0604020202020204" pitchFamily="34" charset="0"/>
+              <a:buChar char="•"/>
+            </a:pPr>
+            <a:r>
+              <a:rPr lang="he-IL" dirty="0"/>
+              <a:t>פעולות </a:t>
+            </a:r>
+            <a:r>
+              <a:rPr lang="en-US" dirty="0" err="1"/>
+              <a:t>Zeroise</a:t>
+            </a:r>
+            <a:r>
+              <a:rPr lang="he-IL" dirty="0"/>
+              <a:t> לא מאופשרת עד שתיבת הסימון לא סומנה על ידי המשתמש</a:t>
+            </a:r>
+          </a:p>
+        </p:txBody>
+      </p:sp>
+    </p:spTree>
+    <p:extLst>
+      <p:ext uri="{BB962C8B-B14F-4D97-AF65-F5344CB8AC3E}">
+        <p14:creationId xmlns:p14="http://schemas.microsoft.com/office/powerpoint/2010/main" val="3056197809"/>
+      </p:ext>
+    </p:extLst>
+  </p:cSld>
+  <p:clrMapOvr>
+    <a:masterClrMapping/>
+  </p:clrMapOvr>
+</p:sld>
+</file>
+
+<file path=ppt/slides/slide14.xml><?xml version="1.0" encoding="utf-8"?>
 <p:sld xmlns:a="http://schemas.openxmlformats.org/drawingml/2006/main" xmlns:r="http://schemas.openxmlformats.org/officeDocument/2006/relationships" xmlns:p="http://schemas.openxmlformats.org/presentationml/2006/main">
   <p:cSld>
     <p:spTree>
@@ -14959,12 +15588,20 @@
               </a:lnSpc>
             </a:pPr>
             <a:r>
+              <a:rPr lang="en-US" altLang="en-US" sz="4400" dirty="0">
+                <a:solidFill>
+                  <a:schemeClr val="bg1"/>
+                </a:solidFill>
+              </a:rPr>
+              <a:t>JC Handling – New Commands</a:t>
+            </a:r>
+            <a:r>
               <a:rPr lang="he-IL" altLang="en-US" sz="4400" dirty="0">
                 <a:solidFill>
                   <a:schemeClr val="bg1"/>
                 </a:solidFill>
               </a:rPr>
-              <a:t>פקודות חדשות </a:t>
+              <a:t> </a:t>
             </a:r>
             <a:endParaRPr lang="en-US" altLang="en-US" sz="4400" dirty="0">
               <a:solidFill>
@@ -15000,6 +15637,80 @@
               <a:t>אוריון פתרונות תוכנה בע"מ</a:t>
             </a:r>
             <a:endParaRPr lang="en-US" dirty="0"/>
+          </a:p>
+        </p:txBody>
+      </p:sp>
+      <p:pic>
+        <p:nvPicPr>
+          <p:cNvPr id="5" name="Picture 4">
+            <a:extLst>
+              <a:ext uri="{FF2B5EF4-FFF2-40B4-BE49-F238E27FC236}">
+                <a16:creationId xmlns:a16="http://schemas.microsoft.com/office/drawing/2014/main" id="{FB60B2DD-9B09-E0B1-BEB4-F3AEB00D75C3}"/>
+              </a:ext>
+            </a:extLst>
+          </p:cNvPr>
+          <p:cNvPicPr>
+            <a:picLocks noChangeAspect="1"/>
+          </p:cNvPicPr>
+          <p:nvPr/>
+        </p:nvPicPr>
+        <p:blipFill>
+          <a:blip r:embed="rId2"/>
+          <a:stretch>
+            <a:fillRect/>
+          </a:stretch>
+        </p:blipFill>
+        <p:spPr>
+          <a:xfrm>
+            <a:off x="2108495" y="1457636"/>
+            <a:ext cx="5371432" cy="4782603"/>
+          </a:xfrm>
+          <a:prstGeom prst="rect">
+            <a:avLst/>
+          </a:prstGeom>
+        </p:spPr>
+      </p:pic>
+      <p:sp>
+        <p:nvSpPr>
+          <p:cNvPr id="7" name="TextBox 6">
+            <a:extLst>
+              <a:ext uri="{FF2B5EF4-FFF2-40B4-BE49-F238E27FC236}">
+                <a16:creationId xmlns:a16="http://schemas.microsoft.com/office/drawing/2014/main" id="{8C4B8006-7F6B-C8D6-201C-E7AD8F303555}"/>
+              </a:ext>
+            </a:extLst>
+          </p:cNvPr>
+          <p:cNvSpPr txBox="1"/>
+          <p:nvPr/>
+        </p:nvSpPr>
+        <p:spPr>
+          <a:xfrm>
+            <a:off x="7671335" y="1798497"/>
+            <a:ext cx="4348188" cy="369332"/>
+          </a:xfrm>
+          <a:prstGeom prst="rect">
+            <a:avLst/>
+          </a:prstGeom>
+          <a:noFill/>
+        </p:spPr>
+        <p:txBody>
+          <a:bodyPr wrap="square">
+            <a:spAutoFit/>
+          </a:bodyPr>
+          <a:lstStyle/>
+          <a:p>
+            <a:pPr marL="285750" indent="-285750">
+              <a:buFont typeface="Arial" panose="020B0604020202020204" pitchFamily="34" charset="0"/>
+              <a:buChar char="•"/>
+            </a:pPr>
+            <a:r>
+              <a:rPr lang="he-IL" dirty="0"/>
+              <a:t>חסרה פקודה לקריאת </a:t>
+            </a:r>
+            <a:r>
+              <a:rPr lang="en-US" dirty="0"/>
+              <a:t> Current JC Selection</a:t>
+            </a:r>
+            <a:endParaRPr lang="he-IL" dirty="0"/>
           </a:p>
         </p:txBody>
       </p:sp>
@@ -15016,7 +15727,7 @@
 </p:sld>
 </file>
 
-<file path=ppt/slides/slide13.xml><?xml version="1.0" encoding="utf-8"?>
+<file path=ppt/slides/slide15.xml><?xml version="1.0" encoding="utf-8"?>
 <p:sld xmlns:a="http://schemas.openxmlformats.org/drawingml/2006/main" xmlns:r="http://schemas.openxmlformats.org/officeDocument/2006/relationships" xmlns:p="http://schemas.openxmlformats.org/presentationml/2006/main">
   <p:cSld>
     <p:spTree>
@@ -15309,7 +16020,7 @@
 </p:sld>
 </file>
 
-<file path=ppt/slides/slide14.xml><?xml version="1.0" encoding="utf-8"?>
+<file path=ppt/slides/slide16.xml><?xml version="1.0" encoding="utf-8"?>
 <p:sld xmlns:a="http://schemas.openxmlformats.org/drawingml/2006/main" xmlns:r="http://schemas.openxmlformats.org/officeDocument/2006/relationships" xmlns:p="http://schemas.openxmlformats.org/presentationml/2006/main">
   <p:cSld>
     <p:spTree>
@@ -15579,7 +16290,1158 @@
 </p:sld>
 </file>
 
-<file path=ppt/slides/slide15.xml><?xml version="1.0" encoding="utf-8"?>
+<file path=ppt/slides/slide17.xml><?xml version="1.0" encoding="utf-8"?>
+<p:sld xmlns:a="http://schemas.openxmlformats.org/drawingml/2006/main" xmlns:r="http://schemas.openxmlformats.org/officeDocument/2006/relationships" xmlns:p="http://schemas.openxmlformats.org/presentationml/2006/main">
+  <p:cSld>
+    <p:spTree>
+      <p:nvGrpSpPr>
+        <p:cNvPr id="1" name="">
+          <a:extLst>
+            <a:ext uri="{FF2B5EF4-FFF2-40B4-BE49-F238E27FC236}">
+              <a16:creationId xmlns:a16="http://schemas.microsoft.com/office/drawing/2014/main" id="{2AE392D4-24B8-7315-34F5-B8B76EE0C3DC}"/>
+            </a:ext>
+          </a:extLst>
+        </p:cNvPr>
+        <p:cNvGrpSpPr/>
+        <p:nvPr/>
+      </p:nvGrpSpPr>
+      <p:grpSpPr>
+        <a:xfrm>
+          <a:off x="0" y="0"/>
+          <a:ext cx="0" cy="0"/>
+          <a:chOff x="0" y="0"/>
+          <a:chExt cx="0" cy="0"/>
+        </a:xfrm>
+      </p:grpSpPr>
+      <p:sp>
+        <p:nvSpPr>
+          <p:cNvPr id="2" name="מציין מיקום של כותרת תחתונה 3">
+            <a:extLst>
+              <a:ext uri="{FF2B5EF4-FFF2-40B4-BE49-F238E27FC236}">
+                <a16:creationId xmlns:a16="http://schemas.microsoft.com/office/drawing/2014/main" id="{1E2E9A04-78F9-2E5D-F7F0-F746A279C32C}"/>
+              </a:ext>
+            </a:extLst>
+          </p:cNvPr>
+          <p:cNvSpPr>
+            <a:spLocks noGrp="1"/>
+          </p:cNvSpPr>
+          <p:nvPr>
+            <p:ph type="ftr" sz="quarter" idx="11"/>
+          </p:nvPr>
+        </p:nvSpPr>
+        <p:spPr>
+          <a:xfrm>
+            <a:off x="4038600" y="6356350"/>
+            <a:ext cx="4114800" cy="365125"/>
+          </a:xfrm>
+        </p:spPr>
+        <p:txBody>
+          <a:bodyPr/>
+          <a:lstStyle/>
+          <a:p>
+            <a:r>
+              <a:rPr lang="he-IL"/>
+              <a:t>אוריון פתרונות תוכנה בע"מ</a:t>
+            </a:r>
+            <a:endParaRPr lang="en-US" dirty="0"/>
+          </a:p>
+        </p:txBody>
+      </p:sp>
+      <p:sp>
+        <p:nvSpPr>
+          <p:cNvPr id="3" name="מלבן 2">
+            <a:extLst>
+              <a:ext uri="{FF2B5EF4-FFF2-40B4-BE49-F238E27FC236}">
+                <a16:creationId xmlns:a16="http://schemas.microsoft.com/office/drawing/2014/main" id="{5A5AF7CB-604F-E851-0F17-7AEB731C3946}"/>
+              </a:ext>
+            </a:extLst>
+          </p:cNvPr>
+          <p:cNvSpPr/>
+          <p:nvPr/>
+        </p:nvSpPr>
+        <p:spPr>
+          <a:xfrm>
+            <a:off x="768220" y="1268120"/>
+            <a:ext cx="10655559" cy="4321759"/>
+          </a:xfrm>
+          <a:prstGeom prst="rect">
+            <a:avLst/>
+          </a:prstGeom>
+          <a:noFill/>
+          <a:ln>
+            <a:noFill/>
+          </a:ln>
+        </p:spPr>
+        <p:style>
+          <a:lnRef idx="2">
+            <a:schemeClr val="accent1">
+              <a:shade val="50000"/>
+            </a:schemeClr>
+          </a:lnRef>
+          <a:fillRef idx="1">
+            <a:schemeClr val="accent1"/>
+          </a:fillRef>
+          <a:effectRef idx="0">
+            <a:schemeClr val="accent1"/>
+          </a:effectRef>
+          <a:fontRef idx="minor">
+            <a:schemeClr val="lt1"/>
+          </a:fontRef>
+        </p:style>
+        <p:txBody>
+          <a:bodyPr rtlCol="0" anchor="ctr"/>
+          <a:lstStyle/>
+          <a:p>
+            <a:pPr algn="ctr">
+              <a:lnSpc>
+                <a:spcPct val="150000"/>
+              </a:lnSpc>
+              <a:buClr>
+                <a:srgbClr val="00B0F0"/>
+              </a:buClr>
+              <a:buSzPct val="100000"/>
+              <a:defRPr/>
+            </a:pPr>
+            <a:r>
+              <a:rPr lang="en-US" altLang="en-US" sz="6000" b="1" dirty="0">
+                <a:solidFill>
+                  <a:srgbClr val="4285F4"/>
+                </a:solidFill>
+                <a:latin typeface="Segoe UI" panose="020B0502040204020203" pitchFamily="34" charset="0"/>
+                <a:cs typeface="Segoe UI" panose="020B0502040204020203" pitchFamily="34" charset="0"/>
+              </a:rPr>
+              <a:t>JC Loader</a:t>
+            </a:r>
+            <a:endParaRPr lang="he-IL" altLang="en-US" sz="6000" b="1" dirty="0">
+              <a:solidFill>
+                <a:srgbClr val="4285F4"/>
+              </a:solidFill>
+              <a:latin typeface="Segoe UI" panose="020B0502040204020203" pitchFamily="34" charset="0"/>
+              <a:cs typeface="Segoe UI" panose="020B0502040204020203" pitchFamily="34" charset="0"/>
+            </a:endParaRPr>
+          </a:p>
+        </p:txBody>
+      </p:sp>
+      <p:pic>
+        <p:nvPicPr>
+          <p:cNvPr id="4" name="גרפיקה 3" descr="הוסף">
+            <a:extLst>
+              <a:ext uri="{FF2B5EF4-FFF2-40B4-BE49-F238E27FC236}">
+                <a16:creationId xmlns:a16="http://schemas.microsoft.com/office/drawing/2014/main" id="{BE26EA1B-F531-E07D-934B-345D5F2C8834}"/>
+              </a:ext>
+            </a:extLst>
+          </p:cNvPr>
+          <p:cNvPicPr>
+            <a:picLocks noChangeAspect="1"/>
+          </p:cNvPicPr>
+          <p:nvPr/>
+        </p:nvPicPr>
+        <p:blipFill>
+          <a:blip r:embed="rId2">
+            <a:extLst>
+              <a:ext uri="{96DAC541-7B7A-43D3-8B79-37D633B846F1}">
+                <asvg:svgBlip xmlns:asvg="http://schemas.microsoft.com/office/drawing/2016/SVG/main" r:embed="rId3"/>
+              </a:ext>
+            </a:extLst>
+          </a:blip>
+          <a:stretch>
+            <a:fillRect/>
+          </a:stretch>
+        </p:blipFill>
+        <p:spPr>
+          <a:xfrm>
+            <a:off x="5638799" y="2164414"/>
+            <a:ext cx="914400" cy="914400"/>
+          </a:xfrm>
+          <a:prstGeom prst="rect">
+            <a:avLst/>
+          </a:prstGeom>
+        </p:spPr>
+      </p:pic>
+    </p:spTree>
+    <p:extLst>
+      <p:ext uri="{BB962C8B-B14F-4D97-AF65-F5344CB8AC3E}">
+        <p14:creationId xmlns:p14="http://schemas.microsoft.com/office/powerpoint/2010/main" val="2846981468"/>
+      </p:ext>
+    </p:extLst>
+  </p:cSld>
+  <p:clrMapOvr>
+    <a:masterClrMapping/>
+  </p:clrMapOvr>
+</p:sld>
+</file>
+
+<file path=ppt/slides/slide18.xml><?xml version="1.0" encoding="utf-8"?>
+<p:sld xmlns:a="http://schemas.openxmlformats.org/drawingml/2006/main" xmlns:r="http://schemas.openxmlformats.org/officeDocument/2006/relationships" xmlns:p="http://schemas.openxmlformats.org/presentationml/2006/main">
+  <p:cSld>
+    <p:spTree>
+      <p:nvGrpSpPr>
+        <p:cNvPr id="1" name="">
+          <a:extLst>
+            <a:ext uri="{FF2B5EF4-FFF2-40B4-BE49-F238E27FC236}">
+              <a16:creationId xmlns:a16="http://schemas.microsoft.com/office/drawing/2014/main" id="{6E6019A0-5816-6CEE-9643-3D3C8EB86CA2}"/>
+            </a:ext>
+          </a:extLst>
+        </p:cNvPr>
+        <p:cNvGrpSpPr/>
+        <p:nvPr/>
+      </p:nvGrpSpPr>
+      <p:grpSpPr>
+        <a:xfrm>
+          <a:off x="0" y="0"/>
+          <a:ext cx="0" cy="0"/>
+          <a:chOff x="0" y="0"/>
+          <a:chExt cx="0" cy="0"/>
+        </a:xfrm>
+      </p:grpSpPr>
+      <p:sp>
+        <p:nvSpPr>
+          <p:cNvPr id="2" name="כותרת 1">
+            <a:extLst>
+              <a:ext uri="{FF2B5EF4-FFF2-40B4-BE49-F238E27FC236}">
+                <a16:creationId xmlns:a16="http://schemas.microsoft.com/office/drawing/2014/main" id="{40672781-F0D6-B1CD-ADA6-A6C631782FA1}"/>
+              </a:ext>
+            </a:extLst>
+          </p:cNvPr>
+          <p:cNvSpPr>
+            <a:spLocks noGrp="1"/>
+          </p:cNvSpPr>
+          <p:nvPr>
+            <p:ph type="title"/>
+          </p:nvPr>
+        </p:nvSpPr>
+        <p:spPr/>
+        <p:txBody>
+          <a:bodyPr/>
+          <a:lstStyle/>
+          <a:p>
+            <a:pPr marL="1143000" lvl="1" indent="-457200" algn="ctr" rtl="1">
+              <a:lnSpc>
+                <a:spcPct val="150000"/>
+              </a:lnSpc>
+            </a:pPr>
+            <a:r>
+              <a:rPr lang="en-US" altLang="en-US" sz="4400" dirty="0">
+                <a:solidFill>
+                  <a:schemeClr val="bg1"/>
+                </a:solidFill>
+              </a:rPr>
+              <a:t>Login</a:t>
+            </a:r>
+          </a:p>
+        </p:txBody>
+      </p:sp>
+      <p:sp>
+        <p:nvSpPr>
+          <p:cNvPr id="3" name="מציין מיקום של כותרת תחתונה 2">
+            <a:extLst>
+              <a:ext uri="{FF2B5EF4-FFF2-40B4-BE49-F238E27FC236}">
+                <a16:creationId xmlns:a16="http://schemas.microsoft.com/office/drawing/2014/main" id="{77596201-C77F-0F2F-C5C0-C557EEAD9D87}"/>
+              </a:ext>
+            </a:extLst>
+          </p:cNvPr>
+          <p:cNvSpPr>
+            <a:spLocks noGrp="1"/>
+          </p:cNvSpPr>
+          <p:nvPr>
+            <p:ph type="ftr" sz="quarter" idx="10"/>
+          </p:nvPr>
+        </p:nvSpPr>
+        <p:spPr/>
+        <p:txBody>
+          <a:bodyPr/>
+          <a:lstStyle/>
+          <a:p>
+            <a:r>
+              <a:rPr lang="he-IL" dirty="0"/>
+              <a:t>אוריון פתרונות תוכנה בע"מ</a:t>
+            </a:r>
+            <a:endParaRPr lang="en-US" dirty="0"/>
+          </a:p>
+        </p:txBody>
+      </p:sp>
+      <p:pic>
+        <p:nvPicPr>
+          <p:cNvPr id="5" name="Picture 4">
+            <a:extLst>
+              <a:ext uri="{FF2B5EF4-FFF2-40B4-BE49-F238E27FC236}">
+                <a16:creationId xmlns:a16="http://schemas.microsoft.com/office/drawing/2014/main" id="{46FD669D-EB51-0F46-FC2C-D5BA1E8D0FDF}"/>
+              </a:ext>
+            </a:extLst>
+          </p:cNvPr>
+          <p:cNvPicPr>
+            <a:picLocks noChangeAspect="1"/>
+          </p:cNvPicPr>
+          <p:nvPr/>
+        </p:nvPicPr>
+        <p:blipFill>
+          <a:blip r:embed="rId2"/>
+          <a:stretch>
+            <a:fillRect/>
+          </a:stretch>
+        </p:blipFill>
+        <p:spPr>
+          <a:xfrm>
+            <a:off x="3667204" y="1592782"/>
+            <a:ext cx="4857592" cy="4684105"/>
+          </a:xfrm>
+          <a:prstGeom prst="rect">
+            <a:avLst/>
+          </a:prstGeom>
+          <a:ln>
+            <a:noFill/>
+          </a:ln>
+          <a:effectLst>
+            <a:outerShdw blurRad="292100" dist="139700" dir="2700000" algn="tl" rotWithShape="0">
+              <a:srgbClr val="333333">
+                <a:alpha val="65000"/>
+              </a:srgbClr>
+            </a:outerShdw>
+          </a:effectLst>
+        </p:spPr>
+      </p:pic>
+    </p:spTree>
+    <p:extLst>
+      <p:ext uri="{BB962C8B-B14F-4D97-AF65-F5344CB8AC3E}">
+        <p14:creationId xmlns:p14="http://schemas.microsoft.com/office/powerpoint/2010/main" val="3980078951"/>
+      </p:ext>
+    </p:extLst>
+  </p:cSld>
+  <p:clrMapOvr>
+    <a:masterClrMapping/>
+  </p:clrMapOvr>
+</p:sld>
+</file>
+
+<file path=ppt/slides/slide19.xml><?xml version="1.0" encoding="utf-8"?>
+<p:sld xmlns:a="http://schemas.openxmlformats.org/drawingml/2006/main" xmlns:r="http://schemas.openxmlformats.org/officeDocument/2006/relationships" xmlns:p="http://schemas.openxmlformats.org/presentationml/2006/main">
+  <p:cSld>
+    <p:spTree>
+      <p:nvGrpSpPr>
+        <p:cNvPr id="1" name="">
+          <a:extLst>
+            <a:ext uri="{FF2B5EF4-FFF2-40B4-BE49-F238E27FC236}">
+              <a16:creationId xmlns:a16="http://schemas.microsoft.com/office/drawing/2014/main" id="{C6AFB730-4D15-5655-85C6-CECA835CDCEB}"/>
+            </a:ext>
+          </a:extLst>
+        </p:cNvPr>
+        <p:cNvGrpSpPr/>
+        <p:nvPr/>
+      </p:nvGrpSpPr>
+      <p:grpSpPr>
+        <a:xfrm>
+          <a:off x="0" y="0"/>
+          <a:ext cx="0" cy="0"/>
+          <a:chOff x="0" y="0"/>
+          <a:chExt cx="0" cy="0"/>
+        </a:xfrm>
+      </p:grpSpPr>
+      <p:sp>
+        <p:nvSpPr>
+          <p:cNvPr id="2" name="כותרת 1">
+            <a:extLst>
+              <a:ext uri="{FF2B5EF4-FFF2-40B4-BE49-F238E27FC236}">
+                <a16:creationId xmlns:a16="http://schemas.microsoft.com/office/drawing/2014/main" id="{D0BF518C-6E30-6935-961E-5D282B483B64}"/>
+              </a:ext>
+            </a:extLst>
+          </p:cNvPr>
+          <p:cNvSpPr>
+            <a:spLocks noGrp="1"/>
+          </p:cNvSpPr>
+          <p:nvPr>
+            <p:ph type="title"/>
+          </p:nvPr>
+        </p:nvSpPr>
+        <p:spPr/>
+        <p:txBody>
+          <a:bodyPr/>
+          <a:lstStyle/>
+          <a:p>
+            <a:pPr marL="1143000" lvl="1" indent="-457200" algn="ctr" rtl="1">
+              <a:lnSpc>
+                <a:spcPct val="150000"/>
+              </a:lnSpc>
+            </a:pPr>
+            <a:r>
+              <a:rPr lang="en-US" altLang="en-US" sz="4400" dirty="0">
+                <a:solidFill>
+                  <a:schemeClr val="bg1"/>
+                </a:solidFill>
+              </a:rPr>
+              <a:t>JC Loader</a:t>
+            </a:r>
+          </a:p>
+        </p:txBody>
+      </p:sp>
+      <p:sp>
+        <p:nvSpPr>
+          <p:cNvPr id="3" name="מציין מיקום של כותרת תחתונה 2">
+            <a:extLst>
+              <a:ext uri="{FF2B5EF4-FFF2-40B4-BE49-F238E27FC236}">
+                <a16:creationId xmlns:a16="http://schemas.microsoft.com/office/drawing/2014/main" id="{CFFA811C-BC82-779A-D724-83BA5C31A021}"/>
+              </a:ext>
+            </a:extLst>
+          </p:cNvPr>
+          <p:cNvSpPr>
+            <a:spLocks noGrp="1"/>
+          </p:cNvSpPr>
+          <p:nvPr>
+            <p:ph type="ftr" sz="quarter" idx="10"/>
+          </p:nvPr>
+        </p:nvSpPr>
+        <p:spPr/>
+        <p:txBody>
+          <a:bodyPr/>
+          <a:lstStyle/>
+          <a:p>
+            <a:r>
+              <a:rPr lang="he-IL"/>
+              <a:t>אוריון פתרונות תוכנה בע"מ</a:t>
+            </a:r>
+            <a:endParaRPr lang="en-US" dirty="0"/>
+          </a:p>
+        </p:txBody>
+      </p:sp>
+      <p:pic>
+        <p:nvPicPr>
+          <p:cNvPr id="6" name="Picture 5">
+            <a:extLst>
+              <a:ext uri="{FF2B5EF4-FFF2-40B4-BE49-F238E27FC236}">
+                <a16:creationId xmlns:a16="http://schemas.microsoft.com/office/drawing/2014/main" id="{7BA3B15F-1990-40B4-8047-A900AA87546B}"/>
+              </a:ext>
+            </a:extLst>
+          </p:cNvPr>
+          <p:cNvPicPr>
+            <a:picLocks noChangeAspect="1"/>
+          </p:cNvPicPr>
+          <p:nvPr/>
+        </p:nvPicPr>
+        <p:blipFill>
+          <a:blip r:embed="rId2"/>
+          <a:stretch>
+            <a:fillRect/>
+          </a:stretch>
+        </p:blipFill>
+        <p:spPr>
+          <a:xfrm>
+            <a:off x="365812" y="1887502"/>
+            <a:ext cx="5657850" cy="3646170"/>
+          </a:xfrm>
+          <a:prstGeom prst="rect">
+            <a:avLst/>
+          </a:prstGeom>
+        </p:spPr>
+      </p:pic>
+      <p:sp>
+        <p:nvSpPr>
+          <p:cNvPr id="7" name="TextBox 6">
+            <a:extLst>
+              <a:ext uri="{FF2B5EF4-FFF2-40B4-BE49-F238E27FC236}">
+                <a16:creationId xmlns:a16="http://schemas.microsoft.com/office/drawing/2014/main" id="{945E63DD-6BC9-AA2F-E89E-CF57F8C4D5F4}"/>
+              </a:ext>
+            </a:extLst>
+          </p:cNvPr>
+          <p:cNvSpPr txBox="1"/>
+          <p:nvPr/>
+        </p:nvSpPr>
+        <p:spPr>
+          <a:xfrm>
+            <a:off x="6237172" y="2566510"/>
+            <a:ext cx="5813248" cy="2534027"/>
+          </a:xfrm>
+          <a:prstGeom prst="rect">
+            <a:avLst/>
+          </a:prstGeom>
+          <a:noFill/>
+        </p:spPr>
+        <p:txBody>
+          <a:bodyPr wrap="square">
+            <a:spAutoFit/>
+          </a:bodyPr>
+          <a:lstStyle/>
+          <a:p>
+            <a:pPr marL="342900" indent="-342900" defTabSz="179388">
+              <a:lnSpc>
+                <a:spcPct val="150000"/>
+              </a:lnSpc>
+              <a:buFont typeface="+mj-lt"/>
+              <a:buAutoNum type="arabicPeriod"/>
+              <a:tabLst>
+                <a:tab pos="539750" algn="l"/>
+              </a:tabLst>
+            </a:pPr>
+            <a:r>
+              <a:rPr lang="he-IL" dirty="0"/>
+              <a:t>בחירת הטכניקה הפעילה במערכת: לקוח או </a:t>
+            </a:r>
+            <a:r>
+              <a:rPr lang="he-IL" dirty="0" err="1"/>
+              <a:t>אלאופ</a:t>
+            </a:r>
+            <a:r>
+              <a:rPr lang="he-IL" dirty="0"/>
+              <a:t> - </a:t>
+            </a:r>
+            <a:r>
+              <a:rPr lang="en-US" dirty="0"/>
+              <a:t>LSHELL</a:t>
+            </a:r>
+            <a:endParaRPr lang="he-IL" dirty="0"/>
+          </a:p>
+          <a:p>
+            <a:pPr marL="342900" indent="-342900">
+              <a:lnSpc>
+                <a:spcPct val="150000"/>
+              </a:lnSpc>
+              <a:buFont typeface="+mj-lt"/>
+              <a:buAutoNum type="arabicPeriod"/>
+            </a:pPr>
+            <a:r>
+              <a:rPr lang="he-IL" dirty="0"/>
+              <a:t>קריאה והצגה של הטכניקה הפעילה - </a:t>
+            </a:r>
+            <a:r>
+              <a:rPr lang="en-US" dirty="0"/>
+              <a:t>LSHELL</a:t>
+            </a:r>
+            <a:endParaRPr lang="he-IL" dirty="0"/>
+          </a:p>
+          <a:p>
+            <a:pPr marL="342900" indent="-342900">
+              <a:lnSpc>
+                <a:spcPct val="150000"/>
+              </a:lnSpc>
+              <a:buFont typeface="+mj-lt"/>
+              <a:buAutoNum type="arabicPeriod"/>
+            </a:pPr>
+            <a:r>
+              <a:rPr lang="he-IL" dirty="0"/>
+              <a:t>מחיקת הטכניקה של הלקוח בפקודת - </a:t>
+            </a:r>
+            <a:r>
+              <a:rPr lang="en-US" dirty="0"/>
+              <a:t>LSHELL</a:t>
+            </a:r>
+            <a:endParaRPr lang="he-IL" dirty="0"/>
+          </a:p>
+          <a:p>
+            <a:pPr marL="342900" indent="-342900">
+              <a:lnSpc>
+                <a:spcPct val="150000"/>
+              </a:lnSpc>
+              <a:buFont typeface="+mj-lt"/>
+              <a:buAutoNum type="arabicPeriod"/>
+            </a:pPr>
+            <a:r>
+              <a:rPr lang="he-IL" dirty="0"/>
+              <a:t>הצגת סטטוס – </a:t>
+            </a:r>
+            <a:r>
+              <a:rPr lang="en-US" dirty="0"/>
+              <a:t>TBD</a:t>
+            </a:r>
+            <a:endParaRPr lang="he-IL" dirty="0"/>
+          </a:p>
+          <a:p>
+            <a:pPr marL="342900" indent="-342900">
+              <a:lnSpc>
+                <a:spcPct val="150000"/>
+              </a:lnSpc>
+              <a:buFont typeface="+mj-lt"/>
+              <a:buAutoNum type="arabicPeriod"/>
+            </a:pPr>
+            <a:r>
+              <a:rPr lang="he-IL" dirty="0"/>
+              <a:t>טעינת קובץ </a:t>
+            </a:r>
+            <a:r>
+              <a:rPr lang="en-US" dirty="0"/>
+              <a:t>LWC.dat</a:t>
+            </a:r>
+            <a:r>
+              <a:rPr lang="he-IL" dirty="0"/>
+              <a:t> + </a:t>
+            </a:r>
+            <a:r>
+              <a:rPr lang="en-US" dirty="0"/>
+              <a:t>SWC.dat</a:t>
+            </a:r>
+            <a:r>
+              <a:rPr lang="he-IL" dirty="0"/>
+              <a:t> למערכת (</a:t>
+            </a:r>
+            <a:r>
+              <a:rPr lang="en-US" dirty="0"/>
+              <a:t>FTP</a:t>
+            </a:r>
+            <a:r>
+              <a:rPr lang="he-IL" dirty="0"/>
+              <a:t>)</a:t>
+            </a:r>
+          </a:p>
+          <a:p>
+            <a:pPr marL="342900" indent="-342900">
+              <a:lnSpc>
+                <a:spcPct val="150000"/>
+              </a:lnSpc>
+              <a:buFont typeface="+mj-lt"/>
+              <a:buAutoNum type="arabicPeriod"/>
+            </a:pPr>
+            <a:r>
+              <a:rPr lang="he-IL" dirty="0"/>
+              <a:t>מחיקת הטכניקה של </a:t>
+            </a:r>
+            <a:r>
+              <a:rPr lang="he-IL" dirty="0" err="1"/>
+              <a:t>אלאופ</a:t>
+            </a:r>
+            <a:r>
+              <a:rPr lang="he-IL" dirty="0"/>
+              <a:t> – מחיקת 2 הקבצים הנ"ל ב </a:t>
+            </a:r>
+            <a:r>
+              <a:rPr lang="en-US" dirty="0"/>
+              <a:t>FTP</a:t>
+            </a:r>
+            <a:endParaRPr lang="he-IL" dirty="0"/>
+          </a:p>
+        </p:txBody>
+      </p:sp>
+      <p:sp>
+        <p:nvSpPr>
+          <p:cNvPr id="9" name="TextBox 8">
+            <a:extLst>
+              <a:ext uri="{FF2B5EF4-FFF2-40B4-BE49-F238E27FC236}">
+                <a16:creationId xmlns:a16="http://schemas.microsoft.com/office/drawing/2014/main" id="{185C89BA-3C08-8B94-C30F-A88C66920EB7}"/>
+              </a:ext>
+            </a:extLst>
+          </p:cNvPr>
+          <p:cNvSpPr txBox="1"/>
+          <p:nvPr/>
+        </p:nvSpPr>
+        <p:spPr>
+          <a:xfrm>
+            <a:off x="7103033" y="1572226"/>
+            <a:ext cx="4947385" cy="872034"/>
+          </a:xfrm>
+          <a:prstGeom prst="rect">
+            <a:avLst/>
+          </a:prstGeom>
+          <a:noFill/>
+        </p:spPr>
+        <p:txBody>
+          <a:bodyPr wrap="square">
+            <a:spAutoFit/>
+          </a:bodyPr>
+          <a:lstStyle/>
+          <a:p>
+            <a:pPr>
+              <a:lnSpc>
+                <a:spcPct val="150000"/>
+              </a:lnSpc>
+            </a:pPr>
+            <a:r>
+              <a:rPr lang="he-IL" dirty="0"/>
+              <a:t>האפליקציה מאפשרת לטעון טכניקה מתיקייה ייעודית במחשב וכוללת את היכולות הבאות:</a:t>
+            </a:r>
+          </a:p>
+        </p:txBody>
+      </p:sp>
+    </p:spTree>
+    <p:extLst>
+      <p:ext uri="{BB962C8B-B14F-4D97-AF65-F5344CB8AC3E}">
+        <p14:creationId xmlns:p14="http://schemas.microsoft.com/office/powerpoint/2010/main" val="1640837265"/>
+      </p:ext>
+    </p:extLst>
+  </p:cSld>
+  <p:clrMapOvr>
+    <a:masterClrMapping/>
+  </p:clrMapOvr>
+</p:sld>
+</file>
+
+<file path=ppt/slides/slide2.xml><?xml version="1.0" encoding="utf-8"?>
+<p:sld xmlns:a="http://schemas.openxmlformats.org/drawingml/2006/main" xmlns:r="http://schemas.openxmlformats.org/officeDocument/2006/relationships" xmlns:p="http://schemas.openxmlformats.org/presentationml/2006/main">
+  <p:cSld>
+    <p:spTree>
+      <p:nvGrpSpPr>
+        <p:cNvPr id="1" name=""/>
+        <p:cNvGrpSpPr/>
+        <p:nvPr/>
+      </p:nvGrpSpPr>
+      <p:grpSpPr>
+        <a:xfrm>
+          <a:off x="0" y="0"/>
+          <a:ext cx="0" cy="0"/>
+          <a:chOff x="0" y="0"/>
+          <a:chExt cx="0" cy="0"/>
+        </a:xfrm>
+      </p:grpSpPr>
+      <p:sp>
+        <p:nvSpPr>
+          <p:cNvPr id="2" name="כותרת 1">
+            <a:extLst>
+              <a:ext uri="{FF2B5EF4-FFF2-40B4-BE49-F238E27FC236}">
+                <a16:creationId xmlns:a16="http://schemas.microsoft.com/office/drawing/2014/main" id="{8D0A6F1B-58D6-4309-ABED-C3B8E4D6E6CC}"/>
+              </a:ext>
+            </a:extLst>
+          </p:cNvPr>
+          <p:cNvSpPr>
+            <a:spLocks noGrp="1"/>
+          </p:cNvSpPr>
+          <p:nvPr>
+            <p:ph type="title"/>
+          </p:nvPr>
+        </p:nvSpPr>
+        <p:spPr/>
+        <p:txBody>
+          <a:bodyPr/>
+          <a:lstStyle/>
+          <a:p>
+            <a:r>
+              <a:rPr lang="he-IL" dirty="0"/>
+              <a:t>כללי</a:t>
+            </a:r>
+            <a:endParaRPr lang="en-US" dirty="0"/>
+          </a:p>
+        </p:txBody>
+      </p:sp>
+      <p:sp>
+        <p:nvSpPr>
+          <p:cNvPr id="3" name="מציין מיקום של כותרת תחתונה 2">
+            <a:extLst>
+              <a:ext uri="{FF2B5EF4-FFF2-40B4-BE49-F238E27FC236}">
+                <a16:creationId xmlns:a16="http://schemas.microsoft.com/office/drawing/2014/main" id="{062D0396-7EBF-4C9C-852E-FC35898CF15F}"/>
+              </a:ext>
+            </a:extLst>
+          </p:cNvPr>
+          <p:cNvSpPr>
+            <a:spLocks noGrp="1"/>
+          </p:cNvSpPr>
+          <p:nvPr>
+            <p:ph type="ftr" sz="quarter" idx="10"/>
+          </p:nvPr>
+        </p:nvSpPr>
+        <p:spPr/>
+        <p:txBody>
+          <a:bodyPr/>
+          <a:lstStyle/>
+          <a:p>
+            <a:r>
+              <a:rPr lang="he-IL"/>
+              <a:t>אוריון פתרונות תוכנה בע"מ</a:t>
+            </a:r>
+            <a:endParaRPr lang="en-US" dirty="0"/>
+          </a:p>
+        </p:txBody>
+      </p:sp>
+      <p:sp>
+        <p:nvSpPr>
+          <p:cNvPr id="4" name="מציין מיקום טקסט 3">
+            <a:extLst>
+              <a:ext uri="{FF2B5EF4-FFF2-40B4-BE49-F238E27FC236}">
+                <a16:creationId xmlns:a16="http://schemas.microsoft.com/office/drawing/2014/main" id="{80FAD636-F3BB-4F18-A87E-19B13A1139EE}"/>
+              </a:ext>
+            </a:extLst>
+          </p:cNvPr>
+          <p:cNvSpPr>
+            <a:spLocks noGrp="1"/>
+          </p:cNvSpPr>
+          <p:nvPr>
+            <p:ph type="body" sz="quarter" idx="11"/>
+          </p:nvPr>
+        </p:nvSpPr>
+        <p:spPr>
+          <a:xfrm>
+            <a:off x="1142315" y="1399688"/>
+            <a:ext cx="10744200" cy="4429514"/>
+          </a:xfrm>
+        </p:spPr>
+        <p:txBody>
+          <a:bodyPr>
+            <a:normAutofit fontScale="92500"/>
+          </a:bodyPr>
+          <a:lstStyle/>
+          <a:p>
+            <a:pPr marL="514350" indent="-514350" eaLnBrk="1" hangingPunct="1">
+              <a:lnSpc>
+                <a:spcPct val="150000"/>
+              </a:lnSpc>
+              <a:buFont typeface="+mj-lt"/>
+              <a:buAutoNum type="arabicPeriod"/>
+            </a:pPr>
+            <a:r>
+              <a:rPr lang="he-IL" altLang="en-US" sz="3000" dirty="0"/>
+              <a:t>נדרש לפתח שתי אפליקציות:</a:t>
+            </a:r>
+          </a:p>
+          <a:p>
+            <a:pPr marL="1143000" lvl="1" indent="-457200">
+              <a:lnSpc>
+                <a:spcPct val="150000"/>
+              </a:lnSpc>
+            </a:pPr>
+            <a:r>
+              <a:rPr lang="he-IL" altLang="en-US" sz="3000" dirty="0"/>
+              <a:t>תוכנה למחשב טכנאי – </a:t>
+            </a:r>
+            <a:r>
+              <a:rPr lang="en-US" altLang="en-US" sz="3000" dirty="0"/>
+              <a:t>MLV</a:t>
+            </a:r>
+            <a:endParaRPr lang="he-IL" altLang="en-US" sz="3000" dirty="0"/>
+          </a:p>
+          <a:p>
+            <a:pPr lvl="1" indent="0">
+              <a:lnSpc>
+                <a:spcPct val="150000"/>
+              </a:lnSpc>
+              <a:buNone/>
+            </a:pPr>
+            <a:r>
+              <a:rPr lang="he-IL" altLang="en-US" sz="3000" dirty="0"/>
+              <a:t>	  תפותח על בסיס תוכנת למחשב טכנאי נובה חד צריחי</a:t>
+            </a:r>
+            <a:endParaRPr lang="en-US" altLang="en-US" sz="3000" dirty="0"/>
+          </a:p>
+          <a:p>
+            <a:pPr marL="1143000" lvl="1" indent="-457200">
+              <a:lnSpc>
+                <a:spcPct val="150000"/>
+              </a:lnSpc>
+            </a:pPr>
+            <a:r>
+              <a:rPr lang="he-IL" altLang="en-US" sz="3000" dirty="0"/>
+              <a:t>טוען קודים  - </a:t>
+            </a:r>
+            <a:r>
+              <a:rPr lang="en-US" altLang="en-US" sz="3000" dirty="0"/>
+              <a:t>JC Loader</a:t>
+            </a:r>
+            <a:endParaRPr lang="he-IL" altLang="en-US" sz="3000" dirty="0"/>
+          </a:p>
+          <a:p>
+            <a:pPr marL="514350" indent="-514350" eaLnBrk="1" hangingPunct="1">
+              <a:lnSpc>
+                <a:spcPct val="150000"/>
+              </a:lnSpc>
+              <a:buFont typeface="+mj-lt"/>
+              <a:buAutoNum type="arabicPeriod"/>
+            </a:pPr>
+            <a:r>
+              <a:rPr lang="he-IL" altLang="en-US" sz="3000" dirty="0"/>
+              <a:t>האפליקציות יפותחו ב </a:t>
+            </a:r>
+            <a:r>
+              <a:rPr lang="en-US" altLang="en-US" sz="3000" dirty="0"/>
+              <a:t>C</a:t>
+            </a:r>
+            <a:r>
+              <a:rPr lang="he-IL" altLang="en-US" sz="3000" dirty="0"/>
+              <a:t>#</a:t>
+            </a:r>
+            <a:r>
+              <a:rPr lang="en-US" altLang="en-US" sz="3000" dirty="0"/>
+              <a:t> </a:t>
+            </a:r>
+          </a:p>
+          <a:p>
+            <a:pPr marL="514350" indent="-514350" eaLnBrk="1" hangingPunct="1">
+              <a:lnSpc>
+                <a:spcPct val="150000"/>
+              </a:lnSpc>
+              <a:buFont typeface="+mj-lt"/>
+              <a:buAutoNum type="arabicPeriod"/>
+            </a:pPr>
+            <a:r>
+              <a:rPr lang="he-IL" altLang="en-US" sz="3000" dirty="0"/>
+              <a:t>בדומה למחשבי טכנאי קודמים, בסיס הנתונים הוא </a:t>
+            </a:r>
+            <a:r>
+              <a:rPr lang="he-IL" altLang="en-US" sz="3000" dirty="0" err="1"/>
+              <a:t>אקסס</a:t>
+            </a:r>
+            <a:r>
+              <a:rPr lang="he-IL" altLang="en-US" sz="3000" dirty="0"/>
+              <a:t> מקומי </a:t>
+            </a:r>
+            <a:endParaRPr lang="en-US" altLang="en-US" sz="3000" dirty="0"/>
+          </a:p>
+          <a:p>
+            <a:pPr>
+              <a:lnSpc>
+                <a:spcPct val="150000"/>
+              </a:lnSpc>
+            </a:pPr>
+            <a:endParaRPr lang="en-US" dirty="0"/>
+          </a:p>
+          <a:p>
+            <a:endParaRPr lang="en-US" dirty="0"/>
+          </a:p>
+        </p:txBody>
+      </p:sp>
+    </p:spTree>
+    <p:extLst>
+      <p:ext uri="{BB962C8B-B14F-4D97-AF65-F5344CB8AC3E}">
+        <p14:creationId xmlns:p14="http://schemas.microsoft.com/office/powerpoint/2010/main" val="3293883881"/>
+      </p:ext>
+    </p:extLst>
+  </p:cSld>
+  <p:clrMapOvr>
+    <a:masterClrMapping/>
+  </p:clrMapOvr>
+</p:sld>
+</file>
+
+<file path=ppt/slides/slide20.xml><?xml version="1.0" encoding="utf-8"?>
+<p:sld xmlns:a="http://schemas.openxmlformats.org/drawingml/2006/main" xmlns:r="http://schemas.openxmlformats.org/officeDocument/2006/relationships" xmlns:p="http://schemas.openxmlformats.org/presentationml/2006/main">
+  <p:cSld>
+    <p:spTree>
+      <p:nvGrpSpPr>
+        <p:cNvPr id="1" name="">
+          <a:extLst>
+            <a:ext uri="{FF2B5EF4-FFF2-40B4-BE49-F238E27FC236}">
+              <a16:creationId xmlns:a16="http://schemas.microsoft.com/office/drawing/2014/main" id="{A5574DBE-362D-C893-2603-98F5BA387752}"/>
+            </a:ext>
+          </a:extLst>
+        </p:cNvPr>
+        <p:cNvGrpSpPr/>
+        <p:nvPr/>
+      </p:nvGrpSpPr>
+      <p:grpSpPr>
+        <a:xfrm>
+          <a:off x="0" y="0"/>
+          <a:ext cx="0" cy="0"/>
+          <a:chOff x="0" y="0"/>
+          <a:chExt cx="0" cy="0"/>
+        </a:xfrm>
+      </p:grpSpPr>
+      <p:sp>
+        <p:nvSpPr>
+          <p:cNvPr id="2" name="כותרת 1">
+            <a:extLst>
+              <a:ext uri="{FF2B5EF4-FFF2-40B4-BE49-F238E27FC236}">
+                <a16:creationId xmlns:a16="http://schemas.microsoft.com/office/drawing/2014/main" id="{89A3358A-596B-76C3-8F9E-40A28D114C0F}"/>
+              </a:ext>
+            </a:extLst>
+          </p:cNvPr>
+          <p:cNvSpPr>
+            <a:spLocks noGrp="1"/>
+          </p:cNvSpPr>
+          <p:nvPr>
+            <p:ph type="title"/>
+          </p:nvPr>
+        </p:nvSpPr>
+        <p:spPr/>
+        <p:txBody>
+          <a:bodyPr/>
+          <a:lstStyle/>
+          <a:p>
+            <a:pPr marL="1143000" lvl="1" indent="-457200" algn="ctr" rtl="1">
+              <a:lnSpc>
+                <a:spcPct val="150000"/>
+              </a:lnSpc>
+            </a:pPr>
+            <a:r>
+              <a:rPr lang="en-US" altLang="en-US" sz="4400" dirty="0">
+                <a:solidFill>
+                  <a:schemeClr val="bg1"/>
+                </a:solidFill>
+              </a:rPr>
+              <a:t>JC Loader</a:t>
+            </a:r>
+          </a:p>
+        </p:txBody>
+      </p:sp>
+      <p:sp>
+        <p:nvSpPr>
+          <p:cNvPr id="3" name="מציין מיקום של כותרת תחתונה 2">
+            <a:extLst>
+              <a:ext uri="{FF2B5EF4-FFF2-40B4-BE49-F238E27FC236}">
+                <a16:creationId xmlns:a16="http://schemas.microsoft.com/office/drawing/2014/main" id="{4364C51E-8BF5-C00E-B2A1-30D39F04D1D7}"/>
+              </a:ext>
+            </a:extLst>
+          </p:cNvPr>
+          <p:cNvSpPr>
+            <a:spLocks noGrp="1"/>
+          </p:cNvSpPr>
+          <p:nvPr>
+            <p:ph type="ftr" sz="quarter" idx="10"/>
+          </p:nvPr>
+        </p:nvSpPr>
+        <p:spPr/>
+        <p:txBody>
+          <a:bodyPr/>
+          <a:lstStyle/>
+          <a:p>
+            <a:r>
+              <a:rPr lang="he-IL"/>
+              <a:t>אוריון פתרונות תוכנה בע"מ</a:t>
+            </a:r>
+            <a:endParaRPr lang="en-US" dirty="0"/>
+          </a:p>
+        </p:txBody>
+      </p:sp>
+      <p:sp>
+        <p:nvSpPr>
+          <p:cNvPr id="4" name="TextBox 3">
+            <a:extLst>
+              <a:ext uri="{FF2B5EF4-FFF2-40B4-BE49-F238E27FC236}">
+                <a16:creationId xmlns:a16="http://schemas.microsoft.com/office/drawing/2014/main" id="{3C4C1E60-0066-9284-71D6-B1C80AA36122}"/>
+              </a:ext>
+            </a:extLst>
+          </p:cNvPr>
+          <p:cNvSpPr txBox="1"/>
+          <p:nvPr/>
+        </p:nvSpPr>
+        <p:spPr>
+          <a:xfrm>
+            <a:off x="2435192" y="1611223"/>
+            <a:ext cx="9547849" cy="2540567"/>
+          </a:xfrm>
+          <a:prstGeom prst="rect">
+            <a:avLst/>
+          </a:prstGeom>
+          <a:noFill/>
+        </p:spPr>
+        <p:txBody>
+          <a:bodyPr wrap="square">
+            <a:spAutoFit/>
+          </a:bodyPr>
+          <a:lstStyle/>
+          <a:p>
+            <a:pPr>
+              <a:lnSpc>
+                <a:spcPct val="150000"/>
+              </a:lnSpc>
+            </a:pPr>
+            <a:r>
+              <a:rPr lang="he-IL" b="1" dirty="0"/>
+              <a:t>נקודות חשובות</a:t>
+            </a:r>
+            <a:endParaRPr lang="he-IL" dirty="0"/>
+          </a:p>
+          <a:p>
+            <a:pPr marL="285750" indent="-285750">
+              <a:lnSpc>
+                <a:spcPct val="150000"/>
+              </a:lnSpc>
+              <a:buFont typeface="Arial" panose="020B0604020202020204" pitchFamily="34" charset="0"/>
+              <a:buChar char="•"/>
+            </a:pPr>
+            <a:r>
+              <a:rPr lang="he-IL" dirty="0"/>
+              <a:t>לפני ביצוע כתיבה, צריבה מחיקה ובחירת  </a:t>
+            </a:r>
+            <a:r>
+              <a:rPr lang="en-US" dirty="0"/>
+              <a:t>JC</a:t>
+            </a:r>
+            <a:r>
+              <a:rPr lang="he-IL" dirty="0"/>
+              <a:t> תופיע הודעת מקדימה שדורשת את אישור המשתמש.</a:t>
+            </a:r>
+          </a:p>
+          <a:p>
+            <a:pPr marL="285750" indent="-285750">
+              <a:lnSpc>
+                <a:spcPct val="150000"/>
+              </a:lnSpc>
+              <a:buFont typeface="Arial" panose="020B0604020202020204" pitchFamily="34" charset="0"/>
+              <a:buChar char="•"/>
+            </a:pPr>
+            <a:r>
+              <a:rPr lang="he-IL" dirty="0"/>
+              <a:t>עבור פעולת כתיבה, צריבה, מחיקה ובחירת  </a:t>
+            </a:r>
+            <a:r>
+              <a:rPr lang="en-US" dirty="0"/>
+              <a:t>JC</a:t>
+            </a:r>
+            <a:r>
+              <a:rPr lang="he-IL" dirty="0"/>
+              <a:t> יוצג חיווי התקדמות.</a:t>
+            </a:r>
+          </a:p>
+          <a:p>
+            <a:pPr marL="285750" indent="-285750">
+              <a:lnSpc>
+                <a:spcPct val="150000"/>
+              </a:lnSpc>
+              <a:buFont typeface="Arial" panose="020B0604020202020204" pitchFamily="34" charset="0"/>
+              <a:buChar char="•"/>
+            </a:pPr>
+            <a:r>
+              <a:rPr lang="he-IL" dirty="0"/>
+              <a:t>בסיום תהליך כתיבה, צריבה, מחיקה ובחירת </a:t>
+            </a:r>
+            <a:r>
+              <a:rPr lang="en-US" dirty="0"/>
+              <a:t> JC</a:t>
+            </a:r>
+            <a:r>
+              <a:rPr lang="he-IL" dirty="0"/>
+              <a:t>תוצג הודעה הצלחה או כשלון.</a:t>
+            </a:r>
+          </a:p>
+          <a:p>
+            <a:pPr marL="285750" indent="-285750">
+              <a:lnSpc>
+                <a:spcPct val="150000"/>
+              </a:lnSpc>
+              <a:buFont typeface="Arial" panose="020B0604020202020204" pitchFamily="34" charset="0"/>
+              <a:buChar char="•"/>
+            </a:pPr>
+            <a:r>
+              <a:rPr lang="he-IL" dirty="0"/>
+              <a:t>בסיום כתיבה, צריבה, מחיקה ובחירת </a:t>
+            </a:r>
+            <a:r>
+              <a:rPr lang="en-US" dirty="0"/>
+              <a:t> JC</a:t>
+            </a:r>
+            <a:r>
+              <a:rPr lang="he-IL" dirty="0"/>
+              <a:t>המערכת מבצע אתחול</a:t>
+            </a:r>
+          </a:p>
+          <a:p>
+            <a:pPr marL="285750" indent="-285750">
+              <a:lnSpc>
+                <a:spcPct val="150000"/>
+              </a:lnSpc>
+              <a:buFont typeface="Arial" panose="020B0604020202020204" pitchFamily="34" charset="0"/>
+              <a:buChar char="•"/>
+            </a:pPr>
+            <a:r>
+              <a:rPr lang="he-IL" dirty="0"/>
+              <a:t>פעולות </a:t>
+            </a:r>
+            <a:r>
+              <a:rPr lang="en-US" dirty="0" err="1"/>
+              <a:t>Zeroise</a:t>
+            </a:r>
+            <a:r>
+              <a:rPr lang="he-IL" dirty="0"/>
+              <a:t> לא מאופשרות עד שתיבת הסימון לא סומנה על ידי המשתמש</a:t>
+            </a:r>
+          </a:p>
+        </p:txBody>
+      </p:sp>
+    </p:spTree>
+    <p:extLst>
+      <p:ext uri="{BB962C8B-B14F-4D97-AF65-F5344CB8AC3E}">
+        <p14:creationId xmlns:p14="http://schemas.microsoft.com/office/powerpoint/2010/main" val="4257775900"/>
+      </p:ext>
+    </p:extLst>
+  </p:cSld>
+  <p:clrMapOvr>
+    <a:masterClrMapping/>
+  </p:clrMapOvr>
+</p:sld>
+</file>
+
+<file path=ppt/slides/slide21.xml><?xml version="1.0" encoding="utf-8"?>
 <p:sld xmlns:a="http://schemas.openxmlformats.org/drawingml/2006/main" xmlns:r="http://schemas.openxmlformats.org/officeDocument/2006/relationships" xmlns:p="http://schemas.openxmlformats.org/presentationml/2006/main">
   <p:cSld>
     <p:spTree>
@@ -15917,7 +17779,7 @@
 </p:sld>
 </file>
 
-<file path=ppt/slides/slide16.xml><?xml version="1.0" encoding="utf-8"?>
+<file path=ppt/slides/slide22.xml><?xml version="1.0" encoding="utf-8"?>
 <p:sld xmlns:a="http://schemas.openxmlformats.org/drawingml/2006/main" xmlns:r="http://schemas.openxmlformats.org/officeDocument/2006/relationships" xmlns:p="http://schemas.openxmlformats.org/presentationml/2006/main">
   <p:cSld>
     <p:spTree>
@@ -16161,7 +18023,7 @@
 </p:sld>
 </file>
 
-<file path=ppt/slides/slide17.xml><?xml version="1.0" encoding="utf-8"?>
+<file path=ppt/slides/slide23.xml><?xml version="1.0" encoding="utf-8"?>
 <p:sld xmlns:a="http://schemas.openxmlformats.org/drawingml/2006/main" xmlns:r="http://schemas.openxmlformats.org/officeDocument/2006/relationships" xmlns:p="http://schemas.openxmlformats.org/presentationml/2006/main">
   <p:cSld>
     <p:spTree>
@@ -16367,420 +18229,6 @@
     <p:extLst>
       <p:ext uri="{BB962C8B-B14F-4D97-AF65-F5344CB8AC3E}">
         <p14:creationId xmlns:p14="http://schemas.microsoft.com/office/powerpoint/2010/main" val="2064315268"/>
-      </p:ext>
-    </p:extLst>
-  </p:cSld>
-  <p:clrMapOvr>
-    <a:masterClrMapping/>
-  </p:clrMapOvr>
-</p:sld>
-</file>
-
-<file path=ppt/slides/slide18.xml><?xml version="1.0" encoding="utf-8"?>
-<p:sld xmlns:a="http://schemas.openxmlformats.org/drawingml/2006/main" xmlns:r="http://schemas.openxmlformats.org/officeDocument/2006/relationships" xmlns:p="http://schemas.openxmlformats.org/presentationml/2006/main">
-  <p:cSld>
-    <p:spTree>
-      <p:nvGrpSpPr>
-        <p:cNvPr id="1" name="">
-          <a:extLst>
-            <a:ext uri="{FF2B5EF4-FFF2-40B4-BE49-F238E27FC236}">
-              <a16:creationId xmlns:a16="http://schemas.microsoft.com/office/drawing/2014/main" id="{2AE392D4-24B8-7315-34F5-B8B76EE0C3DC}"/>
-            </a:ext>
-          </a:extLst>
-        </p:cNvPr>
-        <p:cNvGrpSpPr/>
-        <p:nvPr/>
-      </p:nvGrpSpPr>
-      <p:grpSpPr>
-        <a:xfrm>
-          <a:off x="0" y="0"/>
-          <a:ext cx="0" cy="0"/>
-          <a:chOff x="0" y="0"/>
-          <a:chExt cx="0" cy="0"/>
-        </a:xfrm>
-      </p:grpSpPr>
-      <p:sp>
-        <p:nvSpPr>
-          <p:cNvPr id="2" name="מציין מיקום של כותרת תחתונה 3">
-            <a:extLst>
-              <a:ext uri="{FF2B5EF4-FFF2-40B4-BE49-F238E27FC236}">
-                <a16:creationId xmlns:a16="http://schemas.microsoft.com/office/drawing/2014/main" id="{1E2E9A04-78F9-2E5D-F7F0-F746A279C32C}"/>
-              </a:ext>
-            </a:extLst>
-          </p:cNvPr>
-          <p:cNvSpPr>
-            <a:spLocks noGrp="1"/>
-          </p:cNvSpPr>
-          <p:nvPr>
-            <p:ph type="ftr" sz="quarter" idx="11"/>
-          </p:nvPr>
-        </p:nvSpPr>
-        <p:spPr>
-          <a:xfrm>
-            <a:off x="4038600" y="6356350"/>
-            <a:ext cx="4114800" cy="365125"/>
-          </a:xfrm>
-        </p:spPr>
-        <p:txBody>
-          <a:bodyPr/>
-          <a:lstStyle/>
-          <a:p>
-            <a:r>
-              <a:rPr lang="he-IL"/>
-              <a:t>אוריון פתרונות תוכנה בע"מ</a:t>
-            </a:r>
-            <a:endParaRPr lang="en-US" dirty="0"/>
-          </a:p>
-        </p:txBody>
-      </p:sp>
-      <p:sp>
-        <p:nvSpPr>
-          <p:cNvPr id="3" name="מלבן 2">
-            <a:extLst>
-              <a:ext uri="{FF2B5EF4-FFF2-40B4-BE49-F238E27FC236}">
-                <a16:creationId xmlns:a16="http://schemas.microsoft.com/office/drawing/2014/main" id="{5A5AF7CB-604F-E851-0F17-7AEB731C3946}"/>
-              </a:ext>
-            </a:extLst>
-          </p:cNvPr>
-          <p:cNvSpPr/>
-          <p:nvPr/>
-        </p:nvSpPr>
-        <p:spPr>
-          <a:xfrm>
-            <a:off x="768220" y="1268120"/>
-            <a:ext cx="10655559" cy="4321759"/>
-          </a:xfrm>
-          <a:prstGeom prst="rect">
-            <a:avLst/>
-          </a:prstGeom>
-          <a:noFill/>
-          <a:ln>
-            <a:noFill/>
-          </a:ln>
-        </p:spPr>
-        <p:style>
-          <a:lnRef idx="2">
-            <a:schemeClr val="accent1">
-              <a:shade val="50000"/>
-            </a:schemeClr>
-          </a:lnRef>
-          <a:fillRef idx="1">
-            <a:schemeClr val="accent1"/>
-          </a:fillRef>
-          <a:effectRef idx="0">
-            <a:schemeClr val="accent1"/>
-          </a:effectRef>
-          <a:fontRef idx="minor">
-            <a:schemeClr val="lt1"/>
-          </a:fontRef>
-        </p:style>
-        <p:txBody>
-          <a:bodyPr rtlCol="0" anchor="ctr"/>
-          <a:lstStyle/>
-          <a:p>
-            <a:pPr algn="ctr">
-              <a:lnSpc>
-                <a:spcPct val="150000"/>
-              </a:lnSpc>
-              <a:buClr>
-                <a:srgbClr val="00B0F0"/>
-              </a:buClr>
-              <a:buSzPct val="100000"/>
-              <a:defRPr/>
-            </a:pPr>
-            <a:r>
-              <a:rPr lang="en-US" altLang="en-US" sz="6000" b="1" dirty="0">
-                <a:solidFill>
-                  <a:srgbClr val="4285F4"/>
-                </a:solidFill>
-                <a:latin typeface="Segoe UI" panose="020B0502040204020203" pitchFamily="34" charset="0"/>
-                <a:cs typeface="Segoe UI" panose="020B0502040204020203" pitchFamily="34" charset="0"/>
-              </a:rPr>
-              <a:t>JC Loader</a:t>
-            </a:r>
-            <a:endParaRPr lang="he-IL" altLang="en-US" sz="6000" b="1" dirty="0">
-              <a:solidFill>
-                <a:srgbClr val="4285F4"/>
-              </a:solidFill>
-              <a:latin typeface="Segoe UI" panose="020B0502040204020203" pitchFamily="34" charset="0"/>
-              <a:cs typeface="Segoe UI" panose="020B0502040204020203" pitchFamily="34" charset="0"/>
-            </a:endParaRPr>
-          </a:p>
-        </p:txBody>
-      </p:sp>
-      <p:pic>
-        <p:nvPicPr>
-          <p:cNvPr id="4" name="גרפיקה 3" descr="הוסף">
-            <a:extLst>
-              <a:ext uri="{FF2B5EF4-FFF2-40B4-BE49-F238E27FC236}">
-                <a16:creationId xmlns:a16="http://schemas.microsoft.com/office/drawing/2014/main" id="{BE26EA1B-F531-E07D-934B-345D5F2C8834}"/>
-              </a:ext>
-            </a:extLst>
-          </p:cNvPr>
-          <p:cNvPicPr>
-            <a:picLocks noChangeAspect="1"/>
-          </p:cNvPicPr>
-          <p:nvPr/>
-        </p:nvPicPr>
-        <p:blipFill>
-          <a:blip r:embed="rId2">
-            <a:extLst>
-              <a:ext uri="{96DAC541-7B7A-43D3-8B79-37D633B846F1}">
-                <asvg:svgBlip xmlns:asvg="http://schemas.microsoft.com/office/drawing/2016/SVG/main" r:embed="rId3"/>
-              </a:ext>
-            </a:extLst>
-          </a:blip>
-          <a:stretch>
-            <a:fillRect/>
-          </a:stretch>
-        </p:blipFill>
-        <p:spPr>
-          <a:xfrm>
-            <a:off x="5638799" y="2164414"/>
-            <a:ext cx="914400" cy="914400"/>
-          </a:xfrm>
-          <a:prstGeom prst="rect">
-            <a:avLst/>
-          </a:prstGeom>
-        </p:spPr>
-      </p:pic>
-    </p:spTree>
-    <p:extLst>
-      <p:ext uri="{BB962C8B-B14F-4D97-AF65-F5344CB8AC3E}">
-        <p14:creationId xmlns:p14="http://schemas.microsoft.com/office/powerpoint/2010/main" val="2846981468"/>
-      </p:ext>
-    </p:extLst>
-  </p:cSld>
-  <p:clrMapOvr>
-    <a:masterClrMapping/>
-  </p:clrMapOvr>
-</p:sld>
-</file>
-
-<file path=ppt/slides/slide2.xml><?xml version="1.0" encoding="utf-8"?>
-<p:sld xmlns:a="http://schemas.openxmlformats.org/drawingml/2006/main" xmlns:r="http://schemas.openxmlformats.org/officeDocument/2006/relationships" xmlns:p="http://schemas.openxmlformats.org/presentationml/2006/main">
-  <p:cSld>
-    <p:spTree>
-      <p:nvGrpSpPr>
-        <p:cNvPr id="1" name=""/>
-        <p:cNvGrpSpPr/>
-        <p:nvPr/>
-      </p:nvGrpSpPr>
-      <p:grpSpPr>
-        <a:xfrm>
-          <a:off x="0" y="0"/>
-          <a:ext cx="0" cy="0"/>
-          <a:chOff x="0" y="0"/>
-          <a:chExt cx="0" cy="0"/>
-        </a:xfrm>
-      </p:grpSpPr>
-      <p:sp>
-        <p:nvSpPr>
-          <p:cNvPr id="2" name="כותרת 1">
-            <a:extLst>
-              <a:ext uri="{FF2B5EF4-FFF2-40B4-BE49-F238E27FC236}">
-                <a16:creationId xmlns:a16="http://schemas.microsoft.com/office/drawing/2014/main" id="{8D0A6F1B-58D6-4309-ABED-C3B8E4D6E6CC}"/>
-              </a:ext>
-            </a:extLst>
-          </p:cNvPr>
-          <p:cNvSpPr>
-            <a:spLocks noGrp="1"/>
-          </p:cNvSpPr>
-          <p:nvPr>
-            <p:ph type="title"/>
-          </p:nvPr>
-        </p:nvSpPr>
-        <p:spPr/>
-        <p:txBody>
-          <a:bodyPr/>
-          <a:lstStyle/>
-          <a:p>
-            <a:r>
-              <a:rPr lang="he-IL" dirty="0"/>
-              <a:t>כללי</a:t>
-            </a:r>
-            <a:endParaRPr lang="en-US" dirty="0"/>
-          </a:p>
-        </p:txBody>
-      </p:sp>
-      <p:sp>
-        <p:nvSpPr>
-          <p:cNvPr id="3" name="מציין מיקום של כותרת תחתונה 2">
-            <a:extLst>
-              <a:ext uri="{FF2B5EF4-FFF2-40B4-BE49-F238E27FC236}">
-                <a16:creationId xmlns:a16="http://schemas.microsoft.com/office/drawing/2014/main" id="{062D0396-7EBF-4C9C-852E-FC35898CF15F}"/>
-              </a:ext>
-            </a:extLst>
-          </p:cNvPr>
-          <p:cNvSpPr>
-            <a:spLocks noGrp="1"/>
-          </p:cNvSpPr>
-          <p:nvPr>
-            <p:ph type="ftr" sz="quarter" idx="10"/>
-          </p:nvPr>
-        </p:nvSpPr>
-        <p:spPr/>
-        <p:txBody>
-          <a:bodyPr/>
-          <a:lstStyle/>
-          <a:p>
-            <a:r>
-              <a:rPr lang="he-IL"/>
-              <a:t>אוריון פתרונות תוכנה בע"מ</a:t>
-            </a:r>
-            <a:endParaRPr lang="en-US" dirty="0"/>
-          </a:p>
-        </p:txBody>
-      </p:sp>
-      <p:sp>
-        <p:nvSpPr>
-          <p:cNvPr id="4" name="מציין מיקום טקסט 3">
-            <a:extLst>
-              <a:ext uri="{FF2B5EF4-FFF2-40B4-BE49-F238E27FC236}">
-                <a16:creationId xmlns:a16="http://schemas.microsoft.com/office/drawing/2014/main" id="{80FAD636-F3BB-4F18-A87E-19B13A1139EE}"/>
-              </a:ext>
-            </a:extLst>
-          </p:cNvPr>
-          <p:cNvSpPr>
-            <a:spLocks noGrp="1"/>
-          </p:cNvSpPr>
-          <p:nvPr>
-            <p:ph type="body" sz="quarter" idx="11"/>
-          </p:nvPr>
-        </p:nvSpPr>
-        <p:spPr>
-          <a:xfrm>
-            <a:off x="1142315" y="1399688"/>
-            <a:ext cx="10744200" cy="4429514"/>
-          </a:xfrm>
-        </p:spPr>
-        <p:txBody>
-          <a:bodyPr>
-            <a:normAutofit fontScale="92500"/>
-          </a:bodyPr>
-          <a:lstStyle/>
-          <a:p>
-            <a:pPr marL="514350" indent="-514350" eaLnBrk="1" hangingPunct="1">
-              <a:lnSpc>
-                <a:spcPct val="150000"/>
-              </a:lnSpc>
-              <a:buFont typeface="+mj-lt"/>
-              <a:buAutoNum type="arabicPeriod"/>
-            </a:pPr>
-            <a:r>
-              <a:rPr lang="he-IL" altLang="en-US" sz="3000" dirty="0"/>
-              <a:t>נדרש לפתח שתי אפליקציות:</a:t>
-            </a:r>
-          </a:p>
-          <a:p>
-            <a:pPr marL="1143000" lvl="1" indent="-457200">
-              <a:lnSpc>
-                <a:spcPct val="150000"/>
-              </a:lnSpc>
-            </a:pPr>
-            <a:r>
-              <a:rPr lang="he-IL" altLang="en-US" sz="3000" dirty="0"/>
-              <a:t>תוכנה למחשב טכנאי – </a:t>
-            </a:r>
-            <a:r>
-              <a:rPr lang="en-US" altLang="en-US" sz="3000" dirty="0"/>
-              <a:t>MLV</a:t>
-            </a:r>
-            <a:endParaRPr lang="he-IL" altLang="en-US" sz="3000" dirty="0"/>
-          </a:p>
-          <a:p>
-            <a:pPr lvl="1" indent="0">
-              <a:lnSpc>
-                <a:spcPct val="150000"/>
-              </a:lnSpc>
-              <a:buNone/>
-            </a:pPr>
-            <a:r>
-              <a:rPr lang="he-IL" altLang="en-US" sz="3000" dirty="0"/>
-              <a:t>	  תפותח על בסיס תוכנת למחשב טכנאי נובה חד צריחי</a:t>
-            </a:r>
-            <a:endParaRPr lang="en-US" altLang="en-US" sz="3000" dirty="0"/>
-          </a:p>
-          <a:p>
-            <a:pPr marL="1143000" lvl="1" indent="-457200">
-              <a:lnSpc>
-                <a:spcPct val="150000"/>
-              </a:lnSpc>
-            </a:pPr>
-            <a:r>
-              <a:rPr lang="he-IL" altLang="en-US" sz="3000" dirty="0"/>
-              <a:t>טוען קודים  - </a:t>
-            </a:r>
-            <a:r>
-              <a:rPr lang="en-US" altLang="en-US" sz="3000" dirty="0"/>
-              <a:t>JC Loader</a:t>
-            </a:r>
-            <a:endParaRPr lang="he-IL" altLang="en-US" sz="3000" dirty="0"/>
-          </a:p>
-          <a:p>
-            <a:pPr marL="514350" indent="-514350" eaLnBrk="1" hangingPunct="1">
-              <a:lnSpc>
-                <a:spcPct val="150000"/>
-              </a:lnSpc>
-              <a:buFont typeface="+mj-lt"/>
-              <a:buAutoNum type="arabicPeriod"/>
-            </a:pPr>
-            <a:r>
-              <a:rPr lang="he-IL" altLang="en-US" sz="3000" dirty="0"/>
-              <a:t>האפליקציות יפותחו ב </a:t>
-            </a:r>
-            <a:r>
-              <a:rPr lang="en-US" altLang="en-US" sz="3000" dirty="0"/>
-              <a:t>C</a:t>
-            </a:r>
-            <a:r>
-              <a:rPr lang="he-IL" altLang="en-US" sz="3000" dirty="0"/>
-              <a:t>#</a:t>
-            </a:r>
-            <a:r>
-              <a:rPr lang="en-US" altLang="en-US" sz="3000" dirty="0"/>
-              <a:t> </a:t>
-            </a:r>
-          </a:p>
-          <a:p>
-            <a:pPr marL="514350" indent="-514350" eaLnBrk="1" hangingPunct="1">
-              <a:lnSpc>
-                <a:spcPct val="150000"/>
-              </a:lnSpc>
-              <a:buFont typeface="+mj-lt"/>
-              <a:buAutoNum type="arabicPeriod"/>
-            </a:pPr>
-            <a:r>
-              <a:rPr lang="he-IL" altLang="en-US" sz="3000" dirty="0"/>
-              <a:t>בדומה למחשבי טכנאי קודמים, בסיס הנתונים הוא </a:t>
-            </a:r>
-            <a:r>
-              <a:rPr lang="he-IL" altLang="en-US" sz="3000" dirty="0" err="1"/>
-              <a:t>אקסס</a:t>
-            </a:r>
-            <a:r>
-              <a:rPr lang="he-IL" altLang="en-US" sz="3000" dirty="0"/>
-              <a:t> מקומי </a:t>
-            </a:r>
-            <a:endParaRPr lang="en-US" altLang="en-US" sz="3000" dirty="0"/>
-          </a:p>
-          <a:p>
-            <a:pPr>
-              <a:lnSpc>
-                <a:spcPct val="150000"/>
-              </a:lnSpc>
-            </a:pPr>
-            <a:endParaRPr lang="en-US" dirty="0"/>
-          </a:p>
-          <a:p>
-            <a:endParaRPr lang="en-US" dirty="0"/>
-          </a:p>
-        </p:txBody>
-      </p:sp>
-    </p:spTree>
-    <p:extLst>
-      <p:ext uri="{BB962C8B-B14F-4D97-AF65-F5344CB8AC3E}">
-        <p14:creationId xmlns:p14="http://schemas.microsoft.com/office/powerpoint/2010/main" val="3293883881"/>
       </p:ext>
     </p:extLst>
   </p:cSld>
@@ -17285,6 +18733,17 @@
                 </a:solidFill>
               </a:rPr>
               <a:t>MLV</a:t>
+            </a:r>
+          </a:p>
+          <a:p>
+            <a:pPr algn="ctr" rtl="0" eaLnBrk="1" hangingPunct="1"/>
+            <a:r>
+              <a:rPr lang="en-US" altLang="en-US" sz="1800" b="0" dirty="0">
+                <a:solidFill>
+                  <a:schemeClr val="bg1"/>
+                </a:solidFill>
+              </a:rPr>
+              <a:t>Application</a:t>
             </a:r>
           </a:p>
           <a:p>
@@ -18333,6 +19792,17 @@
             </a:r>
           </a:p>
           <a:p>
+            <a:pPr algn="ctr" rtl="0" eaLnBrk="1" hangingPunct="1"/>
+            <a:r>
+              <a:rPr lang="en-US" altLang="en-US" sz="1800" b="0" dirty="0">
+                <a:solidFill>
+                  <a:schemeClr val="bg1"/>
+                </a:solidFill>
+              </a:rPr>
+              <a:t>Application</a:t>
+            </a:r>
+          </a:p>
+          <a:p>
             <a:pPr eaLnBrk="1" hangingPunct="1"/>
             <a:endParaRPr lang="en-US" altLang="en-US" sz="1800" b="0" dirty="0">
               <a:solidFill>
@@ -18815,8 +20285,8 @@
         </p:nvSpPr>
         <p:spPr bwMode="auto">
           <a:xfrm>
-            <a:off x="3504432" y="4977481"/>
-            <a:ext cx="1167243" cy="307777"/>
+            <a:off x="3473254" y="4696324"/>
+            <a:ext cx="1329751" cy="523220"/>
           </a:xfrm>
           <a:prstGeom prst="rect">
             <a:avLst/>
@@ -18856,7 +20326,7 @@
           </a:extLst>
         </p:spPr>
         <p:txBody>
-          <a:bodyPr wrap="none">
+          <a:bodyPr wrap="square">
             <a:spAutoFit/>
           </a:bodyPr>
           <a:lstStyle>
@@ -18967,14 +20437,14 @@
             </a:lvl9pPr>
           </a:lstStyle>
           <a:p>
-            <a:pPr algn="ctr" eaLnBrk="1" hangingPunct="1"/>
+            <a:pPr algn="l" eaLnBrk="1" hangingPunct="1"/>
             <a:r>
               <a:rPr lang="en-US" altLang="en-US" sz="1400" b="0" dirty="0">
                 <a:solidFill>
                   <a:schemeClr val="tx1"/>
                 </a:solidFill>
               </a:rPr>
-              <a:t>TCP - </a:t>
+              <a:t>TCP – </a:t>
             </a:r>
             <a:r>
               <a:rPr lang="en-US" altLang="en-US" sz="1400" b="0" dirty="0" err="1">
@@ -18989,6 +20459,17 @@
                 <a:schemeClr val="tx1"/>
               </a:solidFill>
             </a:endParaRPr>
+          </a:p>
+          <a:p>
+            <a:pPr algn="l" rtl="0" eaLnBrk="1" hangingPunct="1"/>
+            <a:r>
+              <a:rPr lang="en-US" altLang="en-US" sz="1400" b="0" dirty="0">
+                <a:solidFill>
+                  <a:schemeClr val="tx1"/>
+                </a:solidFill>
+              </a:rPr>
+              <a:t>FTP </a:t>
+            </a:r>
           </a:p>
         </p:txBody>
       </p:sp>
@@ -19340,6 +20821,523 @@
         <p:cNvPr id="1" name="">
           <a:extLst>
             <a:ext uri="{FF2B5EF4-FFF2-40B4-BE49-F238E27FC236}">
+              <a16:creationId xmlns:a16="http://schemas.microsoft.com/office/drawing/2014/main" id="{BFB4A136-F4A9-1E45-9AD1-22F8D42D066C}"/>
+            </a:ext>
+          </a:extLst>
+        </p:cNvPr>
+        <p:cNvGrpSpPr/>
+        <p:nvPr/>
+      </p:nvGrpSpPr>
+      <p:grpSpPr>
+        <a:xfrm>
+          <a:off x="0" y="0"/>
+          <a:ext cx="0" cy="0"/>
+          <a:chOff x="0" y="0"/>
+          <a:chExt cx="0" cy="0"/>
+        </a:xfrm>
+      </p:grpSpPr>
+      <p:sp>
+        <p:nvSpPr>
+          <p:cNvPr id="2" name="כותרת 1">
+            <a:extLst>
+              <a:ext uri="{FF2B5EF4-FFF2-40B4-BE49-F238E27FC236}">
+                <a16:creationId xmlns:a16="http://schemas.microsoft.com/office/drawing/2014/main" id="{245FA5A0-53D0-87FE-145E-2B3FC716FA6C}"/>
+              </a:ext>
+            </a:extLst>
+          </p:cNvPr>
+          <p:cNvSpPr>
+            <a:spLocks noGrp="1"/>
+          </p:cNvSpPr>
+          <p:nvPr>
+            <p:ph type="title"/>
+          </p:nvPr>
+        </p:nvSpPr>
+        <p:spPr/>
+        <p:txBody>
+          <a:bodyPr/>
+          <a:lstStyle/>
+          <a:p>
+            <a:r>
+              <a:rPr lang="en-US" dirty="0"/>
+              <a:t>Main Form</a:t>
+            </a:r>
+          </a:p>
+        </p:txBody>
+      </p:sp>
+      <p:sp>
+        <p:nvSpPr>
+          <p:cNvPr id="3" name="מציין מיקום של כותרת תחתונה 2">
+            <a:extLst>
+              <a:ext uri="{FF2B5EF4-FFF2-40B4-BE49-F238E27FC236}">
+                <a16:creationId xmlns:a16="http://schemas.microsoft.com/office/drawing/2014/main" id="{E77443B9-EA41-E679-7276-3E92024B104B}"/>
+              </a:ext>
+            </a:extLst>
+          </p:cNvPr>
+          <p:cNvSpPr>
+            <a:spLocks noGrp="1"/>
+          </p:cNvSpPr>
+          <p:nvPr>
+            <p:ph type="ftr" sz="quarter" idx="10"/>
+          </p:nvPr>
+        </p:nvSpPr>
+        <p:spPr/>
+        <p:txBody>
+          <a:bodyPr/>
+          <a:lstStyle/>
+          <a:p>
+            <a:r>
+              <a:rPr lang="he-IL" dirty="0"/>
+              <a:t>אוריון פתרונות תוכנה בע"מ</a:t>
+            </a:r>
+            <a:endParaRPr lang="en-US" dirty="0"/>
+          </a:p>
+        </p:txBody>
+      </p:sp>
+      <p:sp>
+        <p:nvSpPr>
+          <p:cNvPr id="4" name="מציין מיקום טקסט 3">
+            <a:extLst>
+              <a:ext uri="{FF2B5EF4-FFF2-40B4-BE49-F238E27FC236}">
+                <a16:creationId xmlns:a16="http://schemas.microsoft.com/office/drawing/2014/main" id="{10FBBB3C-E867-8873-246F-183248ECA569}"/>
+              </a:ext>
+            </a:extLst>
+          </p:cNvPr>
+          <p:cNvSpPr>
+            <a:spLocks noGrp="1"/>
+          </p:cNvSpPr>
+          <p:nvPr>
+            <p:ph type="body" sz="quarter" idx="11"/>
+          </p:nvPr>
+        </p:nvSpPr>
+        <p:spPr>
+          <a:xfrm>
+            <a:off x="933450" y="1944673"/>
+            <a:ext cx="4845181" cy="2014957"/>
+          </a:xfrm>
+        </p:spPr>
+        <p:txBody>
+          <a:bodyPr/>
+          <a:lstStyle/>
+          <a:p>
+            <a:pPr>
+              <a:lnSpc>
+                <a:spcPct val="150000"/>
+              </a:lnSpc>
+            </a:pPr>
+            <a:endParaRPr lang="en-US" dirty="0"/>
+          </a:p>
+          <a:p>
+            <a:endParaRPr lang="en-US" dirty="0"/>
+          </a:p>
+        </p:txBody>
+      </p:sp>
+      <p:pic>
+        <p:nvPicPr>
+          <p:cNvPr id="7" name="Picture 6">
+            <a:extLst>
+              <a:ext uri="{FF2B5EF4-FFF2-40B4-BE49-F238E27FC236}">
+                <a16:creationId xmlns:a16="http://schemas.microsoft.com/office/drawing/2014/main" id="{66D2D357-EB61-E21C-8436-E859A9FB36B7}"/>
+              </a:ext>
+            </a:extLst>
+          </p:cNvPr>
+          <p:cNvPicPr>
+            <a:picLocks noChangeAspect="1"/>
+          </p:cNvPicPr>
+          <p:nvPr/>
+        </p:nvPicPr>
+        <p:blipFill>
+          <a:blip r:embed="rId2"/>
+          <a:stretch>
+            <a:fillRect/>
+          </a:stretch>
+        </p:blipFill>
+        <p:spPr>
+          <a:xfrm>
+            <a:off x="319555" y="1531068"/>
+            <a:ext cx="7533437" cy="4258277"/>
+          </a:xfrm>
+          <a:prstGeom prst="rect">
+            <a:avLst/>
+          </a:prstGeom>
+        </p:spPr>
+      </p:pic>
+      <p:sp>
+        <p:nvSpPr>
+          <p:cNvPr id="11" name="TextBox 10">
+            <a:extLst>
+              <a:ext uri="{FF2B5EF4-FFF2-40B4-BE49-F238E27FC236}">
+                <a16:creationId xmlns:a16="http://schemas.microsoft.com/office/drawing/2014/main" id="{FA613253-C362-9DDB-EFF2-697C8C7FCEB1}"/>
+              </a:ext>
+            </a:extLst>
+          </p:cNvPr>
+          <p:cNvSpPr txBox="1"/>
+          <p:nvPr/>
+        </p:nvSpPr>
+        <p:spPr>
+          <a:xfrm>
+            <a:off x="1425609" y="2411788"/>
+            <a:ext cx="4353022" cy="2125069"/>
+          </a:xfrm>
+          <a:prstGeom prst="rect">
+            <a:avLst/>
+          </a:prstGeom>
+          <a:noFill/>
+        </p:spPr>
+        <p:txBody>
+          <a:bodyPr wrap="square">
+            <a:spAutoFit/>
+          </a:bodyPr>
+          <a:lstStyle/>
+          <a:p>
+            <a:pPr algn="r" defTabSz="179388">
+              <a:lnSpc>
+                <a:spcPct val="150000"/>
+              </a:lnSpc>
+              <a:tabLst>
+                <a:tab pos="539750" algn="l"/>
+              </a:tabLst>
+            </a:pPr>
+            <a:r>
+              <a:rPr lang="he-IL" dirty="0"/>
+              <a:t>הטופס הראשי מורכב מ 4 לשוניות:</a:t>
+            </a:r>
+            <a:endParaRPr lang="en-US" dirty="0"/>
+          </a:p>
+          <a:p>
+            <a:pPr marL="342900" indent="-342900" algn="l" defTabSz="179388" rtl="0">
+              <a:lnSpc>
+                <a:spcPct val="150000"/>
+              </a:lnSpc>
+              <a:buFont typeface="+mj-lt"/>
+              <a:buAutoNum type="arabicPeriod"/>
+              <a:tabLst>
+                <a:tab pos="539750" algn="l"/>
+              </a:tabLst>
+            </a:pPr>
+            <a:r>
+              <a:rPr lang="en-US" dirty="0"/>
+              <a:t>System Status Tab</a:t>
+            </a:r>
+            <a:endParaRPr lang="he-IL" dirty="0"/>
+          </a:p>
+          <a:p>
+            <a:pPr marL="342900" indent="-342900" algn="l" rtl="0">
+              <a:lnSpc>
+                <a:spcPct val="150000"/>
+              </a:lnSpc>
+              <a:buFont typeface="+mj-lt"/>
+              <a:buAutoNum type="arabicPeriod"/>
+            </a:pPr>
+            <a:r>
+              <a:rPr lang="en-US" dirty="0"/>
+              <a:t>Logs Viewer</a:t>
+            </a:r>
+            <a:endParaRPr lang="he-IL" dirty="0"/>
+          </a:p>
+          <a:p>
+            <a:pPr marL="342900" indent="-342900" algn="l" rtl="0">
+              <a:lnSpc>
+                <a:spcPct val="150000"/>
+              </a:lnSpc>
+              <a:buFont typeface="+mj-lt"/>
+              <a:buAutoNum type="arabicPeriod"/>
+            </a:pPr>
+            <a:r>
+              <a:rPr lang="en-US" dirty="0"/>
+              <a:t>Versions</a:t>
+            </a:r>
+          </a:p>
+          <a:p>
+            <a:pPr marL="342900" indent="-342900" algn="l" rtl="0">
+              <a:lnSpc>
+                <a:spcPct val="150000"/>
+              </a:lnSpc>
+              <a:buFont typeface="+mj-lt"/>
+              <a:buAutoNum type="arabicPeriod"/>
+            </a:pPr>
+            <a:r>
+              <a:rPr lang="en-US" dirty="0"/>
+              <a:t>JC Handling</a:t>
+            </a:r>
+            <a:endParaRPr lang="he-IL" dirty="0"/>
+          </a:p>
+        </p:txBody>
+      </p:sp>
+      <p:cxnSp>
+        <p:nvCxnSpPr>
+          <p:cNvPr id="17" name="Straight Arrow Connector 16">
+            <a:extLst>
+              <a:ext uri="{FF2B5EF4-FFF2-40B4-BE49-F238E27FC236}">
+                <a16:creationId xmlns:a16="http://schemas.microsoft.com/office/drawing/2014/main" id="{3E04AB6D-BC6B-FEA5-9236-352713DBD612}"/>
+              </a:ext>
+            </a:extLst>
+          </p:cNvPr>
+          <p:cNvCxnSpPr>
+            <a:cxnSpLocks/>
+          </p:cNvCxnSpPr>
+          <p:nvPr/>
+        </p:nvCxnSpPr>
+        <p:spPr>
+          <a:xfrm flipH="1">
+            <a:off x="7447579" y="5426197"/>
+            <a:ext cx="937841" cy="0"/>
+          </a:xfrm>
+          <a:prstGeom prst="straightConnector1">
+            <a:avLst/>
+          </a:prstGeom>
+          <a:ln>
+            <a:tailEnd type="triangle"/>
+          </a:ln>
+        </p:spPr>
+        <p:style>
+          <a:lnRef idx="1">
+            <a:schemeClr val="accent1"/>
+          </a:lnRef>
+          <a:fillRef idx="0">
+            <a:schemeClr val="accent1"/>
+          </a:fillRef>
+          <a:effectRef idx="0">
+            <a:schemeClr val="accent1"/>
+          </a:effectRef>
+          <a:fontRef idx="minor">
+            <a:schemeClr val="tx1"/>
+          </a:fontRef>
+        </p:style>
+      </p:cxnSp>
+      <p:sp>
+        <p:nvSpPr>
+          <p:cNvPr id="18" name="TextBox 17">
+            <a:extLst>
+              <a:ext uri="{FF2B5EF4-FFF2-40B4-BE49-F238E27FC236}">
+                <a16:creationId xmlns:a16="http://schemas.microsoft.com/office/drawing/2014/main" id="{378FF165-B370-6100-7D2F-C8546285EA70}"/>
+              </a:ext>
+            </a:extLst>
+          </p:cNvPr>
+          <p:cNvSpPr txBox="1"/>
+          <p:nvPr/>
+        </p:nvSpPr>
+        <p:spPr>
+          <a:xfrm>
+            <a:off x="8728787" y="5241531"/>
+            <a:ext cx="3143658" cy="369332"/>
+          </a:xfrm>
+          <a:prstGeom prst="rect">
+            <a:avLst/>
+          </a:prstGeom>
+          <a:noFill/>
+        </p:spPr>
+        <p:txBody>
+          <a:bodyPr wrap="square" rtlCol="1">
+            <a:spAutoFit/>
+          </a:bodyPr>
+          <a:lstStyle/>
+          <a:p>
+            <a:r>
+              <a:rPr lang="he-IL" dirty="0"/>
+              <a:t>סטטוס תקשורת מול ה </a:t>
+            </a:r>
+            <a:r>
+              <a:rPr lang="en-US" dirty="0"/>
+              <a:t>manage</a:t>
+            </a:r>
+            <a:endParaRPr lang="he-IL" dirty="0"/>
+          </a:p>
+        </p:txBody>
+      </p:sp>
+      <p:cxnSp>
+        <p:nvCxnSpPr>
+          <p:cNvPr id="20" name="Straight Arrow Connector 19">
+            <a:extLst>
+              <a:ext uri="{FF2B5EF4-FFF2-40B4-BE49-F238E27FC236}">
+                <a16:creationId xmlns:a16="http://schemas.microsoft.com/office/drawing/2014/main" id="{DD9398EF-B80A-09C4-5746-D99B2DB381C7}"/>
+              </a:ext>
+            </a:extLst>
+          </p:cNvPr>
+          <p:cNvCxnSpPr>
+            <a:cxnSpLocks/>
+          </p:cNvCxnSpPr>
+          <p:nvPr/>
+        </p:nvCxnSpPr>
+        <p:spPr>
+          <a:xfrm flipH="1">
+            <a:off x="7412598" y="2170878"/>
+            <a:ext cx="1007804" cy="0"/>
+          </a:xfrm>
+          <a:prstGeom prst="straightConnector1">
+            <a:avLst/>
+          </a:prstGeom>
+          <a:ln>
+            <a:tailEnd type="triangle"/>
+          </a:ln>
+        </p:spPr>
+        <p:style>
+          <a:lnRef idx="1">
+            <a:schemeClr val="accent1"/>
+          </a:lnRef>
+          <a:fillRef idx="0">
+            <a:schemeClr val="accent1"/>
+          </a:fillRef>
+          <a:effectRef idx="0">
+            <a:schemeClr val="accent1"/>
+          </a:effectRef>
+          <a:fontRef idx="minor">
+            <a:schemeClr val="tx1"/>
+          </a:fontRef>
+        </p:style>
+      </p:cxnSp>
+      <p:sp>
+        <p:nvSpPr>
+          <p:cNvPr id="21" name="TextBox 20">
+            <a:extLst>
+              <a:ext uri="{FF2B5EF4-FFF2-40B4-BE49-F238E27FC236}">
+                <a16:creationId xmlns:a16="http://schemas.microsoft.com/office/drawing/2014/main" id="{612FAE06-0941-94BF-D524-4E5197EF9499}"/>
+              </a:ext>
+            </a:extLst>
+          </p:cNvPr>
+          <p:cNvSpPr txBox="1"/>
+          <p:nvPr/>
+        </p:nvSpPr>
+        <p:spPr>
+          <a:xfrm>
+            <a:off x="10490160" y="1944673"/>
+            <a:ext cx="1338606" cy="369332"/>
+          </a:xfrm>
+          <a:prstGeom prst="rect">
+            <a:avLst/>
+          </a:prstGeom>
+          <a:noFill/>
+        </p:spPr>
+        <p:txBody>
+          <a:bodyPr wrap="square" rtlCol="1">
+            <a:spAutoFit/>
+          </a:bodyPr>
+          <a:lstStyle/>
+          <a:p>
+            <a:r>
+              <a:rPr lang="he-IL" dirty="0"/>
+              <a:t>מוד מערכת</a:t>
+            </a:r>
+          </a:p>
+        </p:txBody>
+      </p:sp>
+      <p:cxnSp>
+        <p:nvCxnSpPr>
+          <p:cNvPr id="23" name="Straight Arrow Connector 22">
+            <a:extLst>
+              <a:ext uri="{FF2B5EF4-FFF2-40B4-BE49-F238E27FC236}">
+                <a16:creationId xmlns:a16="http://schemas.microsoft.com/office/drawing/2014/main" id="{EEFA082E-DBCB-7957-29E1-25189982E6B2}"/>
+              </a:ext>
+            </a:extLst>
+          </p:cNvPr>
+          <p:cNvCxnSpPr>
+            <a:cxnSpLocks/>
+          </p:cNvCxnSpPr>
+          <p:nvPr/>
+        </p:nvCxnSpPr>
+        <p:spPr>
+          <a:xfrm flipH="1">
+            <a:off x="7412598" y="2950702"/>
+            <a:ext cx="1007804" cy="0"/>
+          </a:xfrm>
+          <a:prstGeom prst="straightConnector1">
+            <a:avLst/>
+          </a:prstGeom>
+          <a:ln>
+            <a:tailEnd type="triangle"/>
+          </a:ln>
+        </p:spPr>
+        <p:style>
+          <a:lnRef idx="1">
+            <a:schemeClr val="accent1"/>
+          </a:lnRef>
+          <a:fillRef idx="0">
+            <a:schemeClr val="accent1"/>
+          </a:fillRef>
+          <a:effectRef idx="0">
+            <a:schemeClr val="accent1"/>
+          </a:effectRef>
+          <a:fontRef idx="minor">
+            <a:schemeClr val="tx1"/>
+          </a:fontRef>
+        </p:style>
+      </p:cxnSp>
+      <p:sp>
+        <p:nvSpPr>
+          <p:cNvPr id="24" name="TextBox 23">
+            <a:extLst>
+              <a:ext uri="{FF2B5EF4-FFF2-40B4-BE49-F238E27FC236}">
+                <a16:creationId xmlns:a16="http://schemas.microsoft.com/office/drawing/2014/main" id="{22F505D8-E3FD-61E1-B4E5-1FD85FF6C97D}"/>
+              </a:ext>
+            </a:extLst>
+          </p:cNvPr>
+          <p:cNvSpPr txBox="1"/>
+          <p:nvPr/>
+        </p:nvSpPr>
+        <p:spPr>
+          <a:xfrm>
+            <a:off x="8345151" y="2426885"/>
+            <a:ext cx="3485880" cy="1287532"/>
+          </a:xfrm>
+          <a:prstGeom prst="rect">
+            <a:avLst/>
+          </a:prstGeom>
+          <a:noFill/>
+        </p:spPr>
+        <p:txBody>
+          <a:bodyPr wrap="square" rtlCol="1">
+            <a:spAutoFit/>
+          </a:bodyPr>
+          <a:lstStyle/>
+          <a:p>
+            <a:pPr>
+              <a:lnSpc>
+                <a:spcPct val="150000"/>
+              </a:lnSpc>
+            </a:pPr>
+            <a:r>
+              <a:rPr lang="he-IL" dirty="0"/>
+              <a:t>סטטוס </a:t>
+            </a:r>
+            <a:r>
+              <a:rPr lang="en-US" dirty="0"/>
+              <a:t>BIT</a:t>
+            </a:r>
+            <a:r>
+              <a:rPr lang="he-IL" dirty="0"/>
+              <a:t>  עבור ה </a:t>
+            </a:r>
+            <a:r>
+              <a:rPr lang="en-US" dirty="0"/>
+              <a:t> Unit</a:t>
+            </a:r>
+            <a:r>
+              <a:rPr lang="he-IL" dirty="0"/>
+              <a:t>ים השונים הרשימה נבנית באופן דינאמי מתוכן ההודעה שמתקבל מהמערכת</a:t>
+            </a:r>
+          </a:p>
+        </p:txBody>
+      </p:sp>
+    </p:spTree>
+    <p:extLst>
+      <p:ext uri="{BB962C8B-B14F-4D97-AF65-F5344CB8AC3E}">
+        <p14:creationId xmlns:p14="http://schemas.microsoft.com/office/powerpoint/2010/main" val="810436668"/>
+      </p:ext>
+    </p:extLst>
+  </p:cSld>
+  <p:clrMapOvr>
+    <a:masterClrMapping/>
+  </p:clrMapOvr>
+</p:sld>
+</file>
+
+<file path=ppt/slides/slide7.xml><?xml version="1.0" encoding="utf-8"?>
+<p:sld xmlns:a="http://schemas.openxmlformats.org/drawingml/2006/main" xmlns:r="http://schemas.openxmlformats.org/officeDocument/2006/relationships" xmlns:p="http://schemas.openxmlformats.org/presentationml/2006/main">
+  <p:cSld>
+    <p:spTree>
+      <p:nvGrpSpPr>
+        <p:cNvPr id="1" name="">
+          <a:extLst>
+            <a:ext uri="{FF2B5EF4-FFF2-40B4-BE49-F238E27FC236}">
               <a16:creationId xmlns:a16="http://schemas.microsoft.com/office/drawing/2014/main" id="{391B95AA-1369-5D09-A981-C112712D1925}"/>
             </a:ext>
           </a:extLst>
@@ -19472,8 +21470,8 @@
         </p:blipFill>
         <p:spPr>
           <a:xfrm>
-            <a:off x="1776396" y="1444928"/>
-            <a:ext cx="8286781" cy="4684105"/>
+            <a:off x="997002" y="1390261"/>
+            <a:ext cx="7533437" cy="4258277"/>
           </a:xfrm>
           <a:prstGeom prst="rect">
             <a:avLst/>
@@ -19496,7 +21494,7 @@
         </p:nvCxnSpPr>
         <p:spPr>
           <a:xfrm flipH="1">
-            <a:off x="9851009" y="2130458"/>
+            <a:off x="8165895" y="2031564"/>
             <a:ext cx="631596" cy="0"/>
           </a:xfrm>
           <a:prstGeom prst="straightConnector1">
@@ -19537,7 +21535,7 @@
         </p:nvCxnSpPr>
         <p:spPr>
           <a:xfrm flipH="1">
-            <a:off x="9851009" y="5714215"/>
+            <a:off x="8191087" y="5277940"/>
             <a:ext cx="631596" cy="0"/>
           </a:xfrm>
           <a:prstGeom prst="straightConnector1">
@@ -19578,7 +21576,7 @@
         </p:nvCxnSpPr>
         <p:spPr>
           <a:xfrm flipH="1">
-            <a:off x="9851009" y="3726730"/>
+            <a:off x="8214641" y="3613666"/>
             <a:ext cx="631596" cy="0"/>
           </a:xfrm>
           <a:prstGeom prst="straightConnector1">
@@ -19617,7 +21615,7 @@
         </p:nvSpPr>
         <p:spPr>
           <a:xfrm>
-            <a:off x="10501459" y="1916392"/>
+            <a:off x="9022613" y="1846898"/>
             <a:ext cx="1338606" cy="369332"/>
           </a:xfrm>
           <a:prstGeom prst="rect">
@@ -19652,7 +21650,7 @@
         </p:nvSpPr>
         <p:spPr>
           <a:xfrm>
-            <a:off x="3101420" y="3080399"/>
+            <a:off x="2950534" y="3429000"/>
             <a:ext cx="2937250" cy="369332"/>
           </a:xfrm>
           <a:prstGeom prst="rect">
@@ -19687,8 +21685,8 @@
         </p:nvSpPr>
         <p:spPr>
           <a:xfrm>
-            <a:off x="10394524" y="2907631"/>
-            <a:ext cx="1728051" cy="1754326"/>
+            <a:off x="8797491" y="2952151"/>
+            <a:ext cx="3394509" cy="872034"/>
           </a:xfrm>
           <a:prstGeom prst="rect">
             <a:avLst/>
@@ -19701,6 +21699,11 @@
           </a:bodyPr>
           <a:lstStyle/>
           <a:p>
+            <a:pPr>
+              <a:lnSpc>
+                <a:spcPct val="150000"/>
+              </a:lnSpc>
+            </a:pPr>
             <a:r>
               <a:rPr lang="he-IL" dirty="0"/>
               <a:t>סטטוס </a:t>
@@ -19711,13 +21714,15 @@
             </a:r>
             <a:r>
               <a:rPr lang="he-IL" dirty="0"/>
-              <a:t> של תת מערכות</a:t>
-            </a:r>
-          </a:p>
-          <a:p>
+              <a:t>  עבור ה </a:t>
+            </a:r>
+            <a:r>
+              <a:rPr lang="en-US" dirty="0"/>
+              <a:t>Unit</a:t>
+            </a:r>
             <a:r>
               <a:rPr lang="he-IL" dirty="0"/>
-              <a:t>רשימת תתי המערכות נבנה באופן דינאמי מתוכן ההודעה</a:t>
+              <a:t> השונים נבנה באופן דינאמי מתוכן ההודעה</a:t>
             </a:r>
           </a:p>
         </p:txBody>
@@ -19736,8 +21741,8 @@
         </p:nvSpPr>
         <p:spPr>
           <a:xfrm>
-            <a:off x="10482605" y="5355506"/>
-            <a:ext cx="1728051" cy="646331"/>
+            <a:off x="8922916" y="5039429"/>
+            <a:ext cx="3143658" cy="369332"/>
           </a:xfrm>
           <a:prstGeom prst="rect">
             <a:avLst/>
@@ -19757,6 +21762,168 @@
             <a:r>
               <a:rPr lang="en-US" dirty="0"/>
               <a:t>manage</a:t>
+            </a:r>
+            <a:endParaRPr lang="he-IL" dirty="0"/>
+          </a:p>
+        </p:txBody>
+      </p:sp>
+      <p:cxnSp>
+        <p:nvCxnSpPr>
+          <p:cNvPr id="11" name="Straight Arrow Connector 10">
+            <a:extLst>
+              <a:ext uri="{FF2B5EF4-FFF2-40B4-BE49-F238E27FC236}">
+                <a16:creationId xmlns:a16="http://schemas.microsoft.com/office/drawing/2014/main" id="{4C2A15F2-8170-7893-F170-772586299A35}"/>
+              </a:ext>
+            </a:extLst>
+          </p:cNvPr>
+          <p:cNvCxnSpPr>
+            <a:cxnSpLocks/>
+          </p:cNvCxnSpPr>
+          <p:nvPr/>
+        </p:nvCxnSpPr>
+        <p:spPr>
+          <a:xfrm flipH="1">
+            <a:off x="4038600" y="5156467"/>
+            <a:ext cx="631596" cy="0"/>
+          </a:xfrm>
+          <a:prstGeom prst="straightConnector1">
+            <a:avLst/>
+          </a:prstGeom>
+          <a:ln>
+            <a:tailEnd type="triangle"/>
+          </a:ln>
+        </p:spPr>
+        <p:style>
+          <a:lnRef idx="1">
+            <a:schemeClr val="accent1"/>
+          </a:lnRef>
+          <a:fillRef idx="0">
+            <a:schemeClr val="accent1"/>
+          </a:fillRef>
+          <a:effectRef idx="0">
+            <a:schemeClr val="accent1"/>
+          </a:effectRef>
+          <a:fontRef idx="minor">
+            <a:schemeClr val="tx1"/>
+          </a:fontRef>
+        </p:style>
+      </p:cxnSp>
+      <p:sp>
+        <p:nvSpPr>
+          <p:cNvPr id="12" name="TextBox 11">
+            <a:extLst>
+              <a:ext uri="{FF2B5EF4-FFF2-40B4-BE49-F238E27FC236}">
+                <a16:creationId xmlns:a16="http://schemas.microsoft.com/office/drawing/2014/main" id="{7F9B9BE8-1A3C-6830-F79E-9AC0D54F2387}"/>
+              </a:ext>
+            </a:extLst>
+          </p:cNvPr>
+          <p:cNvSpPr txBox="1"/>
+          <p:nvPr/>
+        </p:nvSpPr>
+        <p:spPr>
+          <a:xfrm>
+            <a:off x="4574468" y="4971801"/>
+            <a:ext cx="1254460" cy="369332"/>
+          </a:xfrm>
+          <a:prstGeom prst="rect">
+            <a:avLst/>
+          </a:prstGeom>
+          <a:noFill/>
+        </p:spPr>
+        <p:txBody>
+          <a:bodyPr wrap="square" rtlCol="1">
+            <a:spAutoFit/>
+          </a:bodyPr>
+          <a:lstStyle/>
+          <a:p>
+            <a:r>
+              <a:rPr lang="he-IL" dirty="0"/>
+              <a:t>ביצוע </a:t>
+            </a:r>
+            <a:r>
+              <a:rPr lang="en-US" dirty="0"/>
+              <a:t>IBIT</a:t>
+            </a:r>
+            <a:endParaRPr lang="he-IL" dirty="0"/>
+          </a:p>
+        </p:txBody>
+      </p:sp>
+      <p:cxnSp>
+        <p:nvCxnSpPr>
+          <p:cNvPr id="13" name="Straight Arrow Connector 12">
+            <a:extLst>
+              <a:ext uri="{FF2B5EF4-FFF2-40B4-BE49-F238E27FC236}">
+                <a16:creationId xmlns:a16="http://schemas.microsoft.com/office/drawing/2014/main" id="{2875EF95-5DAC-0C7A-03B7-C6B47AF40212}"/>
+              </a:ext>
+            </a:extLst>
+          </p:cNvPr>
+          <p:cNvCxnSpPr>
+            <a:cxnSpLocks/>
+          </p:cNvCxnSpPr>
+          <p:nvPr/>
+        </p:nvCxnSpPr>
+        <p:spPr>
+          <a:xfrm flipV="1">
+            <a:off x="2203435" y="5098717"/>
+            <a:ext cx="8874" cy="620088"/>
+          </a:xfrm>
+          <a:prstGeom prst="straightConnector1">
+            <a:avLst/>
+          </a:prstGeom>
+          <a:ln>
+            <a:tailEnd type="triangle"/>
+          </a:ln>
+        </p:spPr>
+        <p:style>
+          <a:lnRef idx="1">
+            <a:schemeClr val="accent1"/>
+          </a:lnRef>
+          <a:fillRef idx="0">
+            <a:schemeClr val="accent1"/>
+          </a:fillRef>
+          <a:effectRef idx="0">
+            <a:schemeClr val="accent1"/>
+          </a:effectRef>
+          <a:fontRef idx="minor">
+            <a:schemeClr val="tx1"/>
+          </a:fontRef>
+        </p:style>
+      </p:cxnSp>
+      <p:sp>
+        <p:nvSpPr>
+          <p:cNvPr id="16" name="TextBox 15">
+            <a:extLst>
+              <a:ext uri="{FF2B5EF4-FFF2-40B4-BE49-F238E27FC236}">
+                <a16:creationId xmlns:a16="http://schemas.microsoft.com/office/drawing/2014/main" id="{5ECC9E5D-2445-0845-C62B-F287F37276C6}"/>
+              </a:ext>
+            </a:extLst>
+          </p:cNvPr>
+          <p:cNvSpPr txBox="1"/>
+          <p:nvPr/>
+        </p:nvSpPr>
+        <p:spPr>
+          <a:xfrm>
+            <a:off x="1076344" y="5699555"/>
+            <a:ext cx="2254181" cy="369332"/>
+          </a:xfrm>
+          <a:prstGeom prst="rect">
+            <a:avLst/>
+          </a:prstGeom>
+          <a:noFill/>
+        </p:spPr>
+        <p:txBody>
+          <a:bodyPr wrap="square" rtlCol="1">
+            <a:spAutoFit/>
+          </a:bodyPr>
+          <a:lstStyle/>
+          <a:p>
+            <a:r>
+              <a:rPr lang="he-IL" dirty="0"/>
+              <a:t>סינון התקלות לפי </a:t>
+            </a:r>
+            <a:r>
+              <a:rPr lang="en-US" dirty="0"/>
+              <a:t>Unit</a:t>
             </a:r>
             <a:endParaRPr lang="he-IL" dirty="0"/>
           </a:p>
@@ -19775,7 +21942,7 @@
 </p:sld>
 </file>
 
-<file path=ppt/slides/slide7.xml><?xml version="1.0" encoding="utf-8"?>
+<file path=ppt/slides/slide8.xml><?xml version="1.0" encoding="utf-8"?>
 <p:sld xmlns:a="http://schemas.openxmlformats.org/drawingml/2006/main" xmlns:r="http://schemas.openxmlformats.org/officeDocument/2006/relationships" xmlns:p="http://schemas.openxmlformats.org/presentationml/2006/main">
   <p:cSld>
     <p:spTree>
@@ -19923,7 +22090,7 @@
 </p:sld>
 </file>
 
-<file path=ppt/slides/slide8.xml><?xml version="1.0" encoding="utf-8"?>
+<file path=ppt/slides/slide9.xml><?xml version="1.0" encoding="utf-8"?>
 <p:sld xmlns:a="http://schemas.openxmlformats.org/drawingml/2006/main" xmlns:r="http://schemas.openxmlformats.org/officeDocument/2006/relationships" xmlns:p="http://schemas.openxmlformats.org/presentationml/2006/main">
   <p:cSld>
     <p:spTree>
@@ -20352,212 +22519,6 @@
     <p:extLst>
       <p:ext uri="{BB962C8B-B14F-4D97-AF65-F5344CB8AC3E}">
         <p14:creationId xmlns:p14="http://schemas.microsoft.com/office/powerpoint/2010/main" val="1952643249"/>
-      </p:ext>
-    </p:extLst>
-  </p:cSld>
-  <p:clrMapOvr>
-    <a:masterClrMapping/>
-  </p:clrMapOvr>
-</p:sld>
-</file>
-
-<file path=ppt/slides/slide9.xml><?xml version="1.0" encoding="utf-8"?>
-<p:sld xmlns:a="http://schemas.openxmlformats.org/drawingml/2006/main" xmlns:r="http://schemas.openxmlformats.org/officeDocument/2006/relationships" xmlns:p="http://schemas.openxmlformats.org/presentationml/2006/main">
-  <p:cSld>
-    <p:spTree>
-      <p:nvGrpSpPr>
-        <p:cNvPr id="1" name="">
-          <a:extLst>
-            <a:ext uri="{FF2B5EF4-FFF2-40B4-BE49-F238E27FC236}">
-              <a16:creationId xmlns:a16="http://schemas.microsoft.com/office/drawing/2014/main" id="{DDCC7ED4-BE3B-B765-3E5E-5DB8017B3983}"/>
-            </a:ext>
-          </a:extLst>
-        </p:cNvPr>
-        <p:cNvGrpSpPr/>
-        <p:nvPr/>
-      </p:nvGrpSpPr>
-      <p:grpSpPr>
-        <a:xfrm>
-          <a:off x="0" y="0"/>
-          <a:ext cx="0" cy="0"/>
-          <a:chOff x="0" y="0"/>
-          <a:chExt cx="0" cy="0"/>
-        </a:xfrm>
-      </p:grpSpPr>
-      <p:sp>
-        <p:nvSpPr>
-          <p:cNvPr id="2" name="כותרת 1">
-            <a:extLst>
-              <a:ext uri="{FF2B5EF4-FFF2-40B4-BE49-F238E27FC236}">
-                <a16:creationId xmlns:a16="http://schemas.microsoft.com/office/drawing/2014/main" id="{71A15742-2764-5838-DDEC-7B44777D5042}"/>
-              </a:ext>
-            </a:extLst>
-          </p:cNvPr>
-          <p:cNvSpPr>
-            <a:spLocks noGrp="1"/>
-          </p:cNvSpPr>
-          <p:nvPr>
-            <p:ph type="title"/>
-          </p:nvPr>
-        </p:nvSpPr>
-        <p:spPr/>
-        <p:txBody>
-          <a:bodyPr/>
-          <a:lstStyle/>
-          <a:p>
-            <a:pPr marL="1143000" lvl="1" indent="-457200" algn="ctr" rtl="1">
-              <a:lnSpc>
-                <a:spcPct val="150000"/>
-              </a:lnSpc>
-            </a:pPr>
-            <a:r>
-              <a:rPr lang="en-US" altLang="en-US" sz="4400" dirty="0">
-                <a:solidFill>
-                  <a:schemeClr val="bg1"/>
-                </a:solidFill>
-              </a:rPr>
-              <a:t>Tab</a:t>
-            </a:r>
-            <a:r>
-              <a:rPr lang="he-IL" altLang="en-US" sz="4400" dirty="0">
-                <a:solidFill>
-                  <a:schemeClr val="bg1"/>
-                </a:solidFill>
-              </a:rPr>
-              <a:t> </a:t>
-            </a:r>
-            <a:r>
-              <a:rPr lang="en-US" altLang="en-US" sz="4400" dirty="0">
-                <a:solidFill>
-                  <a:schemeClr val="bg1"/>
-                </a:solidFill>
-              </a:rPr>
-              <a:t>Log Viewer</a:t>
-            </a:r>
-          </a:p>
-        </p:txBody>
-      </p:sp>
-      <p:sp>
-        <p:nvSpPr>
-          <p:cNvPr id="3" name="מציין מיקום של כותרת תחתונה 2">
-            <a:extLst>
-              <a:ext uri="{FF2B5EF4-FFF2-40B4-BE49-F238E27FC236}">
-                <a16:creationId xmlns:a16="http://schemas.microsoft.com/office/drawing/2014/main" id="{D0BC483A-9E39-249E-D655-EDAB19E42B5E}"/>
-              </a:ext>
-            </a:extLst>
-          </p:cNvPr>
-          <p:cNvSpPr>
-            <a:spLocks noGrp="1"/>
-          </p:cNvSpPr>
-          <p:nvPr>
-            <p:ph type="ftr" sz="quarter" idx="10"/>
-          </p:nvPr>
-        </p:nvSpPr>
-        <p:spPr/>
-        <p:txBody>
-          <a:bodyPr/>
-          <a:lstStyle/>
-          <a:p>
-            <a:r>
-              <a:rPr lang="he-IL" dirty="0"/>
-              <a:t>אוריון פתרונות תוכנה בע"מ</a:t>
-            </a:r>
-            <a:endParaRPr lang="en-US" dirty="0"/>
-          </a:p>
-        </p:txBody>
-      </p:sp>
-      <p:sp>
-        <p:nvSpPr>
-          <p:cNvPr id="5" name="TextBox 4">
-            <a:extLst>
-              <a:ext uri="{FF2B5EF4-FFF2-40B4-BE49-F238E27FC236}">
-                <a16:creationId xmlns:a16="http://schemas.microsoft.com/office/drawing/2014/main" id="{9F12E2BB-03D3-97AF-25B9-C6C9D5395000}"/>
-              </a:ext>
-            </a:extLst>
-          </p:cNvPr>
-          <p:cNvSpPr txBox="1"/>
-          <p:nvPr/>
-        </p:nvSpPr>
-        <p:spPr>
-          <a:xfrm>
-            <a:off x="583866" y="1444752"/>
-            <a:ext cx="11227323" cy="1200329"/>
-          </a:xfrm>
-          <a:prstGeom prst="rect">
-            <a:avLst/>
-          </a:prstGeom>
-          <a:noFill/>
-        </p:spPr>
-        <p:txBody>
-          <a:bodyPr wrap="square" rtlCol="1">
-            <a:spAutoFit/>
-          </a:bodyPr>
-          <a:lstStyle/>
-          <a:p>
-            <a:pPr marL="342900" indent="-342900">
-              <a:lnSpc>
-                <a:spcPct val="150000"/>
-              </a:lnSpc>
-              <a:buAutoNum type="arabicPeriod" startAt="8"/>
-            </a:pPr>
-            <a:r>
-              <a:rPr lang="en-US" b="1" dirty="0"/>
-              <a:t>Export BIN</a:t>
-            </a:r>
-            <a:r>
-              <a:rPr lang="he-IL" dirty="0"/>
-              <a:t>  – ייצוא של הקבצים הבינאריים ל </a:t>
-            </a:r>
-            <a:r>
-              <a:rPr lang="en-US" dirty="0"/>
-              <a:t>DOK</a:t>
-            </a:r>
-          </a:p>
-          <a:p>
-            <a:pPr marL="342900" indent="-342900">
-              <a:lnSpc>
-                <a:spcPct val="150000"/>
-              </a:lnSpc>
-              <a:buAutoNum type="arabicPeriod" startAt="8"/>
-            </a:pPr>
-            <a:r>
-              <a:rPr lang="en-US" b="1" dirty="0"/>
-              <a:t>Export CSV</a:t>
-            </a:r>
-            <a:r>
-              <a:rPr lang="he-IL" b="1" dirty="0"/>
-              <a:t> </a:t>
-            </a:r>
-            <a:r>
-              <a:rPr lang="he-IL" dirty="0"/>
-              <a:t>– ייצוא של קובצי ה </a:t>
-            </a:r>
-            <a:r>
-              <a:rPr lang="en-US" dirty="0"/>
-              <a:t>CSV</a:t>
-            </a:r>
-            <a:r>
-              <a:rPr lang="he-IL" dirty="0"/>
-              <a:t> שנוצרו בסעיף 2 ל </a:t>
-            </a:r>
-            <a:r>
-              <a:rPr lang="en-US" dirty="0"/>
-              <a:t>DOK</a:t>
-            </a:r>
-            <a:endParaRPr lang="he-IL" dirty="0"/>
-          </a:p>
-          <a:p>
-            <a:pPr marL="342900" indent="-342900">
-              <a:buAutoNum type="arabicPeriod" startAt="8"/>
-            </a:pPr>
-            <a:endParaRPr lang="he-IL" dirty="0"/>
-          </a:p>
-        </p:txBody>
-      </p:sp>
-    </p:spTree>
-    <p:extLst>
-      <p:ext uri="{BB962C8B-B14F-4D97-AF65-F5344CB8AC3E}">
-        <p14:creationId xmlns:p14="http://schemas.microsoft.com/office/powerpoint/2010/main" val="3073214716"/>
       </p:ext>
     </p:extLst>
   </p:cSld>

--- a/Documents/CDR/MLV Holland.pptx
+++ b/Documents/CDR/MLV Holland.pptx
@@ -14809,36 +14809,6 @@
           </a:p>
         </p:txBody>
       </p:sp>
-      <p:pic>
-        <p:nvPicPr>
-          <p:cNvPr id="8" name="Picture 7">
-            <a:extLst>
-              <a:ext uri="{FF2B5EF4-FFF2-40B4-BE49-F238E27FC236}">
-                <a16:creationId xmlns:a16="http://schemas.microsoft.com/office/drawing/2014/main" id="{15E97A33-2933-B797-267B-6D697A7542DD}"/>
-              </a:ext>
-            </a:extLst>
-          </p:cNvPr>
-          <p:cNvPicPr>
-            <a:picLocks noChangeAspect="1"/>
-          </p:cNvPicPr>
-          <p:nvPr/>
-        </p:nvPicPr>
-        <p:blipFill>
-          <a:blip r:embed="rId2"/>
-          <a:stretch>
-            <a:fillRect/>
-          </a:stretch>
-        </p:blipFill>
-        <p:spPr>
-          <a:xfrm>
-            <a:off x="1457649" y="1531253"/>
-            <a:ext cx="8275674" cy="4684105"/>
-          </a:xfrm>
-          <a:prstGeom prst="rect">
-            <a:avLst/>
-          </a:prstGeom>
-        </p:spPr>
-      </p:pic>
       <p:sp>
         <p:nvSpPr>
           <p:cNvPr id="4" name="TextBox 3">
@@ -14876,48 +14846,6 @@
       </p:sp>
       <p:cxnSp>
         <p:nvCxnSpPr>
-          <p:cNvPr id="5" name="Straight Arrow Connector 4">
-            <a:extLst>
-              <a:ext uri="{FF2B5EF4-FFF2-40B4-BE49-F238E27FC236}">
-                <a16:creationId xmlns:a16="http://schemas.microsoft.com/office/drawing/2014/main" id="{DF88BB4F-1AE9-EF5C-94AE-EC67892FBF9F}"/>
-              </a:ext>
-            </a:extLst>
-          </p:cNvPr>
-          <p:cNvCxnSpPr>
-            <a:cxnSpLocks/>
-            <a:stCxn id="4" idx="1"/>
-          </p:cNvCxnSpPr>
-          <p:nvPr/>
-        </p:nvCxnSpPr>
-        <p:spPr>
-          <a:xfrm flipH="1" flipV="1">
-            <a:off x="7521804" y="3843755"/>
-            <a:ext cx="2334464" cy="29550"/>
-          </a:xfrm>
-          <a:prstGeom prst="straightConnector1">
-            <a:avLst/>
-          </a:prstGeom>
-          <a:ln>
-            <a:tailEnd type="triangle"/>
-          </a:ln>
-        </p:spPr>
-        <p:style>
-          <a:lnRef idx="1">
-            <a:schemeClr val="accent1"/>
-          </a:lnRef>
-          <a:fillRef idx="0">
-            <a:schemeClr val="accent1"/>
-          </a:fillRef>
-          <a:effectRef idx="0">
-            <a:schemeClr val="accent1"/>
-          </a:effectRef>
-          <a:fontRef idx="minor">
-            <a:schemeClr val="tx1"/>
-          </a:fontRef>
-        </p:style>
-      </p:cxnSp>
-      <p:cxnSp>
-        <p:nvCxnSpPr>
           <p:cNvPr id="6" name="Straight Arrow Connector 5">
             <a:extLst>
               <a:ext uri="{FF2B5EF4-FFF2-40B4-BE49-F238E27FC236}">
@@ -14932,7 +14860,7 @@
         </p:nvCxnSpPr>
         <p:spPr>
           <a:xfrm flipH="1">
-            <a:off x="2687514" y="5767203"/>
+            <a:off x="2668264" y="6432153"/>
             <a:ext cx="631596" cy="0"/>
           </a:xfrm>
           <a:prstGeom prst="straightConnector1">
@@ -14971,7 +14899,7 @@
         </p:nvSpPr>
         <p:spPr>
           <a:xfrm>
-            <a:off x="3359215" y="5563287"/>
+            <a:off x="6719515" y="6274692"/>
             <a:ext cx="2303647" cy="369332"/>
           </a:xfrm>
           <a:prstGeom prst="rect">
@@ -14992,6 +14920,158 @@
           </a:p>
         </p:txBody>
       </p:sp>
+      <p:pic>
+        <p:nvPicPr>
+          <p:cNvPr id="7" name="Picture 6">
+            <a:extLst>
+              <a:ext uri="{FF2B5EF4-FFF2-40B4-BE49-F238E27FC236}">
+                <a16:creationId xmlns:a16="http://schemas.microsoft.com/office/drawing/2014/main" id="{A8A6E8CC-7DE5-D4D8-0FAD-7125FCD25D5D}"/>
+              </a:ext>
+            </a:extLst>
+          </p:cNvPr>
+          <p:cNvPicPr>
+            <a:picLocks noChangeAspect="1"/>
+          </p:cNvPicPr>
+          <p:nvPr/>
+        </p:nvPicPr>
+        <p:blipFill>
+          <a:blip r:embed="rId2"/>
+          <a:stretch>
+            <a:fillRect/>
+          </a:stretch>
+        </p:blipFill>
+        <p:spPr>
+          <a:xfrm>
+            <a:off x="8637346" y="2513513"/>
+            <a:ext cx="771633" cy="743054"/>
+          </a:xfrm>
+          <a:prstGeom prst="rect">
+            <a:avLst/>
+          </a:prstGeom>
+        </p:spPr>
+      </p:pic>
+      <p:grpSp>
+        <p:nvGrpSpPr>
+          <p:cNvPr id="17" name="Group 16">
+            <a:extLst>
+              <a:ext uri="{FF2B5EF4-FFF2-40B4-BE49-F238E27FC236}">
+                <a16:creationId xmlns:a16="http://schemas.microsoft.com/office/drawing/2014/main" id="{C1D29299-1E48-CD25-5B4F-B3521A1D6AD6}"/>
+              </a:ext>
+            </a:extLst>
+          </p:cNvPr>
+          <p:cNvGrpSpPr/>
+          <p:nvPr/>
+        </p:nvGrpSpPr>
+        <p:grpSpPr>
+          <a:xfrm>
+            <a:off x="1457649" y="1531254"/>
+            <a:ext cx="8177239" cy="4590414"/>
+            <a:chOff x="1457649" y="1531253"/>
+            <a:chExt cx="8275674" cy="4684105"/>
+          </a:xfrm>
+        </p:grpSpPr>
+        <p:pic>
+          <p:nvPicPr>
+            <p:cNvPr id="8" name="Picture 7">
+              <a:extLst>
+                <a:ext uri="{FF2B5EF4-FFF2-40B4-BE49-F238E27FC236}">
+                  <a16:creationId xmlns:a16="http://schemas.microsoft.com/office/drawing/2014/main" id="{15E97A33-2933-B797-267B-6D697A7542DD}"/>
+                </a:ext>
+              </a:extLst>
+            </p:cNvPr>
+            <p:cNvPicPr>
+              <a:picLocks noChangeAspect="1"/>
+            </p:cNvPicPr>
+            <p:nvPr/>
+          </p:nvPicPr>
+          <p:blipFill>
+            <a:blip r:embed="rId3"/>
+            <a:stretch>
+              <a:fillRect/>
+            </a:stretch>
+          </p:blipFill>
+          <p:spPr>
+            <a:xfrm>
+              <a:off x="1457649" y="1531253"/>
+              <a:ext cx="8275674" cy="4684105"/>
+            </a:xfrm>
+            <a:prstGeom prst="rect">
+              <a:avLst/>
+            </a:prstGeom>
+          </p:spPr>
+        </p:pic>
+        <p:pic>
+          <p:nvPicPr>
+            <p:cNvPr id="15" name="Picture 14">
+              <a:extLst>
+                <a:ext uri="{FF2B5EF4-FFF2-40B4-BE49-F238E27FC236}">
+                  <a16:creationId xmlns:a16="http://schemas.microsoft.com/office/drawing/2014/main" id="{3E90804F-5ED1-20EA-68DF-A66FD4C202C5}"/>
+                </a:ext>
+              </a:extLst>
+            </p:cNvPr>
+            <p:cNvPicPr>
+              <a:picLocks noChangeAspect="1"/>
+            </p:cNvPicPr>
+            <p:nvPr/>
+          </p:nvPicPr>
+          <p:blipFill>
+            <a:blip r:embed="rId4"/>
+            <a:stretch>
+              <a:fillRect/>
+            </a:stretch>
+          </p:blipFill>
+          <p:spPr>
+            <a:xfrm>
+              <a:off x="1568415" y="2212329"/>
+              <a:ext cx="6945986" cy="3351074"/>
+            </a:xfrm>
+            <a:prstGeom prst="rect">
+              <a:avLst/>
+            </a:prstGeom>
+          </p:spPr>
+        </p:pic>
+      </p:grpSp>
+      <p:cxnSp>
+        <p:nvCxnSpPr>
+          <p:cNvPr id="5" name="Straight Arrow Connector 4">
+            <a:extLst>
+              <a:ext uri="{FF2B5EF4-FFF2-40B4-BE49-F238E27FC236}">
+                <a16:creationId xmlns:a16="http://schemas.microsoft.com/office/drawing/2014/main" id="{DF88BB4F-1AE9-EF5C-94AE-EC67892FBF9F}"/>
+              </a:ext>
+            </a:extLst>
+          </p:cNvPr>
+          <p:cNvCxnSpPr>
+            <a:cxnSpLocks/>
+          </p:cNvCxnSpPr>
+          <p:nvPr/>
+        </p:nvCxnSpPr>
+        <p:spPr>
+          <a:xfrm flipH="1">
+            <a:off x="7988968" y="3921432"/>
+            <a:ext cx="1867300" cy="0"/>
+          </a:xfrm>
+          <a:prstGeom prst="straightConnector1">
+            <a:avLst/>
+          </a:prstGeom>
+          <a:ln>
+            <a:tailEnd type="triangle"/>
+          </a:ln>
+        </p:spPr>
+        <p:style>
+          <a:lnRef idx="1">
+            <a:schemeClr val="accent1"/>
+          </a:lnRef>
+          <a:fillRef idx="0">
+            <a:schemeClr val="accent1"/>
+          </a:fillRef>
+          <a:effectRef idx="0">
+            <a:schemeClr val="accent1"/>
+          </a:effectRef>
+          <a:fontRef idx="minor">
+            <a:schemeClr val="tx1"/>
+          </a:fontRef>
+        </p:style>
+      </p:cxnSp>
     </p:spTree>
     <p:extLst>
       <p:ext uri="{BB962C8B-B14F-4D97-AF65-F5344CB8AC3E}">
@@ -15249,6 +15329,36 @@
           </a:p>
         </p:txBody>
       </p:sp>
+      <p:pic>
+        <p:nvPicPr>
+          <p:cNvPr id="4" name="Picture 3">
+            <a:extLst>
+              <a:ext uri="{FF2B5EF4-FFF2-40B4-BE49-F238E27FC236}">
+                <a16:creationId xmlns:a16="http://schemas.microsoft.com/office/drawing/2014/main" id="{94BA51E7-A9DF-9AA4-D0D6-77B954FB9896}"/>
+              </a:ext>
+            </a:extLst>
+          </p:cNvPr>
+          <p:cNvPicPr>
+            <a:picLocks noChangeAspect="1"/>
+          </p:cNvPicPr>
+          <p:nvPr/>
+        </p:nvPicPr>
+        <p:blipFill>
+          <a:blip r:embed="rId3"/>
+          <a:stretch>
+            <a:fillRect/>
+          </a:stretch>
+        </p:blipFill>
+        <p:spPr>
+          <a:xfrm>
+            <a:off x="5285867" y="2542388"/>
+            <a:ext cx="771633" cy="743054"/>
+          </a:xfrm>
+          <a:prstGeom prst="rect">
+            <a:avLst/>
+          </a:prstGeom>
+        </p:spPr>
+      </p:pic>
     </p:spTree>
     <p:extLst>
       <p:ext uri="{BB962C8B-B14F-4D97-AF65-F5344CB8AC3E}">
@@ -20782,7 +20892,7 @@
         </p:blipFill>
         <p:spPr>
           <a:xfrm>
-            <a:off x="3167408" y="1503383"/>
+            <a:off x="2224132" y="1524011"/>
             <a:ext cx="4872610" cy="4698588"/>
           </a:xfrm>
           <a:prstGeom prst="rect">
@@ -20800,6 +20910,61 @@
           </a:effectLst>
         </p:spPr>
       </p:pic>
+      <p:sp>
+        <p:nvSpPr>
+          <p:cNvPr id="4" name="TextBox 3">
+            <a:extLst>
+              <a:ext uri="{FF2B5EF4-FFF2-40B4-BE49-F238E27FC236}">
+                <a16:creationId xmlns:a16="http://schemas.microsoft.com/office/drawing/2014/main" id="{3D7AF363-EC8C-D99B-5734-395F755549E0}"/>
+              </a:ext>
+            </a:extLst>
+          </p:cNvPr>
+          <p:cNvSpPr txBox="1"/>
+          <p:nvPr/>
+        </p:nvSpPr>
+        <p:spPr>
+          <a:xfrm>
+            <a:off x="7334451" y="1561232"/>
+            <a:ext cx="4545527" cy="1287532"/>
+          </a:xfrm>
+          <a:prstGeom prst="rect">
+            <a:avLst/>
+          </a:prstGeom>
+          <a:noFill/>
+        </p:spPr>
+        <p:txBody>
+          <a:bodyPr wrap="square">
+            <a:spAutoFit/>
+          </a:bodyPr>
+          <a:lstStyle/>
+          <a:p>
+            <a:pPr marL="285750" indent="-285750">
+              <a:lnSpc>
+                <a:spcPct val="150000"/>
+              </a:lnSpc>
+              <a:buFont typeface="Arial" panose="020B0604020202020204" pitchFamily="34" charset="0"/>
+              <a:buChar char="•"/>
+            </a:pPr>
+            <a:r>
+              <a:rPr lang="he-IL" dirty="0"/>
+              <a:t>כניסה למערכת עם משתמש וסיסמא</a:t>
+            </a:r>
+          </a:p>
+          <a:p>
+            <a:pPr marL="285750" indent="-285750">
+              <a:lnSpc>
+                <a:spcPct val="150000"/>
+              </a:lnSpc>
+              <a:buFont typeface="Arial" panose="020B0604020202020204" pitchFamily="34" charset="0"/>
+              <a:buChar char="•"/>
+            </a:pPr>
+            <a:r>
+              <a:rPr lang="he-IL" dirty="0"/>
+              <a:t>שם משתמש נשמרים בבסיס הנתונים בצורה מוצפנת וניתנים לעריכה </a:t>
+            </a:r>
+          </a:p>
+        </p:txBody>
+      </p:sp>
     </p:spTree>
     <p:extLst>
       <p:ext uri="{BB962C8B-B14F-4D97-AF65-F5344CB8AC3E}">
@@ -21079,7 +21244,7 @@
         </p:nvCxnSpPr>
         <p:spPr>
           <a:xfrm flipH="1">
-            <a:off x="7447579" y="5426197"/>
+            <a:off x="7684479" y="5426197"/>
             <a:ext cx="937841" cy="0"/>
           </a:xfrm>
           <a:prstGeom prst="straightConnector1">
@@ -21160,7 +21325,7 @@
         </p:nvCxnSpPr>
         <p:spPr>
           <a:xfrm flipH="1">
-            <a:off x="7412598" y="2170878"/>
+            <a:off x="7720983" y="2144158"/>
             <a:ext cx="1007804" cy="0"/>
           </a:xfrm>
           <a:prstGeom prst="straightConnector1">
@@ -21220,6 +21385,92 @@
           </a:p>
         </p:txBody>
       </p:sp>
+      <p:sp>
+        <p:nvSpPr>
+          <p:cNvPr id="24" name="TextBox 23">
+            <a:extLst>
+              <a:ext uri="{FF2B5EF4-FFF2-40B4-BE49-F238E27FC236}">
+                <a16:creationId xmlns:a16="http://schemas.microsoft.com/office/drawing/2014/main" id="{22F505D8-E3FD-61E1-B4E5-1FD85FF6C97D}"/>
+              </a:ext>
+            </a:extLst>
+          </p:cNvPr>
+          <p:cNvSpPr txBox="1"/>
+          <p:nvPr/>
+        </p:nvSpPr>
+        <p:spPr>
+          <a:xfrm>
+            <a:off x="8345151" y="2426885"/>
+            <a:ext cx="3485880" cy="1287532"/>
+          </a:xfrm>
+          <a:prstGeom prst="rect">
+            <a:avLst/>
+          </a:prstGeom>
+          <a:noFill/>
+        </p:spPr>
+        <p:txBody>
+          <a:bodyPr wrap="square" rtlCol="1">
+            <a:spAutoFit/>
+          </a:bodyPr>
+          <a:lstStyle/>
+          <a:p>
+            <a:pPr>
+              <a:lnSpc>
+                <a:spcPct val="150000"/>
+              </a:lnSpc>
+            </a:pPr>
+            <a:r>
+              <a:rPr lang="he-IL" dirty="0"/>
+              <a:t>סטטוס </a:t>
+            </a:r>
+            <a:r>
+              <a:rPr lang="en-US" dirty="0"/>
+              <a:t>BIT</a:t>
+            </a:r>
+            <a:r>
+              <a:rPr lang="he-IL" dirty="0"/>
+              <a:t>  עבור ה </a:t>
+            </a:r>
+            <a:r>
+              <a:rPr lang="en-US" dirty="0"/>
+              <a:t> Unit</a:t>
+            </a:r>
+            <a:r>
+              <a:rPr lang="he-IL" dirty="0"/>
+              <a:t>ים השונים הרשימה נבנית באופן דינאמי מתוכן ההודעה שמתקבל מהמערכת</a:t>
+            </a:r>
+          </a:p>
+        </p:txBody>
+      </p:sp>
+      <p:pic>
+        <p:nvPicPr>
+          <p:cNvPr id="6" name="Picture 5">
+            <a:extLst>
+              <a:ext uri="{FF2B5EF4-FFF2-40B4-BE49-F238E27FC236}">
+                <a16:creationId xmlns:a16="http://schemas.microsoft.com/office/drawing/2014/main" id="{F7BA1C0E-FFDD-C5A0-5BB8-6C118B78779E}"/>
+              </a:ext>
+            </a:extLst>
+          </p:cNvPr>
+          <p:cNvPicPr>
+            <a:picLocks noChangeAspect="1"/>
+          </p:cNvPicPr>
+          <p:nvPr/>
+        </p:nvPicPr>
+        <p:blipFill>
+          <a:blip r:embed="rId3"/>
+          <a:stretch>
+            <a:fillRect/>
+          </a:stretch>
+        </p:blipFill>
+        <p:spPr>
+          <a:xfrm>
+            <a:off x="6912846" y="2426885"/>
+            <a:ext cx="771633" cy="743054"/>
+          </a:xfrm>
+          <a:prstGeom prst="rect">
+            <a:avLst/>
+          </a:prstGeom>
+        </p:spPr>
+      </p:pic>
       <p:cxnSp>
         <p:nvCxnSpPr>
           <p:cNvPr id="23" name="Straight Arrow Connector 22">
@@ -21236,7 +21487,7 @@
         </p:nvCxnSpPr>
         <p:spPr>
           <a:xfrm flipH="1">
-            <a:off x="7412598" y="2950702"/>
+            <a:off x="7649498" y="2947897"/>
             <a:ext cx="1007804" cy="0"/>
           </a:xfrm>
           <a:prstGeom prst="straightConnector1">
@@ -21261,62 +21512,6 @@
           </a:fontRef>
         </p:style>
       </p:cxnSp>
-      <p:sp>
-        <p:nvSpPr>
-          <p:cNvPr id="24" name="TextBox 23">
-            <a:extLst>
-              <a:ext uri="{FF2B5EF4-FFF2-40B4-BE49-F238E27FC236}">
-                <a16:creationId xmlns:a16="http://schemas.microsoft.com/office/drawing/2014/main" id="{22F505D8-E3FD-61E1-B4E5-1FD85FF6C97D}"/>
-              </a:ext>
-            </a:extLst>
-          </p:cNvPr>
-          <p:cNvSpPr txBox="1"/>
-          <p:nvPr/>
-        </p:nvSpPr>
-        <p:spPr>
-          <a:xfrm>
-            <a:off x="8345151" y="2426885"/>
-            <a:ext cx="3485880" cy="1287532"/>
-          </a:xfrm>
-          <a:prstGeom prst="rect">
-            <a:avLst/>
-          </a:prstGeom>
-          <a:noFill/>
-        </p:spPr>
-        <p:txBody>
-          <a:bodyPr wrap="square" rtlCol="1">
-            <a:spAutoFit/>
-          </a:bodyPr>
-          <a:lstStyle/>
-          <a:p>
-            <a:pPr>
-              <a:lnSpc>
-                <a:spcPct val="150000"/>
-              </a:lnSpc>
-            </a:pPr>
-            <a:r>
-              <a:rPr lang="he-IL" dirty="0"/>
-              <a:t>סטטוס </a:t>
-            </a:r>
-            <a:r>
-              <a:rPr lang="en-US" dirty="0"/>
-              <a:t>BIT</a:t>
-            </a:r>
-            <a:r>
-              <a:rPr lang="he-IL" dirty="0"/>
-              <a:t>  עבור ה </a:t>
-            </a:r>
-            <a:r>
-              <a:rPr lang="en-US" dirty="0"/>
-              <a:t> Unit</a:t>
-            </a:r>
-            <a:r>
-              <a:rPr lang="he-IL" dirty="0"/>
-              <a:t>ים השונים הרשימה נבנית באופן דינאמי מתוכן ההודעה שמתקבל מהמערכת</a:t>
-            </a:r>
-          </a:p>
-        </p:txBody>
-      </p:sp>
     </p:spTree>
     <p:extLst>
       <p:ext uri="{BB962C8B-B14F-4D97-AF65-F5344CB8AC3E}">
@@ -21448,325 +21643,6 @@
           </a:p>
         </p:txBody>
       </p:sp>
-      <p:pic>
-        <p:nvPicPr>
-          <p:cNvPr id="7" name="Picture 6">
-            <a:extLst>
-              <a:ext uri="{FF2B5EF4-FFF2-40B4-BE49-F238E27FC236}">
-                <a16:creationId xmlns:a16="http://schemas.microsoft.com/office/drawing/2014/main" id="{0529E20E-60EE-EAB6-8C9D-888544D86E48}"/>
-              </a:ext>
-            </a:extLst>
-          </p:cNvPr>
-          <p:cNvPicPr>
-            <a:picLocks noChangeAspect="1"/>
-          </p:cNvPicPr>
-          <p:nvPr/>
-        </p:nvPicPr>
-        <p:blipFill>
-          <a:blip r:embed="rId2"/>
-          <a:stretch>
-            <a:fillRect/>
-          </a:stretch>
-        </p:blipFill>
-        <p:spPr>
-          <a:xfrm>
-            <a:off x="997002" y="1390261"/>
-            <a:ext cx="7533437" cy="4258277"/>
-          </a:xfrm>
-          <a:prstGeom prst="rect">
-            <a:avLst/>
-          </a:prstGeom>
-        </p:spPr>
-      </p:pic>
-      <p:cxnSp>
-        <p:nvCxnSpPr>
-          <p:cNvPr id="9" name="Straight Arrow Connector 8">
-            <a:extLst>
-              <a:ext uri="{FF2B5EF4-FFF2-40B4-BE49-F238E27FC236}">
-                <a16:creationId xmlns:a16="http://schemas.microsoft.com/office/drawing/2014/main" id="{C57B2174-984A-6E73-517D-52B4F7E57D21}"/>
-              </a:ext>
-            </a:extLst>
-          </p:cNvPr>
-          <p:cNvCxnSpPr>
-            <a:cxnSpLocks/>
-          </p:cNvCxnSpPr>
-          <p:nvPr/>
-        </p:nvCxnSpPr>
-        <p:spPr>
-          <a:xfrm flipH="1">
-            <a:off x="8165895" y="2031564"/>
-            <a:ext cx="631596" cy="0"/>
-          </a:xfrm>
-          <a:prstGeom prst="straightConnector1">
-            <a:avLst/>
-          </a:prstGeom>
-          <a:ln>
-            <a:tailEnd type="triangle"/>
-          </a:ln>
-        </p:spPr>
-        <p:style>
-          <a:lnRef idx="1">
-            <a:schemeClr val="accent1"/>
-          </a:lnRef>
-          <a:fillRef idx="0">
-            <a:schemeClr val="accent1"/>
-          </a:fillRef>
-          <a:effectRef idx="0">
-            <a:schemeClr val="accent1"/>
-          </a:effectRef>
-          <a:fontRef idx="minor">
-            <a:schemeClr val="tx1"/>
-          </a:fontRef>
-        </p:style>
-      </p:cxnSp>
-      <p:cxnSp>
-        <p:nvCxnSpPr>
-          <p:cNvPr id="14" name="Straight Arrow Connector 13">
-            <a:extLst>
-              <a:ext uri="{FF2B5EF4-FFF2-40B4-BE49-F238E27FC236}">
-                <a16:creationId xmlns:a16="http://schemas.microsoft.com/office/drawing/2014/main" id="{3CB75E3B-3E55-D34E-9A8C-2B9F64FC2380}"/>
-              </a:ext>
-            </a:extLst>
-          </p:cNvPr>
-          <p:cNvCxnSpPr>
-            <a:cxnSpLocks/>
-          </p:cNvCxnSpPr>
-          <p:nvPr/>
-        </p:nvCxnSpPr>
-        <p:spPr>
-          <a:xfrm flipH="1">
-            <a:off x="8191087" y="5277940"/>
-            <a:ext cx="631596" cy="0"/>
-          </a:xfrm>
-          <a:prstGeom prst="straightConnector1">
-            <a:avLst/>
-          </a:prstGeom>
-          <a:ln>
-            <a:tailEnd type="triangle"/>
-          </a:ln>
-        </p:spPr>
-        <p:style>
-          <a:lnRef idx="1">
-            <a:schemeClr val="accent1"/>
-          </a:lnRef>
-          <a:fillRef idx="0">
-            <a:schemeClr val="accent1"/>
-          </a:fillRef>
-          <a:effectRef idx="0">
-            <a:schemeClr val="accent1"/>
-          </a:effectRef>
-          <a:fontRef idx="minor">
-            <a:schemeClr val="tx1"/>
-          </a:fontRef>
-        </p:style>
-      </p:cxnSp>
-      <p:cxnSp>
-        <p:nvCxnSpPr>
-          <p:cNvPr id="19" name="Straight Arrow Connector 18">
-            <a:extLst>
-              <a:ext uri="{FF2B5EF4-FFF2-40B4-BE49-F238E27FC236}">
-                <a16:creationId xmlns:a16="http://schemas.microsoft.com/office/drawing/2014/main" id="{1413EBEB-E5C6-CAE9-AF49-7F3C02665E04}"/>
-              </a:ext>
-            </a:extLst>
-          </p:cNvPr>
-          <p:cNvCxnSpPr>
-            <a:cxnSpLocks/>
-          </p:cNvCxnSpPr>
-          <p:nvPr/>
-        </p:nvCxnSpPr>
-        <p:spPr>
-          <a:xfrm flipH="1">
-            <a:off x="8214641" y="3613666"/>
-            <a:ext cx="631596" cy="0"/>
-          </a:xfrm>
-          <a:prstGeom prst="straightConnector1">
-            <a:avLst/>
-          </a:prstGeom>
-          <a:ln>
-            <a:tailEnd type="triangle"/>
-          </a:ln>
-        </p:spPr>
-        <p:style>
-          <a:lnRef idx="1">
-            <a:schemeClr val="accent1"/>
-          </a:lnRef>
-          <a:fillRef idx="0">
-            <a:schemeClr val="accent1"/>
-          </a:fillRef>
-          <a:effectRef idx="0">
-            <a:schemeClr val="accent1"/>
-          </a:effectRef>
-          <a:fontRef idx="minor">
-            <a:schemeClr val="tx1"/>
-          </a:fontRef>
-        </p:style>
-      </p:cxnSp>
-      <p:sp>
-        <p:nvSpPr>
-          <p:cNvPr id="5" name="TextBox 4">
-            <a:extLst>
-              <a:ext uri="{FF2B5EF4-FFF2-40B4-BE49-F238E27FC236}">
-                <a16:creationId xmlns:a16="http://schemas.microsoft.com/office/drawing/2014/main" id="{862E387F-0A7F-2E7A-84AE-F430F0CA47E5}"/>
-              </a:ext>
-            </a:extLst>
-          </p:cNvPr>
-          <p:cNvSpPr txBox="1"/>
-          <p:nvPr/>
-        </p:nvSpPr>
-        <p:spPr>
-          <a:xfrm>
-            <a:off x="9022613" y="1846898"/>
-            <a:ext cx="1338606" cy="369332"/>
-          </a:xfrm>
-          <a:prstGeom prst="rect">
-            <a:avLst/>
-          </a:prstGeom>
-          <a:noFill/>
-        </p:spPr>
-        <p:txBody>
-          <a:bodyPr wrap="square" rtlCol="1">
-            <a:spAutoFit/>
-          </a:bodyPr>
-          <a:lstStyle/>
-          <a:p>
-            <a:r>
-              <a:rPr lang="he-IL" dirty="0"/>
-              <a:t>מוד מערכת</a:t>
-            </a:r>
-          </a:p>
-        </p:txBody>
-      </p:sp>
-      <p:sp>
-        <p:nvSpPr>
-          <p:cNvPr id="6" name="TextBox 5">
-            <a:extLst>
-              <a:ext uri="{FF2B5EF4-FFF2-40B4-BE49-F238E27FC236}">
-                <a16:creationId xmlns:a16="http://schemas.microsoft.com/office/drawing/2014/main" id="{D669050B-4792-4455-1D24-7EE18F97D91A}"/>
-              </a:ext>
-            </a:extLst>
-          </p:cNvPr>
-          <p:cNvSpPr txBox="1"/>
-          <p:nvPr/>
-        </p:nvSpPr>
-        <p:spPr>
-          <a:xfrm>
-            <a:off x="2950534" y="3429000"/>
-            <a:ext cx="2937250" cy="369332"/>
-          </a:xfrm>
-          <a:prstGeom prst="rect">
-            <a:avLst/>
-          </a:prstGeom>
-          <a:noFill/>
-        </p:spPr>
-        <p:txBody>
-          <a:bodyPr wrap="square" rtlCol="1">
-            <a:spAutoFit/>
-          </a:bodyPr>
-          <a:lstStyle/>
-          <a:p>
-            <a:r>
-              <a:rPr lang="he-IL" dirty="0"/>
-              <a:t>רשימת תקלות במערכת </a:t>
-            </a:r>
-          </a:p>
-        </p:txBody>
-      </p:sp>
-      <p:sp>
-        <p:nvSpPr>
-          <p:cNvPr id="8" name="TextBox 7">
-            <a:extLst>
-              <a:ext uri="{FF2B5EF4-FFF2-40B4-BE49-F238E27FC236}">
-                <a16:creationId xmlns:a16="http://schemas.microsoft.com/office/drawing/2014/main" id="{7626F008-0B5D-D0D7-BE5D-42E2B421A2DE}"/>
-              </a:ext>
-            </a:extLst>
-          </p:cNvPr>
-          <p:cNvSpPr txBox="1"/>
-          <p:nvPr/>
-        </p:nvSpPr>
-        <p:spPr>
-          <a:xfrm>
-            <a:off x="8797491" y="2952151"/>
-            <a:ext cx="3394509" cy="872034"/>
-          </a:xfrm>
-          <a:prstGeom prst="rect">
-            <a:avLst/>
-          </a:prstGeom>
-          <a:noFill/>
-        </p:spPr>
-        <p:txBody>
-          <a:bodyPr wrap="square" rtlCol="1">
-            <a:spAutoFit/>
-          </a:bodyPr>
-          <a:lstStyle/>
-          <a:p>
-            <a:pPr>
-              <a:lnSpc>
-                <a:spcPct val="150000"/>
-              </a:lnSpc>
-            </a:pPr>
-            <a:r>
-              <a:rPr lang="he-IL" dirty="0"/>
-              <a:t>סטטוס </a:t>
-            </a:r>
-            <a:r>
-              <a:rPr lang="en-US" dirty="0"/>
-              <a:t>BIT</a:t>
-            </a:r>
-            <a:r>
-              <a:rPr lang="he-IL" dirty="0"/>
-              <a:t>  עבור ה </a:t>
-            </a:r>
-            <a:r>
-              <a:rPr lang="en-US" dirty="0"/>
-              <a:t>Unit</a:t>
-            </a:r>
-            <a:r>
-              <a:rPr lang="he-IL" dirty="0"/>
-              <a:t> השונים נבנה באופן דינאמי מתוכן ההודעה</a:t>
-            </a:r>
-          </a:p>
-        </p:txBody>
-      </p:sp>
-      <p:sp>
-        <p:nvSpPr>
-          <p:cNvPr id="10" name="TextBox 9">
-            <a:extLst>
-              <a:ext uri="{FF2B5EF4-FFF2-40B4-BE49-F238E27FC236}">
-                <a16:creationId xmlns:a16="http://schemas.microsoft.com/office/drawing/2014/main" id="{4C7D4A92-B17A-8E69-6C03-77E36F04031E}"/>
-              </a:ext>
-            </a:extLst>
-          </p:cNvPr>
-          <p:cNvSpPr txBox="1"/>
-          <p:nvPr/>
-        </p:nvSpPr>
-        <p:spPr>
-          <a:xfrm>
-            <a:off x="8922916" y="5039429"/>
-            <a:ext cx="3143658" cy="369332"/>
-          </a:xfrm>
-          <a:prstGeom prst="rect">
-            <a:avLst/>
-          </a:prstGeom>
-          <a:noFill/>
-        </p:spPr>
-        <p:txBody>
-          <a:bodyPr wrap="square" rtlCol="1">
-            <a:spAutoFit/>
-          </a:bodyPr>
-          <a:lstStyle/>
-          <a:p>
-            <a:r>
-              <a:rPr lang="he-IL" dirty="0"/>
-              <a:t>סטטוס תקשורת מול ה </a:t>
-            </a:r>
-            <a:r>
-              <a:rPr lang="en-US" dirty="0"/>
-              <a:t>manage</a:t>
-            </a:r>
-            <a:endParaRPr lang="he-IL" dirty="0"/>
-          </a:p>
-        </p:txBody>
-      </p:sp>
       <p:cxnSp>
         <p:nvCxnSpPr>
           <p:cNvPr id="11" name="Straight Arrow Connector 10">
@@ -21926,6 +21802,152 @@
               <a:t>Unit</a:t>
             </a:r>
             <a:endParaRPr lang="he-IL" dirty="0"/>
+          </a:p>
+        </p:txBody>
+      </p:sp>
+      <p:pic>
+        <p:nvPicPr>
+          <p:cNvPr id="15" name="Picture 14">
+            <a:extLst>
+              <a:ext uri="{FF2B5EF4-FFF2-40B4-BE49-F238E27FC236}">
+                <a16:creationId xmlns:a16="http://schemas.microsoft.com/office/drawing/2014/main" id="{1541AD19-ADB4-C141-45B2-43D618426117}"/>
+              </a:ext>
+            </a:extLst>
+          </p:cNvPr>
+          <p:cNvPicPr>
+            <a:picLocks noChangeAspect="1"/>
+          </p:cNvPicPr>
+          <p:nvPr/>
+        </p:nvPicPr>
+        <p:blipFill>
+          <a:blip r:embed="rId2"/>
+          <a:stretch>
+            <a:fillRect/>
+          </a:stretch>
+        </p:blipFill>
+        <p:spPr>
+          <a:xfrm>
+            <a:off x="7519237" y="2330633"/>
+            <a:ext cx="771633" cy="743054"/>
+          </a:xfrm>
+          <a:prstGeom prst="rect">
+            <a:avLst/>
+          </a:prstGeom>
+        </p:spPr>
+      </p:pic>
+      <p:grpSp>
+        <p:nvGrpSpPr>
+          <p:cNvPr id="20" name="Group 19">
+            <a:extLst>
+              <a:ext uri="{FF2B5EF4-FFF2-40B4-BE49-F238E27FC236}">
+                <a16:creationId xmlns:a16="http://schemas.microsoft.com/office/drawing/2014/main" id="{85F0995A-3DF3-5A44-A6BF-3EFCBE86D78E}"/>
+              </a:ext>
+            </a:extLst>
+          </p:cNvPr>
+          <p:cNvGrpSpPr/>
+          <p:nvPr/>
+        </p:nvGrpSpPr>
+        <p:grpSpPr>
+          <a:xfrm>
+            <a:off x="977752" y="1428761"/>
+            <a:ext cx="7533437" cy="4258277"/>
+            <a:chOff x="997002" y="1399886"/>
+            <a:chExt cx="7533437" cy="4258277"/>
+          </a:xfrm>
+        </p:grpSpPr>
+        <p:pic>
+          <p:nvPicPr>
+            <p:cNvPr id="7" name="Picture 6">
+              <a:extLst>
+                <a:ext uri="{FF2B5EF4-FFF2-40B4-BE49-F238E27FC236}">
+                  <a16:creationId xmlns:a16="http://schemas.microsoft.com/office/drawing/2014/main" id="{0529E20E-60EE-EAB6-8C9D-888544D86E48}"/>
+                </a:ext>
+              </a:extLst>
+            </p:cNvPr>
+            <p:cNvPicPr>
+              <a:picLocks noChangeAspect="1"/>
+            </p:cNvPicPr>
+            <p:nvPr/>
+          </p:nvPicPr>
+          <p:blipFill>
+            <a:blip r:embed="rId3"/>
+            <a:stretch>
+              <a:fillRect/>
+            </a:stretch>
+          </p:blipFill>
+          <p:spPr>
+            <a:xfrm>
+              <a:off x="997002" y="1399886"/>
+              <a:ext cx="7533437" cy="4258277"/>
+            </a:xfrm>
+            <a:prstGeom prst="rect">
+              <a:avLst/>
+            </a:prstGeom>
+          </p:spPr>
+        </p:pic>
+        <p:pic>
+          <p:nvPicPr>
+            <p:cNvPr id="18" name="Picture 17">
+              <a:extLst>
+                <a:ext uri="{FF2B5EF4-FFF2-40B4-BE49-F238E27FC236}">
+                  <a16:creationId xmlns:a16="http://schemas.microsoft.com/office/drawing/2014/main" id="{8810D323-D815-7000-5FC9-03E1F6391A4A}"/>
+                </a:ext>
+              </a:extLst>
+            </p:cNvPr>
+            <p:cNvPicPr>
+              <a:picLocks noChangeAspect="1"/>
+            </p:cNvPicPr>
+            <p:nvPr/>
+          </p:nvPicPr>
+          <p:blipFill>
+            <a:blip r:embed="rId4"/>
+            <a:stretch>
+              <a:fillRect/>
+            </a:stretch>
+          </p:blipFill>
+          <p:spPr>
+            <a:xfrm>
+              <a:off x="1030978" y="1876572"/>
+              <a:ext cx="6381976" cy="2900938"/>
+            </a:xfrm>
+            <a:prstGeom prst="rect">
+              <a:avLst/>
+            </a:prstGeom>
+          </p:spPr>
+        </p:pic>
+      </p:grpSp>
+      <p:sp>
+        <p:nvSpPr>
+          <p:cNvPr id="6" name="TextBox 5">
+            <a:extLst>
+              <a:ext uri="{FF2B5EF4-FFF2-40B4-BE49-F238E27FC236}">
+                <a16:creationId xmlns:a16="http://schemas.microsoft.com/office/drawing/2014/main" id="{D669050B-4792-4455-1D24-7EE18F97D91A}"/>
+              </a:ext>
+            </a:extLst>
+          </p:cNvPr>
+          <p:cNvSpPr txBox="1"/>
+          <p:nvPr/>
+        </p:nvSpPr>
+        <p:spPr>
+          <a:xfrm>
+            <a:off x="2950534" y="3429000"/>
+            <a:ext cx="2937250" cy="369332"/>
+          </a:xfrm>
+          <a:prstGeom prst="rect">
+            <a:avLst/>
+          </a:prstGeom>
+          <a:noFill/>
+        </p:spPr>
+        <p:txBody>
+          <a:bodyPr wrap="square" rtlCol="1">
+            <a:spAutoFit/>
+          </a:bodyPr>
+          <a:lstStyle/>
+          <a:p>
+            <a:r>
+              <a:rPr lang="he-IL" dirty="0"/>
+              <a:t>רשימת תקלות במערכת </a:t>
+            </a:r>
           </a:p>
         </p:txBody>
       </p:sp>
@@ -22071,6 +22093,36 @@
           <a:xfrm>
             <a:off x="1952609" y="1473444"/>
             <a:ext cx="8286781" cy="4684105"/>
+          </a:xfrm>
+          <a:prstGeom prst="rect">
+            <a:avLst/>
+          </a:prstGeom>
+        </p:spPr>
+      </p:pic>
+      <p:pic>
+        <p:nvPicPr>
+          <p:cNvPr id="4" name="Picture 3">
+            <a:extLst>
+              <a:ext uri="{FF2B5EF4-FFF2-40B4-BE49-F238E27FC236}">
+                <a16:creationId xmlns:a16="http://schemas.microsoft.com/office/drawing/2014/main" id="{31BD3C96-760D-4CB5-B7BF-CB4ED115D782}"/>
+              </a:ext>
+            </a:extLst>
+          </p:cNvPr>
+          <p:cNvPicPr>
+            <a:picLocks noChangeAspect="1"/>
+          </p:cNvPicPr>
+          <p:nvPr/>
+        </p:nvPicPr>
+        <p:blipFill>
+          <a:blip r:embed="rId3"/>
+          <a:stretch>
+            <a:fillRect/>
+          </a:stretch>
+        </p:blipFill>
+        <p:spPr>
+          <a:xfrm>
+            <a:off x="9155532" y="2484636"/>
+            <a:ext cx="771633" cy="743054"/>
           </a:xfrm>
           <a:prstGeom prst="rect">
             <a:avLst/>

--- a/Documents/CDR/MLV Holland.pptx
+++ b/Documents/CDR/MLV Holland.pptx
@@ -262,7 +262,7 @@
           <a:p>
             <a:fld id="{66DC5C97-8EEC-42DC-835C-2603F1A63FB3}" type="datetimeFigureOut">
               <a:rPr lang="en-US" smtClean="0"/>
-              <a:t>5/29/2025</a:t>
+              <a:t>6/3/2025</a:t>
             </a:fld>
             <a:endParaRPr lang="en-US"/>
           </a:p>
@@ -815,7 +815,7 @@
           <a:p>
             <a:fld id="{F3637732-E839-4677-AE33-52269301FCE6}" type="datetime1">
               <a:rPr lang="en-US" smtClean="0"/>
-              <a:t>5/29/2025</a:t>
+              <a:t>6/3/2025</a:t>
             </a:fld>
             <a:endParaRPr lang="en-US" dirty="0"/>
           </a:p>
@@ -1048,7 +1048,7 @@
           <a:p>
             <a:fld id="{32C6224F-B325-49C5-8623-0A0BC8A06EC0}" type="datetime1">
               <a:rPr lang="en-US" smtClean="0"/>
-              <a:t>5/29/2025</a:t>
+              <a:t>6/3/2025</a:t>
             </a:fld>
             <a:endParaRPr lang="en-US" dirty="0"/>
           </a:p>
@@ -1282,7 +1282,7 @@
           <a:p>
             <a:fld id="{972C7937-2F35-4C92-8E0B-09E5F7DF9A99}" type="datetimeFigureOut">
               <a:rPr lang="en-US" smtClean="0"/>
-              <a:t>5/29/2025</a:t>
+              <a:t>6/3/2025</a:t>
             </a:fld>
             <a:endParaRPr lang="en-US"/>
           </a:p>
@@ -1482,7 +1482,7 @@
           <a:p>
             <a:fld id="{972C7937-2F35-4C92-8E0B-09E5F7DF9A99}" type="datetimeFigureOut">
               <a:rPr lang="en-US" smtClean="0"/>
-              <a:t>5/29/2025</a:t>
+              <a:t>6/3/2025</a:t>
             </a:fld>
             <a:endParaRPr lang="en-US"/>
           </a:p>
@@ -1758,7 +1758,7 @@
           <a:p>
             <a:fld id="{972C7937-2F35-4C92-8E0B-09E5F7DF9A99}" type="datetimeFigureOut">
               <a:rPr lang="en-US" smtClean="0"/>
-              <a:t>5/29/2025</a:t>
+              <a:t>6/3/2025</a:t>
             </a:fld>
             <a:endParaRPr lang="en-US"/>
           </a:p>
@@ -2026,7 +2026,7 @@
           <a:p>
             <a:fld id="{972C7937-2F35-4C92-8E0B-09E5F7DF9A99}" type="datetimeFigureOut">
               <a:rPr lang="en-US" smtClean="0"/>
-              <a:t>5/29/2025</a:t>
+              <a:t>6/3/2025</a:t>
             </a:fld>
             <a:endParaRPr lang="en-US"/>
           </a:p>
@@ -2441,7 +2441,7 @@
           <a:p>
             <a:fld id="{972C7937-2F35-4C92-8E0B-09E5F7DF9A99}" type="datetimeFigureOut">
               <a:rPr lang="en-US" smtClean="0"/>
-              <a:t>5/29/2025</a:t>
+              <a:t>6/3/2025</a:t>
             </a:fld>
             <a:endParaRPr lang="en-US"/>
           </a:p>
@@ -2583,7 +2583,7 @@
           <a:p>
             <a:fld id="{972C7937-2F35-4C92-8E0B-09E5F7DF9A99}" type="datetimeFigureOut">
               <a:rPr lang="en-US" smtClean="0"/>
-              <a:t>5/29/2025</a:t>
+              <a:t>6/3/2025</a:t>
             </a:fld>
             <a:endParaRPr lang="en-US"/>
           </a:p>
@@ -2696,7 +2696,7 @@
           <a:p>
             <a:fld id="{972C7937-2F35-4C92-8E0B-09E5F7DF9A99}" type="datetimeFigureOut">
               <a:rPr lang="en-US" smtClean="0"/>
-              <a:t>5/29/2025</a:t>
+              <a:t>6/3/2025</a:t>
             </a:fld>
             <a:endParaRPr lang="en-US"/>
           </a:p>
@@ -3009,7 +3009,7 @@
           <a:p>
             <a:fld id="{972C7937-2F35-4C92-8E0B-09E5F7DF9A99}" type="datetimeFigureOut">
               <a:rPr lang="en-US" smtClean="0"/>
-              <a:t>5/29/2025</a:t>
+              <a:t>6/3/2025</a:t>
             </a:fld>
             <a:endParaRPr lang="en-US"/>
           </a:p>
@@ -3130,7 +3130,7 @@
           <a:p>
             <a:fld id="{6B38E35E-3C02-4793-89CC-B801D0B37B15}" type="datetime1">
               <a:rPr lang="en-US" smtClean="0"/>
-              <a:t>5/29/2025</a:t>
+              <a:t>6/3/2025</a:t>
             </a:fld>
             <a:endParaRPr lang="en-US" dirty="0"/>
           </a:p>
@@ -3629,7 +3629,7 @@
           <a:p>
             <a:fld id="{972C7937-2F35-4C92-8E0B-09E5F7DF9A99}" type="datetimeFigureOut">
               <a:rPr lang="en-US" smtClean="0"/>
-              <a:t>5/29/2025</a:t>
+              <a:t>6/3/2025</a:t>
             </a:fld>
             <a:endParaRPr lang="en-US"/>
           </a:p>
@@ -3829,7 +3829,7 @@
           <a:p>
             <a:fld id="{972C7937-2F35-4C92-8E0B-09E5F7DF9A99}" type="datetimeFigureOut">
               <a:rPr lang="en-US" smtClean="0"/>
-              <a:t>5/29/2025</a:t>
+              <a:t>6/3/2025</a:t>
             </a:fld>
             <a:endParaRPr lang="en-US"/>
           </a:p>
@@ -4039,7 +4039,7 @@
           <a:p>
             <a:fld id="{972C7937-2F35-4C92-8E0B-09E5F7DF9A99}" type="datetimeFigureOut">
               <a:rPr lang="en-US" smtClean="0"/>
-              <a:t>5/29/2025</a:t>
+              <a:t>6/3/2025</a:t>
             </a:fld>
             <a:endParaRPr lang="en-US"/>
           </a:p>
@@ -4302,7 +4302,7 @@
           <a:p>
             <a:fld id="{6B38E35E-3C02-4793-89CC-B801D0B37B15}" type="datetime1">
               <a:rPr lang="en-US" smtClean="0"/>
-              <a:t>5/29/2025</a:t>
+              <a:t>6/3/2025</a:t>
             </a:fld>
             <a:endParaRPr lang="en-US" dirty="0"/>
           </a:p>
@@ -4724,7 +4724,7 @@
           <a:p>
             <a:fld id="{FAC53DC0-2EEA-4C84-97F9-B0C7F6E1DE22}" type="datetime1">
               <a:rPr lang="en-US" smtClean="0"/>
-              <a:t>5/29/2025</a:t>
+              <a:t>6/3/2025</a:t>
             </a:fld>
             <a:endParaRPr lang="en-US" dirty="0"/>
           </a:p>
@@ -5023,7 +5023,7 @@
           <a:p>
             <a:fld id="{42A965D9-3D62-4AA9-BCBC-86BAA89F7FA6}" type="datetime1">
               <a:rPr lang="en-US" smtClean="0"/>
-              <a:t>5/29/2025</a:t>
+              <a:t>6/3/2025</a:t>
             </a:fld>
             <a:endParaRPr lang="en-US" dirty="0"/>
           </a:p>
@@ -5317,7 +5317,7 @@
           <a:p>
             <a:fld id="{388A08FB-0B78-4C3E-8079-2F06E67C3BA1}" type="datetime1">
               <a:rPr lang="en-US" smtClean="0"/>
-              <a:t>5/29/2025</a:t>
+              <a:t>6/3/2025</a:t>
             </a:fld>
             <a:endParaRPr lang="en-US" dirty="0"/>
           </a:p>
@@ -5764,7 +5764,7 @@
           <a:p>
             <a:fld id="{60A0E709-37EB-42D8-BB0E-6EE7E5CD1FB2}" type="datetime1">
               <a:rPr lang="en-US" smtClean="0"/>
-              <a:t>5/29/2025</a:t>
+              <a:t>6/3/2025</a:t>
             </a:fld>
             <a:endParaRPr lang="en-US" dirty="0"/>
           </a:p>
@@ -5926,7 +5926,7 @@
           <a:p>
             <a:fld id="{41A53116-5BC5-44A0-A66F-025100D730E8}" type="datetime1">
               <a:rPr lang="en-US" smtClean="0"/>
-              <a:t>5/29/2025</a:t>
+              <a:t>6/3/2025</a:t>
             </a:fld>
             <a:endParaRPr lang="en-US" dirty="0"/>
           </a:p>
@@ -6154,7 +6154,7 @@
           <a:p>
             <a:fld id="{FAC53DC0-2EEA-4C84-97F9-B0C7F6E1DE22}" type="datetime1">
               <a:rPr lang="en-US" smtClean="0"/>
-              <a:t>5/29/2025</a:t>
+              <a:t>6/3/2025</a:t>
             </a:fld>
             <a:endParaRPr lang="en-US" dirty="0"/>
           </a:p>
@@ -6493,7 +6493,7 @@
           <a:p>
             <a:fld id="{94190ACC-A6FA-42BB-A2E5-2A894BB4F7A2}" type="datetime1">
               <a:rPr lang="en-US" smtClean="0"/>
-              <a:t>5/29/2025</a:t>
+              <a:t>6/3/2025</a:t>
             </a:fld>
             <a:endParaRPr lang="en-US" dirty="0"/>
           </a:p>
@@ -6812,7 +6812,7 @@
           <a:p>
             <a:fld id="{70E832FA-0ADE-4CC3-9C26-A12655C76AFA}" type="datetime1">
               <a:rPr lang="en-US" smtClean="0"/>
-              <a:t>5/29/2025</a:t>
+              <a:t>6/3/2025</a:t>
             </a:fld>
             <a:endParaRPr lang="en-US" dirty="0"/>
           </a:p>
@@ -7040,7 +7040,7 @@
           <a:p>
             <a:fld id="{F3637732-E839-4677-AE33-52269301FCE6}" type="datetime1">
               <a:rPr lang="en-US" smtClean="0"/>
-              <a:t>5/29/2025</a:t>
+              <a:t>6/3/2025</a:t>
             </a:fld>
             <a:endParaRPr lang="en-US" dirty="0"/>
           </a:p>
@@ -7273,7 +7273,7 @@
           <a:p>
             <a:fld id="{32C6224F-B325-49C5-8623-0A0BC8A06EC0}" type="datetime1">
               <a:rPr lang="en-US" smtClean="0"/>
-              <a:t>5/29/2025</a:t>
+              <a:t>6/3/2025</a:t>
             </a:fld>
             <a:endParaRPr lang="en-US" dirty="0"/>
           </a:p>
@@ -7398,7 +7398,7 @@
           <a:p>
             <a:fld id="{972C7937-2F35-4C92-8E0B-09E5F7DF9A99}" type="datetimeFigureOut">
               <a:rPr lang="en-US" smtClean="0"/>
-              <a:t>5/29/2025</a:t>
+              <a:t>6/3/2025</a:t>
             </a:fld>
             <a:endParaRPr lang="en-US"/>
           </a:p>
@@ -7620,7 +7620,7 @@
           <a:p>
             <a:fld id="{972C7937-2F35-4C92-8E0B-09E5F7DF9A99}" type="datetimeFigureOut">
               <a:rPr lang="en-US" smtClean="0"/>
-              <a:t>5/29/2025</a:t>
+              <a:t>6/3/2025</a:t>
             </a:fld>
             <a:endParaRPr lang="en-US"/>
           </a:p>
@@ -7820,7 +7820,7 @@
           <a:p>
             <a:fld id="{972C7937-2F35-4C92-8E0B-09E5F7DF9A99}" type="datetimeFigureOut">
               <a:rPr lang="en-US" smtClean="0"/>
-              <a:t>5/29/2025</a:t>
+              <a:t>6/3/2025</a:t>
             </a:fld>
             <a:endParaRPr lang="en-US"/>
           </a:p>
@@ -8096,7 +8096,7 @@
           <a:p>
             <a:fld id="{972C7937-2F35-4C92-8E0B-09E5F7DF9A99}" type="datetimeFigureOut">
               <a:rPr lang="en-US" smtClean="0"/>
-              <a:t>5/29/2025</a:t>
+              <a:t>6/3/2025</a:t>
             </a:fld>
             <a:endParaRPr lang="en-US"/>
           </a:p>
@@ -8364,7 +8364,7 @@
           <a:p>
             <a:fld id="{972C7937-2F35-4C92-8E0B-09E5F7DF9A99}" type="datetimeFigureOut">
               <a:rPr lang="en-US" smtClean="0"/>
-              <a:t>5/29/2025</a:t>
+              <a:t>6/3/2025</a:t>
             </a:fld>
             <a:endParaRPr lang="en-US"/>
           </a:p>
@@ -8779,7 +8779,7 @@
           <a:p>
             <a:fld id="{972C7937-2F35-4C92-8E0B-09E5F7DF9A99}" type="datetimeFigureOut">
               <a:rPr lang="en-US" smtClean="0"/>
-              <a:t>5/29/2025</a:t>
+              <a:t>6/3/2025</a:t>
             </a:fld>
             <a:endParaRPr lang="en-US"/>
           </a:p>
@@ -9066,7 +9066,7 @@
           <a:p>
             <a:fld id="{42A965D9-3D62-4AA9-BCBC-86BAA89F7FA6}" type="datetime1">
               <a:rPr lang="en-US" smtClean="0"/>
-              <a:t>5/29/2025</a:t>
+              <a:t>6/3/2025</a:t>
             </a:fld>
             <a:endParaRPr lang="en-US" dirty="0"/>
           </a:p>
@@ -9220,7 +9220,7 @@
           <a:p>
             <a:fld id="{972C7937-2F35-4C92-8E0B-09E5F7DF9A99}" type="datetimeFigureOut">
               <a:rPr lang="en-US" smtClean="0"/>
-              <a:t>5/29/2025</a:t>
+              <a:t>6/3/2025</a:t>
             </a:fld>
             <a:endParaRPr lang="en-US"/>
           </a:p>
@@ -9333,7 +9333,7 @@
           <a:p>
             <a:fld id="{972C7937-2F35-4C92-8E0B-09E5F7DF9A99}" type="datetimeFigureOut">
               <a:rPr lang="en-US" smtClean="0"/>
-              <a:t>5/29/2025</a:t>
+              <a:t>6/3/2025</a:t>
             </a:fld>
             <a:endParaRPr lang="en-US"/>
           </a:p>
@@ -9646,7 +9646,7 @@
           <a:p>
             <a:fld id="{972C7937-2F35-4C92-8E0B-09E5F7DF9A99}" type="datetimeFigureOut">
               <a:rPr lang="en-US" smtClean="0"/>
-              <a:t>5/29/2025</a:t>
+              <a:t>6/3/2025</a:t>
             </a:fld>
             <a:endParaRPr lang="en-US"/>
           </a:p>
@@ -9939,7 +9939,7 @@
           <a:p>
             <a:fld id="{972C7937-2F35-4C92-8E0B-09E5F7DF9A99}" type="datetimeFigureOut">
               <a:rPr lang="en-US" smtClean="0"/>
-              <a:t>5/29/2025</a:t>
+              <a:t>6/3/2025</a:t>
             </a:fld>
             <a:endParaRPr lang="en-US"/>
           </a:p>
@@ -10139,7 +10139,7 @@
           <a:p>
             <a:fld id="{972C7937-2F35-4C92-8E0B-09E5F7DF9A99}" type="datetimeFigureOut">
               <a:rPr lang="en-US" smtClean="0"/>
-              <a:t>5/29/2025</a:t>
+              <a:t>6/3/2025</a:t>
             </a:fld>
             <a:endParaRPr lang="en-US"/>
           </a:p>
@@ -10349,7 +10349,7 @@
           <a:p>
             <a:fld id="{972C7937-2F35-4C92-8E0B-09E5F7DF9A99}" type="datetimeFigureOut">
               <a:rPr lang="en-US" smtClean="0"/>
-              <a:t>5/29/2025</a:t>
+              <a:t>6/3/2025</a:t>
             </a:fld>
             <a:endParaRPr lang="en-US"/>
           </a:p>
@@ -10631,7 +10631,7 @@
           <a:p>
             <a:fld id="{388A08FB-0B78-4C3E-8079-2F06E67C3BA1}" type="datetime1">
               <a:rPr lang="en-US" smtClean="0"/>
-              <a:t>5/29/2025</a:t>
+              <a:t>6/3/2025</a:t>
             </a:fld>
             <a:endParaRPr lang="en-US" dirty="0"/>
           </a:p>
@@ -11078,7 +11078,7 @@
           <a:p>
             <a:fld id="{60A0E709-37EB-42D8-BB0E-6EE7E5CD1FB2}" type="datetime1">
               <a:rPr lang="en-US" smtClean="0"/>
-              <a:t>5/29/2025</a:t>
+              <a:t>6/3/2025</a:t>
             </a:fld>
             <a:endParaRPr lang="en-US" dirty="0"/>
           </a:p>
@@ -11240,7 +11240,7 @@
           <a:p>
             <a:fld id="{41A53116-5BC5-44A0-A66F-025100D730E8}" type="datetime1">
               <a:rPr lang="en-US" smtClean="0"/>
-              <a:t>5/29/2025</a:t>
+              <a:t>6/3/2025</a:t>
             </a:fld>
             <a:endParaRPr lang="en-US" dirty="0"/>
           </a:p>
@@ -11579,7 +11579,7 @@
           <a:p>
             <a:fld id="{94190ACC-A6FA-42BB-A2E5-2A894BB4F7A2}" type="datetime1">
               <a:rPr lang="en-US" smtClean="0"/>
-              <a:t>5/29/2025</a:t>
+              <a:t>6/3/2025</a:t>
             </a:fld>
             <a:endParaRPr lang="en-US" dirty="0"/>
           </a:p>
@@ -11898,7 +11898,7 @@
           <a:p>
             <a:fld id="{70E832FA-0ADE-4CC3-9C26-A12655C76AFA}" type="datetime1">
               <a:rPr lang="en-US" smtClean="0"/>
-              <a:t>5/29/2025</a:t>
+              <a:t>6/3/2025</a:t>
             </a:fld>
             <a:endParaRPr lang="en-US" dirty="0"/>
           </a:p>
@@ -12722,7 +12722,7 @@
           <a:p>
             <a:fld id="{972C7937-2F35-4C92-8E0B-09E5F7DF9A99}" type="datetimeFigureOut">
               <a:rPr lang="en-US" smtClean="0"/>
-              <a:t>5/29/2025</a:t>
+              <a:t>6/3/2025</a:t>
             </a:fld>
             <a:endParaRPr lang="en-US"/>
           </a:p>
@@ -13862,7 +13862,7 @@
           <a:p>
             <a:fld id="{972C7937-2F35-4C92-8E0B-09E5F7DF9A99}" type="datetimeFigureOut">
               <a:rPr lang="en-US" smtClean="0"/>
-              <a:t>5/29/2025</a:t>
+              <a:t>6/3/2025</a:t>
             </a:fld>
             <a:endParaRPr lang="en-US"/>
           </a:p>
@@ -14427,7 +14427,7 @@
                   <a:srgbClr val="4285F4"/>
                 </a:solidFill>
               </a:rPr>
-              <a:t>29</a:t>
+              <a:t>4</a:t>
             </a:r>
             <a:r>
               <a:rPr lang="en-US" sz="3000" b="1" dirty="0">
@@ -14437,7 +14437,7 @@
                 <a:latin typeface="Segoe UI" panose="020B0502040204020203" pitchFamily="34" charset="0"/>
                 <a:cs typeface="Segoe UI" panose="020B0502040204020203" pitchFamily="34" charset="0"/>
               </a:rPr>
-              <a:t>-5-2025</a:t>
+              <a:t>-6-2025</a:t>
             </a:r>
             <a:endParaRPr lang="he-IL" sz="3000" b="1" dirty="0">
               <a:solidFill>

--- a/Documents/CDR/MLV Holland.pptx
+++ b/Documents/CDR/MLV Holland.pptx
@@ -31,7 +31,7 @@
     <p:sldId id="500" r:id="rId22"/>
     <p:sldId id="498" r:id="rId23"/>
     <p:sldId id="501" r:id="rId24"/>
-    <p:sldId id="482" r:id="rId25"/>
+    <p:sldId id="504" r:id="rId25"/>
     <p:sldId id="494" r:id="rId26"/>
     <p:sldId id="496" r:id="rId27"/>
   </p:sldIdLst>
@@ -262,7 +262,7 @@
           <a:p>
             <a:fld id="{66DC5C97-8EEC-42DC-835C-2603F1A63FB3}" type="datetimeFigureOut">
               <a:rPr lang="en-US" smtClean="0"/>
-              <a:t>6/3/2025</a:t>
+              <a:t>6/19/2025</a:t>
             </a:fld>
             <a:endParaRPr lang="en-US"/>
           </a:p>
@@ -815,7 +815,7 @@
           <a:p>
             <a:fld id="{F3637732-E839-4677-AE33-52269301FCE6}" type="datetime1">
               <a:rPr lang="en-US" smtClean="0"/>
-              <a:t>6/3/2025</a:t>
+              <a:t>6/19/2025</a:t>
             </a:fld>
             <a:endParaRPr lang="en-US" dirty="0"/>
           </a:p>
@@ -1048,7 +1048,7 @@
           <a:p>
             <a:fld id="{32C6224F-B325-49C5-8623-0A0BC8A06EC0}" type="datetime1">
               <a:rPr lang="en-US" smtClean="0"/>
-              <a:t>6/3/2025</a:t>
+              <a:t>6/19/2025</a:t>
             </a:fld>
             <a:endParaRPr lang="en-US" dirty="0"/>
           </a:p>
@@ -1282,7 +1282,7 @@
           <a:p>
             <a:fld id="{972C7937-2F35-4C92-8E0B-09E5F7DF9A99}" type="datetimeFigureOut">
               <a:rPr lang="en-US" smtClean="0"/>
-              <a:t>6/3/2025</a:t>
+              <a:t>6/19/2025</a:t>
             </a:fld>
             <a:endParaRPr lang="en-US"/>
           </a:p>
@@ -1482,7 +1482,7 @@
           <a:p>
             <a:fld id="{972C7937-2F35-4C92-8E0B-09E5F7DF9A99}" type="datetimeFigureOut">
               <a:rPr lang="en-US" smtClean="0"/>
-              <a:t>6/3/2025</a:t>
+              <a:t>6/19/2025</a:t>
             </a:fld>
             <a:endParaRPr lang="en-US"/>
           </a:p>
@@ -1758,7 +1758,7 @@
           <a:p>
             <a:fld id="{972C7937-2F35-4C92-8E0B-09E5F7DF9A99}" type="datetimeFigureOut">
               <a:rPr lang="en-US" smtClean="0"/>
-              <a:t>6/3/2025</a:t>
+              <a:t>6/19/2025</a:t>
             </a:fld>
             <a:endParaRPr lang="en-US"/>
           </a:p>
@@ -2026,7 +2026,7 @@
           <a:p>
             <a:fld id="{972C7937-2F35-4C92-8E0B-09E5F7DF9A99}" type="datetimeFigureOut">
               <a:rPr lang="en-US" smtClean="0"/>
-              <a:t>6/3/2025</a:t>
+              <a:t>6/19/2025</a:t>
             </a:fld>
             <a:endParaRPr lang="en-US"/>
           </a:p>
@@ -2441,7 +2441,7 @@
           <a:p>
             <a:fld id="{972C7937-2F35-4C92-8E0B-09E5F7DF9A99}" type="datetimeFigureOut">
               <a:rPr lang="en-US" smtClean="0"/>
-              <a:t>6/3/2025</a:t>
+              <a:t>6/19/2025</a:t>
             </a:fld>
             <a:endParaRPr lang="en-US"/>
           </a:p>
@@ -2583,7 +2583,7 @@
           <a:p>
             <a:fld id="{972C7937-2F35-4C92-8E0B-09E5F7DF9A99}" type="datetimeFigureOut">
               <a:rPr lang="en-US" smtClean="0"/>
-              <a:t>6/3/2025</a:t>
+              <a:t>6/19/2025</a:t>
             </a:fld>
             <a:endParaRPr lang="en-US"/>
           </a:p>
@@ -2696,7 +2696,7 @@
           <a:p>
             <a:fld id="{972C7937-2F35-4C92-8E0B-09E5F7DF9A99}" type="datetimeFigureOut">
               <a:rPr lang="en-US" smtClean="0"/>
-              <a:t>6/3/2025</a:t>
+              <a:t>6/19/2025</a:t>
             </a:fld>
             <a:endParaRPr lang="en-US"/>
           </a:p>
@@ -3009,7 +3009,7 @@
           <a:p>
             <a:fld id="{972C7937-2F35-4C92-8E0B-09E5F7DF9A99}" type="datetimeFigureOut">
               <a:rPr lang="en-US" smtClean="0"/>
-              <a:t>6/3/2025</a:t>
+              <a:t>6/19/2025</a:t>
             </a:fld>
             <a:endParaRPr lang="en-US"/>
           </a:p>
@@ -3130,7 +3130,7 @@
           <a:p>
             <a:fld id="{6B38E35E-3C02-4793-89CC-B801D0B37B15}" type="datetime1">
               <a:rPr lang="en-US" smtClean="0"/>
-              <a:t>6/3/2025</a:t>
+              <a:t>6/19/2025</a:t>
             </a:fld>
             <a:endParaRPr lang="en-US" dirty="0"/>
           </a:p>
@@ -3629,7 +3629,7 @@
           <a:p>
             <a:fld id="{972C7937-2F35-4C92-8E0B-09E5F7DF9A99}" type="datetimeFigureOut">
               <a:rPr lang="en-US" smtClean="0"/>
-              <a:t>6/3/2025</a:t>
+              <a:t>6/19/2025</a:t>
             </a:fld>
             <a:endParaRPr lang="en-US"/>
           </a:p>
@@ -3829,7 +3829,7 @@
           <a:p>
             <a:fld id="{972C7937-2F35-4C92-8E0B-09E5F7DF9A99}" type="datetimeFigureOut">
               <a:rPr lang="en-US" smtClean="0"/>
-              <a:t>6/3/2025</a:t>
+              <a:t>6/19/2025</a:t>
             </a:fld>
             <a:endParaRPr lang="en-US"/>
           </a:p>
@@ -4039,7 +4039,7 @@
           <a:p>
             <a:fld id="{972C7937-2F35-4C92-8E0B-09E5F7DF9A99}" type="datetimeFigureOut">
               <a:rPr lang="en-US" smtClean="0"/>
-              <a:t>6/3/2025</a:t>
+              <a:t>6/19/2025</a:t>
             </a:fld>
             <a:endParaRPr lang="en-US"/>
           </a:p>
@@ -4302,7 +4302,7 @@
           <a:p>
             <a:fld id="{6B38E35E-3C02-4793-89CC-B801D0B37B15}" type="datetime1">
               <a:rPr lang="en-US" smtClean="0"/>
-              <a:t>6/3/2025</a:t>
+              <a:t>6/19/2025</a:t>
             </a:fld>
             <a:endParaRPr lang="en-US" dirty="0"/>
           </a:p>
@@ -4724,7 +4724,7 @@
           <a:p>
             <a:fld id="{FAC53DC0-2EEA-4C84-97F9-B0C7F6E1DE22}" type="datetime1">
               <a:rPr lang="en-US" smtClean="0"/>
-              <a:t>6/3/2025</a:t>
+              <a:t>6/19/2025</a:t>
             </a:fld>
             <a:endParaRPr lang="en-US" dirty="0"/>
           </a:p>
@@ -5023,7 +5023,7 @@
           <a:p>
             <a:fld id="{42A965D9-3D62-4AA9-BCBC-86BAA89F7FA6}" type="datetime1">
               <a:rPr lang="en-US" smtClean="0"/>
-              <a:t>6/3/2025</a:t>
+              <a:t>6/19/2025</a:t>
             </a:fld>
             <a:endParaRPr lang="en-US" dirty="0"/>
           </a:p>
@@ -5317,7 +5317,7 @@
           <a:p>
             <a:fld id="{388A08FB-0B78-4C3E-8079-2F06E67C3BA1}" type="datetime1">
               <a:rPr lang="en-US" smtClean="0"/>
-              <a:t>6/3/2025</a:t>
+              <a:t>6/19/2025</a:t>
             </a:fld>
             <a:endParaRPr lang="en-US" dirty="0"/>
           </a:p>
@@ -5764,7 +5764,7 @@
           <a:p>
             <a:fld id="{60A0E709-37EB-42D8-BB0E-6EE7E5CD1FB2}" type="datetime1">
               <a:rPr lang="en-US" smtClean="0"/>
-              <a:t>6/3/2025</a:t>
+              <a:t>6/19/2025</a:t>
             </a:fld>
             <a:endParaRPr lang="en-US" dirty="0"/>
           </a:p>
@@ -5926,7 +5926,7 @@
           <a:p>
             <a:fld id="{41A53116-5BC5-44A0-A66F-025100D730E8}" type="datetime1">
               <a:rPr lang="en-US" smtClean="0"/>
-              <a:t>6/3/2025</a:t>
+              <a:t>6/19/2025</a:t>
             </a:fld>
             <a:endParaRPr lang="en-US" dirty="0"/>
           </a:p>
@@ -6154,7 +6154,7 @@
           <a:p>
             <a:fld id="{FAC53DC0-2EEA-4C84-97F9-B0C7F6E1DE22}" type="datetime1">
               <a:rPr lang="en-US" smtClean="0"/>
-              <a:t>6/3/2025</a:t>
+              <a:t>6/19/2025</a:t>
             </a:fld>
             <a:endParaRPr lang="en-US" dirty="0"/>
           </a:p>
@@ -6493,7 +6493,7 @@
           <a:p>
             <a:fld id="{94190ACC-A6FA-42BB-A2E5-2A894BB4F7A2}" type="datetime1">
               <a:rPr lang="en-US" smtClean="0"/>
-              <a:t>6/3/2025</a:t>
+              <a:t>6/19/2025</a:t>
             </a:fld>
             <a:endParaRPr lang="en-US" dirty="0"/>
           </a:p>
@@ -6812,7 +6812,7 @@
           <a:p>
             <a:fld id="{70E832FA-0ADE-4CC3-9C26-A12655C76AFA}" type="datetime1">
               <a:rPr lang="en-US" smtClean="0"/>
-              <a:t>6/3/2025</a:t>
+              <a:t>6/19/2025</a:t>
             </a:fld>
             <a:endParaRPr lang="en-US" dirty="0"/>
           </a:p>
@@ -7040,7 +7040,7 @@
           <a:p>
             <a:fld id="{F3637732-E839-4677-AE33-52269301FCE6}" type="datetime1">
               <a:rPr lang="en-US" smtClean="0"/>
-              <a:t>6/3/2025</a:t>
+              <a:t>6/19/2025</a:t>
             </a:fld>
             <a:endParaRPr lang="en-US" dirty="0"/>
           </a:p>
@@ -7273,7 +7273,7 @@
           <a:p>
             <a:fld id="{32C6224F-B325-49C5-8623-0A0BC8A06EC0}" type="datetime1">
               <a:rPr lang="en-US" smtClean="0"/>
-              <a:t>6/3/2025</a:t>
+              <a:t>6/19/2025</a:t>
             </a:fld>
             <a:endParaRPr lang="en-US" dirty="0"/>
           </a:p>
@@ -7398,7 +7398,7 @@
           <a:p>
             <a:fld id="{972C7937-2F35-4C92-8E0B-09E5F7DF9A99}" type="datetimeFigureOut">
               <a:rPr lang="en-US" smtClean="0"/>
-              <a:t>6/3/2025</a:t>
+              <a:t>6/19/2025</a:t>
             </a:fld>
             <a:endParaRPr lang="en-US"/>
           </a:p>
@@ -7620,7 +7620,7 @@
           <a:p>
             <a:fld id="{972C7937-2F35-4C92-8E0B-09E5F7DF9A99}" type="datetimeFigureOut">
               <a:rPr lang="en-US" smtClean="0"/>
-              <a:t>6/3/2025</a:t>
+              <a:t>6/19/2025</a:t>
             </a:fld>
             <a:endParaRPr lang="en-US"/>
           </a:p>
@@ -7820,7 +7820,7 @@
           <a:p>
             <a:fld id="{972C7937-2F35-4C92-8E0B-09E5F7DF9A99}" type="datetimeFigureOut">
               <a:rPr lang="en-US" smtClean="0"/>
-              <a:t>6/3/2025</a:t>
+              <a:t>6/19/2025</a:t>
             </a:fld>
             <a:endParaRPr lang="en-US"/>
           </a:p>
@@ -8096,7 +8096,7 @@
           <a:p>
             <a:fld id="{972C7937-2F35-4C92-8E0B-09E5F7DF9A99}" type="datetimeFigureOut">
               <a:rPr lang="en-US" smtClean="0"/>
-              <a:t>6/3/2025</a:t>
+              <a:t>6/19/2025</a:t>
             </a:fld>
             <a:endParaRPr lang="en-US"/>
           </a:p>
@@ -8364,7 +8364,7 @@
           <a:p>
             <a:fld id="{972C7937-2F35-4C92-8E0B-09E5F7DF9A99}" type="datetimeFigureOut">
               <a:rPr lang="en-US" smtClean="0"/>
-              <a:t>6/3/2025</a:t>
+              <a:t>6/19/2025</a:t>
             </a:fld>
             <a:endParaRPr lang="en-US"/>
           </a:p>
@@ -8779,7 +8779,7 @@
           <a:p>
             <a:fld id="{972C7937-2F35-4C92-8E0B-09E5F7DF9A99}" type="datetimeFigureOut">
               <a:rPr lang="en-US" smtClean="0"/>
-              <a:t>6/3/2025</a:t>
+              <a:t>6/19/2025</a:t>
             </a:fld>
             <a:endParaRPr lang="en-US"/>
           </a:p>
@@ -9066,7 +9066,7 @@
           <a:p>
             <a:fld id="{42A965D9-3D62-4AA9-BCBC-86BAA89F7FA6}" type="datetime1">
               <a:rPr lang="en-US" smtClean="0"/>
-              <a:t>6/3/2025</a:t>
+              <a:t>6/19/2025</a:t>
             </a:fld>
             <a:endParaRPr lang="en-US" dirty="0"/>
           </a:p>
@@ -9220,7 +9220,7 @@
           <a:p>
             <a:fld id="{972C7937-2F35-4C92-8E0B-09E5F7DF9A99}" type="datetimeFigureOut">
               <a:rPr lang="en-US" smtClean="0"/>
-              <a:t>6/3/2025</a:t>
+              <a:t>6/19/2025</a:t>
             </a:fld>
             <a:endParaRPr lang="en-US"/>
           </a:p>
@@ -9333,7 +9333,7 @@
           <a:p>
             <a:fld id="{972C7937-2F35-4C92-8E0B-09E5F7DF9A99}" type="datetimeFigureOut">
               <a:rPr lang="en-US" smtClean="0"/>
-              <a:t>6/3/2025</a:t>
+              <a:t>6/19/2025</a:t>
             </a:fld>
             <a:endParaRPr lang="en-US"/>
           </a:p>
@@ -9646,7 +9646,7 @@
           <a:p>
             <a:fld id="{972C7937-2F35-4C92-8E0B-09E5F7DF9A99}" type="datetimeFigureOut">
               <a:rPr lang="en-US" smtClean="0"/>
-              <a:t>6/3/2025</a:t>
+              <a:t>6/19/2025</a:t>
             </a:fld>
             <a:endParaRPr lang="en-US"/>
           </a:p>
@@ -9939,7 +9939,7 @@
           <a:p>
             <a:fld id="{972C7937-2F35-4C92-8E0B-09E5F7DF9A99}" type="datetimeFigureOut">
               <a:rPr lang="en-US" smtClean="0"/>
-              <a:t>6/3/2025</a:t>
+              <a:t>6/19/2025</a:t>
             </a:fld>
             <a:endParaRPr lang="en-US"/>
           </a:p>
@@ -10139,7 +10139,7 @@
           <a:p>
             <a:fld id="{972C7937-2F35-4C92-8E0B-09E5F7DF9A99}" type="datetimeFigureOut">
               <a:rPr lang="en-US" smtClean="0"/>
-              <a:t>6/3/2025</a:t>
+              <a:t>6/19/2025</a:t>
             </a:fld>
             <a:endParaRPr lang="en-US"/>
           </a:p>
@@ -10349,7 +10349,7 @@
           <a:p>
             <a:fld id="{972C7937-2F35-4C92-8E0B-09E5F7DF9A99}" type="datetimeFigureOut">
               <a:rPr lang="en-US" smtClean="0"/>
-              <a:t>6/3/2025</a:t>
+              <a:t>6/19/2025</a:t>
             </a:fld>
             <a:endParaRPr lang="en-US"/>
           </a:p>
@@ -10631,7 +10631,7 @@
           <a:p>
             <a:fld id="{388A08FB-0B78-4C3E-8079-2F06E67C3BA1}" type="datetime1">
               <a:rPr lang="en-US" smtClean="0"/>
-              <a:t>6/3/2025</a:t>
+              <a:t>6/19/2025</a:t>
             </a:fld>
             <a:endParaRPr lang="en-US" dirty="0"/>
           </a:p>
@@ -11078,7 +11078,7 @@
           <a:p>
             <a:fld id="{60A0E709-37EB-42D8-BB0E-6EE7E5CD1FB2}" type="datetime1">
               <a:rPr lang="en-US" smtClean="0"/>
-              <a:t>6/3/2025</a:t>
+              <a:t>6/19/2025</a:t>
             </a:fld>
             <a:endParaRPr lang="en-US" dirty="0"/>
           </a:p>
@@ -11240,7 +11240,7 @@
           <a:p>
             <a:fld id="{41A53116-5BC5-44A0-A66F-025100D730E8}" type="datetime1">
               <a:rPr lang="en-US" smtClean="0"/>
-              <a:t>6/3/2025</a:t>
+              <a:t>6/19/2025</a:t>
             </a:fld>
             <a:endParaRPr lang="en-US" dirty="0"/>
           </a:p>
@@ -11579,7 +11579,7 @@
           <a:p>
             <a:fld id="{94190ACC-A6FA-42BB-A2E5-2A894BB4F7A2}" type="datetime1">
               <a:rPr lang="en-US" smtClean="0"/>
-              <a:t>6/3/2025</a:t>
+              <a:t>6/19/2025</a:t>
             </a:fld>
             <a:endParaRPr lang="en-US" dirty="0"/>
           </a:p>
@@ -11898,7 +11898,7 @@
           <a:p>
             <a:fld id="{70E832FA-0ADE-4CC3-9C26-A12655C76AFA}" type="datetime1">
               <a:rPr lang="en-US" smtClean="0"/>
-              <a:t>6/3/2025</a:t>
+              <a:t>6/19/2025</a:t>
             </a:fld>
             <a:endParaRPr lang="en-US" dirty="0"/>
           </a:p>
@@ -12722,7 +12722,7 @@
           <a:p>
             <a:fld id="{972C7937-2F35-4C92-8E0B-09E5F7DF9A99}" type="datetimeFigureOut">
               <a:rPr lang="en-US" smtClean="0"/>
-              <a:t>6/3/2025</a:t>
+              <a:t>6/19/2025</a:t>
             </a:fld>
             <a:endParaRPr lang="en-US"/>
           </a:p>
@@ -13862,7 +13862,7 @@
           <a:p>
             <a:fld id="{972C7937-2F35-4C92-8E0B-09E5F7DF9A99}" type="datetimeFigureOut">
               <a:rPr lang="en-US" smtClean="0"/>
-              <a:t>6/3/2025</a:t>
+              <a:t>6/19/2025</a:t>
             </a:fld>
             <a:endParaRPr lang="en-US"/>
           </a:p>
@@ -14844,82 +14844,6 @@
           </a:p>
         </p:txBody>
       </p:sp>
-      <p:cxnSp>
-        <p:nvCxnSpPr>
-          <p:cNvPr id="6" name="Straight Arrow Connector 5">
-            <a:extLst>
-              <a:ext uri="{FF2B5EF4-FFF2-40B4-BE49-F238E27FC236}">
-                <a16:creationId xmlns:a16="http://schemas.microsoft.com/office/drawing/2014/main" id="{717D6B3D-9ADF-619F-9680-4F8A9C935F6E}"/>
-              </a:ext>
-            </a:extLst>
-          </p:cNvPr>
-          <p:cNvCxnSpPr>
-            <a:cxnSpLocks/>
-          </p:cNvCxnSpPr>
-          <p:nvPr/>
-        </p:nvCxnSpPr>
-        <p:spPr>
-          <a:xfrm flipH="1">
-            <a:off x="2668264" y="6432153"/>
-            <a:ext cx="631596" cy="0"/>
-          </a:xfrm>
-          <a:prstGeom prst="straightConnector1">
-            <a:avLst/>
-          </a:prstGeom>
-          <a:ln>
-            <a:tailEnd type="triangle"/>
-          </a:ln>
-        </p:spPr>
-        <p:style>
-          <a:lnRef idx="1">
-            <a:schemeClr val="accent1"/>
-          </a:lnRef>
-          <a:fillRef idx="0">
-            <a:schemeClr val="accent1"/>
-          </a:fillRef>
-          <a:effectRef idx="0">
-            <a:schemeClr val="accent1"/>
-          </a:effectRef>
-          <a:fontRef idx="minor">
-            <a:schemeClr val="tx1"/>
-          </a:fontRef>
-        </p:style>
-      </p:cxnSp>
-      <p:sp>
-        <p:nvSpPr>
-          <p:cNvPr id="9" name="TextBox 8">
-            <a:extLst>
-              <a:ext uri="{FF2B5EF4-FFF2-40B4-BE49-F238E27FC236}">
-                <a16:creationId xmlns:a16="http://schemas.microsoft.com/office/drawing/2014/main" id="{AA426E6F-A632-13BA-7A6C-F3ECFC66389B}"/>
-              </a:ext>
-            </a:extLst>
-          </p:cNvPr>
-          <p:cNvSpPr txBox="1"/>
-          <p:nvPr/>
-        </p:nvSpPr>
-        <p:spPr>
-          <a:xfrm>
-            <a:off x="6719515" y="6274692"/>
-            <a:ext cx="2303647" cy="369332"/>
-          </a:xfrm>
-          <a:prstGeom prst="rect">
-            <a:avLst/>
-          </a:prstGeom>
-          <a:noFill/>
-        </p:spPr>
-        <p:txBody>
-          <a:bodyPr wrap="square" rtlCol="1">
-            <a:spAutoFit/>
-          </a:bodyPr>
-          <a:lstStyle/>
-          <a:p>
-            <a:r>
-              <a:rPr lang="he-IL" dirty="0"/>
-              <a:t>בקשה לקריאת גרסאות</a:t>
-            </a:r>
-          </a:p>
-        </p:txBody>
-      </p:sp>
       <p:pic>
         <p:nvPicPr>
           <p:cNvPr id="7" name="Picture 6">
@@ -15072,6 +14996,82 @@
           </a:fontRef>
         </p:style>
       </p:cxnSp>
+      <p:cxnSp>
+        <p:nvCxnSpPr>
+          <p:cNvPr id="6" name="Straight Arrow Connector 5">
+            <a:extLst>
+              <a:ext uri="{FF2B5EF4-FFF2-40B4-BE49-F238E27FC236}">
+                <a16:creationId xmlns:a16="http://schemas.microsoft.com/office/drawing/2014/main" id="{717D6B3D-9ADF-619F-9680-4F8A9C935F6E}"/>
+              </a:ext>
+            </a:extLst>
+          </p:cNvPr>
+          <p:cNvCxnSpPr>
+            <a:cxnSpLocks/>
+          </p:cNvCxnSpPr>
+          <p:nvPr/>
+        </p:nvCxnSpPr>
+        <p:spPr>
+          <a:xfrm flipH="1">
+            <a:off x="2649014" y="5656183"/>
+            <a:ext cx="631596" cy="0"/>
+          </a:xfrm>
+          <a:prstGeom prst="straightConnector1">
+            <a:avLst/>
+          </a:prstGeom>
+          <a:ln>
+            <a:tailEnd type="triangle"/>
+          </a:ln>
+        </p:spPr>
+        <p:style>
+          <a:lnRef idx="1">
+            <a:schemeClr val="accent1"/>
+          </a:lnRef>
+          <a:fillRef idx="0">
+            <a:schemeClr val="accent1"/>
+          </a:fillRef>
+          <a:effectRef idx="0">
+            <a:schemeClr val="accent1"/>
+          </a:effectRef>
+          <a:fontRef idx="minor">
+            <a:schemeClr val="tx1"/>
+          </a:fontRef>
+        </p:style>
+      </p:cxnSp>
+      <p:sp>
+        <p:nvSpPr>
+          <p:cNvPr id="9" name="TextBox 8">
+            <a:extLst>
+              <a:ext uri="{FF2B5EF4-FFF2-40B4-BE49-F238E27FC236}">
+                <a16:creationId xmlns:a16="http://schemas.microsoft.com/office/drawing/2014/main" id="{AA426E6F-A632-13BA-7A6C-F3ECFC66389B}"/>
+              </a:ext>
+            </a:extLst>
+          </p:cNvPr>
+          <p:cNvSpPr txBox="1"/>
+          <p:nvPr/>
+        </p:nvSpPr>
+        <p:spPr>
+          <a:xfrm>
+            <a:off x="3320151" y="5469656"/>
+            <a:ext cx="2303647" cy="369332"/>
+          </a:xfrm>
+          <a:prstGeom prst="rect">
+            <a:avLst/>
+          </a:prstGeom>
+          <a:noFill/>
+        </p:spPr>
+        <p:txBody>
+          <a:bodyPr wrap="square" rtlCol="1">
+            <a:spAutoFit/>
+          </a:bodyPr>
+          <a:lstStyle/>
+          <a:p>
+            <a:r>
+              <a:rPr lang="he-IL" dirty="0"/>
+              <a:t>בקשה לקריאת גרסאות</a:t>
+            </a:r>
+          </a:p>
+        </p:txBody>
+      </p:sp>
     </p:spTree>
     <p:extLst>
       <p:ext uri="{BB962C8B-B14F-4D97-AF65-F5344CB8AC3E}">
@@ -15609,7 +15609,7 @@
             </a:r>
             <a:r>
               <a:rPr lang="he-IL" dirty="0"/>
-              <a:t>המערכת מבצעת אתחול</a:t>
+              <a:t>המערכת מבצעת אתחול.</a:t>
             </a:r>
           </a:p>
           <a:p>
@@ -15630,7 +15630,15 @@
             </a:r>
             <a:r>
               <a:rPr lang="he-IL" dirty="0"/>
-              <a:t> לא מאופשרת עד שתיבת הסימון לא סומנה על ידי המשתמש</a:t>
+              <a:t> לא מאופשרת עד שתיבת הסימון </a:t>
+            </a:r>
+            <a:r>
+              <a:rPr lang="en-US" dirty="0"/>
+              <a:t>‘Enable’</a:t>
+            </a:r>
+            <a:r>
+              <a:rPr lang="he-IL" dirty="0"/>
+              <a:t> לא סומנה על ידי המשתמש.</a:t>
             </a:r>
           </a:p>
         </p:txBody>
@@ -15780,50 +15788,6 @@
           </a:prstGeom>
         </p:spPr>
       </p:pic>
-      <p:sp>
-        <p:nvSpPr>
-          <p:cNvPr id="7" name="TextBox 6">
-            <a:extLst>
-              <a:ext uri="{FF2B5EF4-FFF2-40B4-BE49-F238E27FC236}">
-                <a16:creationId xmlns:a16="http://schemas.microsoft.com/office/drawing/2014/main" id="{8C4B8006-7F6B-C8D6-201C-E7AD8F303555}"/>
-              </a:ext>
-            </a:extLst>
-          </p:cNvPr>
-          <p:cNvSpPr txBox="1"/>
-          <p:nvPr/>
-        </p:nvSpPr>
-        <p:spPr>
-          <a:xfrm>
-            <a:off x="7671335" y="1798497"/>
-            <a:ext cx="4348188" cy="369332"/>
-          </a:xfrm>
-          <a:prstGeom prst="rect">
-            <a:avLst/>
-          </a:prstGeom>
-          <a:noFill/>
-        </p:spPr>
-        <p:txBody>
-          <a:bodyPr wrap="square">
-            <a:spAutoFit/>
-          </a:bodyPr>
-          <a:lstStyle/>
-          <a:p>
-            <a:pPr marL="285750" indent="-285750">
-              <a:buFont typeface="Arial" panose="020B0604020202020204" pitchFamily="34" charset="0"/>
-              <a:buChar char="•"/>
-            </a:pPr>
-            <a:r>
-              <a:rPr lang="he-IL" dirty="0"/>
-              <a:t>חסרה פקודה לקריאת </a:t>
-            </a:r>
-            <a:r>
-              <a:rPr lang="en-US" dirty="0"/>
-              <a:t> Current JC Selection</a:t>
-            </a:r>
-            <a:endParaRPr lang="he-IL" dirty="0"/>
-          </a:p>
-        </p:txBody>
-      </p:sp>
     </p:spTree>
     <p:extLst>
       <p:ext uri="{BB962C8B-B14F-4D97-AF65-F5344CB8AC3E}">
@@ -17052,7 +17016,15 @@
             </a:pPr>
             <a:r>
               <a:rPr lang="he-IL" dirty="0"/>
-              <a:t>האפליקציה מאפשרת לטעון טכניקה מתיקייה ייעודית במחשב וכוללת את היכולות הבאות:</a:t>
+              <a:t>האפליקציה מאפשרת לטעון טכניקה מתיקייה </a:t>
+            </a:r>
+            <a:r>
+              <a:rPr lang="he-IL" b="1" dirty="0"/>
+              <a:t>ייעודית</a:t>
+            </a:r>
+            <a:r>
+              <a:rPr lang="he-IL" dirty="0"/>
+              <a:t> במחשב וכוללת את היכולות הבאות:</a:t>
             </a:r>
           </a:p>
         </p:txBody>
@@ -17210,7 +17182,7 @@
             </a:pPr>
             <a:r>
               <a:rPr lang="he-IL" altLang="en-US" sz="3000" dirty="0"/>
-              <a:t>	  תפותח על בסיס תוכנת למחשב טכנאי נובה חד צריחי</a:t>
+              <a:t>	  תפותח על בסיס תוכנת מחשב טכנאי נובה חד צריחי</a:t>
             </a:r>
             <a:endParaRPr lang="en-US" altLang="en-US" sz="3000" dirty="0"/>
           </a:p>
@@ -17559,7 +17531,7 @@
         <p:cNvPr id="1" name="">
           <a:extLst>
             <a:ext uri="{FF2B5EF4-FFF2-40B4-BE49-F238E27FC236}">
-              <a16:creationId xmlns:a16="http://schemas.microsoft.com/office/drawing/2014/main" id="{ACFFC1A4-C352-22F5-C9E2-1BDDEF16E722}"/>
+              <a16:creationId xmlns:a16="http://schemas.microsoft.com/office/drawing/2014/main" id="{6DA3E2CC-D098-C4CB-ABF6-70DD9DDF6C29}"/>
             </a:ext>
           </a:extLst>
         </p:cNvPr>
@@ -17576,252 +17548,112 @@
       </p:grpSpPr>
       <p:sp>
         <p:nvSpPr>
-          <p:cNvPr id="2" name="כותרת 1">
-            <a:extLst>
-              <a:ext uri="{FF2B5EF4-FFF2-40B4-BE49-F238E27FC236}">
-                <a16:creationId xmlns:a16="http://schemas.microsoft.com/office/drawing/2014/main" id="{B28FF381-E3F3-BCFF-0D13-C747C5FAE8D6}"/>
-              </a:ext>
-            </a:extLst>
-          </p:cNvPr>
-          <p:cNvSpPr>
-            <a:spLocks noGrp="1"/>
-          </p:cNvSpPr>
-          <p:nvPr>
-            <p:ph type="title"/>
-          </p:nvPr>
-        </p:nvSpPr>
-        <p:spPr/>
-        <p:txBody>
-          <a:bodyPr/>
-          <a:lstStyle/>
-          <a:p>
-            <a:pPr marL="1143000" lvl="1" indent="-457200" algn="ctr" rtl="1">
-              <a:lnSpc>
-                <a:spcPct val="150000"/>
-              </a:lnSpc>
-            </a:pPr>
-            <a:r>
-              <a:rPr lang="he-IL" altLang="en-US" sz="4400">
-                <a:solidFill>
-                  <a:schemeClr val="bg1"/>
-                </a:solidFill>
-              </a:rPr>
-              <a:t>ניהול רישיונות</a:t>
-            </a:r>
-            <a:endParaRPr lang="en-US" altLang="en-US" sz="4400" dirty="0">
-              <a:solidFill>
-                <a:schemeClr val="bg1"/>
-              </a:solidFill>
-            </a:endParaRPr>
-          </a:p>
-        </p:txBody>
-      </p:sp>
-      <p:sp>
-        <p:nvSpPr>
-          <p:cNvPr id="3" name="מציין מיקום של כותרת תחתונה 2">
-            <a:extLst>
-              <a:ext uri="{FF2B5EF4-FFF2-40B4-BE49-F238E27FC236}">
-                <a16:creationId xmlns:a16="http://schemas.microsoft.com/office/drawing/2014/main" id="{044831ED-7D12-5D76-BBAD-673C8CE67C30}"/>
-              </a:ext>
-            </a:extLst>
-          </p:cNvPr>
-          <p:cNvSpPr>
-            <a:spLocks noGrp="1"/>
-          </p:cNvSpPr>
-          <p:nvPr>
-            <p:ph type="ftr" sz="quarter" idx="10"/>
-          </p:nvPr>
-        </p:nvSpPr>
-        <p:spPr/>
-        <p:txBody>
-          <a:bodyPr/>
-          <a:lstStyle/>
-          <a:p>
-            <a:r>
-              <a:rPr lang="he-IL"/>
-              <a:t>אוריון פתרונות תוכנה בע"מ</a:t>
-            </a:r>
-            <a:endParaRPr lang="en-US" dirty="0"/>
-          </a:p>
-        </p:txBody>
-      </p:sp>
-      <p:sp>
-        <p:nvSpPr>
-          <p:cNvPr id="4" name="TextBox 3">
-            <a:extLst>
-              <a:ext uri="{FF2B5EF4-FFF2-40B4-BE49-F238E27FC236}">
-                <a16:creationId xmlns:a16="http://schemas.microsoft.com/office/drawing/2014/main" id="{162421DF-2665-A6C9-20B8-0714AB0BECF1}"/>
-              </a:ext>
-            </a:extLst>
-          </p:cNvPr>
-          <p:cNvSpPr txBox="1"/>
-          <p:nvPr/>
+          <p:cNvPr id="2" name="מציין מיקום של כותרת תחתונה 3">
+            <a:extLst>
+              <a:ext uri="{FF2B5EF4-FFF2-40B4-BE49-F238E27FC236}">
+                <a16:creationId xmlns:a16="http://schemas.microsoft.com/office/drawing/2014/main" id="{3799861E-C853-6BD2-EF75-A198C4D311EF}"/>
+              </a:ext>
+            </a:extLst>
+          </p:cNvPr>
+          <p:cNvSpPr>
+            <a:spLocks noGrp="1"/>
+          </p:cNvSpPr>
+          <p:nvPr>
+            <p:ph type="ftr" sz="quarter" idx="11"/>
+          </p:nvPr>
         </p:nvSpPr>
         <p:spPr>
           <a:xfrm>
-            <a:off x="2916455" y="1724266"/>
-            <a:ext cx="8996429" cy="3780522"/>
+            <a:off x="4038600" y="6356350"/>
+            <a:ext cx="4114800" cy="365125"/>
+          </a:xfrm>
+        </p:spPr>
+        <p:txBody>
+          <a:bodyPr/>
+          <a:lstStyle/>
+          <a:p>
+            <a:r>
+              <a:rPr lang="he-IL" dirty="0"/>
+              <a:t>אוריון פתרונות תוכנה בע"מ</a:t>
+            </a:r>
+            <a:endParaRPr lang="en-US" dirty="0"/>
+          </a:p>
+        </p:txBody>
+      </p:sp>
+      <p:sp>
+        <p:nvSpPr>
+          <p:cNvPr id="3" name="מלבן 2">
+            <a:extLst>
+              <a:ext uri="{FF2B5EF4-FFF2-40B4-BE49-F238E27FC236}">
+                <a16:creationId xmlns:a16="http://schemas.microsoft.com/office/drawing/2014/main" id="{DE57C5C2-E6FF-DDA2-6243-B9088A25C5AC}"/>
+              </a:ext>
+            </a:extLst>
+          </p:cNvPr>
+          <p:cNvSpPr/>
+          <p:nvPr/>
+        </p:nvSpPr>
+        <p:spPr>
+          <a:xfrm>
+            <a:off x="768220" y="1268120"/>
+            <a:ext cx="10655559" cy="4321759"/>
           </a:xfrm>
           <a:prstGeom prst="rect">
             <a:avLst/>
           </a:prstGeom>
           <a:noFill/>
+          <a:ln>
+            <a:noFill/>
+          </a:ln>
         </p:spPr>
-        <p:txBody>
-          <a:bodyPr wrap="square">
-            <a:spAutoFit/>
-          </a:bodyPr>
-          <a:lstStyle/>
-          <a:p>
-            <a:pPr marL="1143000" lvl="1" indent="-457200">
+        <p:style>
+          <a:lnRef idx="2">
+            <a:schemeClr val="accent1">
+              <a:shade val="50000"/>
+            </a:schemeClr>
+          </a:lnRef>
+          <a:fillRef idx="1">
+            <a:schemeClr val="accent1"/>
+          </a:fillRef>
+          <a:effectRef idx="0">
+            <a:schemeClr val="accent1"/>
+          </a:effectRef>
+          <a:fontRef idx="minor">
+            <a:schemeClr val="lt1"/>
+          </a:fontRef>
+        </p:style>
+        <p:txBody>
+          <a:bodyPr rtlCol="0" anchor="ctr"/>
+          <a:lstStyle/>
+          <a:p>
+            <a:pPr algn="ctr">
               <a:lnSpc>
                 <a:spcPct val="150000"/>
               </a:lnSpc>
-              <a:buFont typeface="+mj-lt"/>
-              <a:buAutoNum type="arabicPeriod"/>
+              <a:buClr>
+                <a:srgbClr val="00B0F0"/>
+              </a:buClr>
+              <a:buSzPct val="100000"/>
+              <a:defRPr/>
             </a:pPr>
             <a:r>
-              <a:rPr lang="he-IL" altLang="en-US" dirty="0"/>
-              <a:t>בעת עליית המערכת, נקרא מזהה של מספר רכיבי חומרה במחשב</a:t>
-            </a:r>
-          </a:p>
-          <a:p>
-            <a:pPr marL="1143000" lvl="1" indent="-457200">
-              <a:lnSpc>
-                <a:spcPct val="150000"/>
-              </a:lnSpc>
-              <a:buFont typeface="+mj-lt"/>
-              <a:buAutoNum type="arabicPeriod"/>
-            </a:pPr>
-            <a:r>
-              <a:rPr lang="he-IL" altLang="en-US" dirty="0"/>
-              <a:t>תוצג למשתמש הודעה שכוללת</a:t>
-            </a:r>
-          </a:p>
-          <a:p>
-            <a:pPr marL="1250950" lvl="1" indent="269875">
-              <a:lnSpc>
-                <a:spcPct val="150000"/>
-              </a:lnSpc>
-              <a:buFont typeface="Arial" panose="020B0604020202020204" pitchFamily="34" charset="0"/>
-              <a:buChar char="•"/>
-              <a:tabLst>
-                <a:tab pos="1617663" algn="l"/>
-              </a:tabLst>
-            </a:pPr>
-            <a:r>
-              <a:rPr lang="he-IL" altLang="en-US" dirty="0"/>
-              <a:t>	מזהה ייחודי על בסיס המזהה שנקרא בסעיף 1</a:t>
-            </a:r>
-          </a:p>
-          <a:p>
-            <a:pPr marL="1250950" lvl="1" indent="269875">
-              <a:lnSpc>
-                <a:spcPct val="150000"/>
-              </a:lnSpc>
-              <a:buFont typeface="Arial" panose="020B0604020202020204" pitchFamily="34" charset="0"/>
-              <a:buChar char="•"/>
-              <a:tabLst>
-                <a:tab pos="1617663" algn="l"/>
-              </a:tabLst>
-            </a:pPr>
-            <a:r>
-              <a:rPr lang="he-IL" altLang="en-US" dirty="0"/>
-              <a:t>שדה להזנת רישיון</a:t>
-            </a:r>
-          </a:p>
-          <a:p>
-            <a:pPr marL="1065212" lvl="1" indent="-342900">
-              <a:lnSpc>
-                <a:spcPct val="150000"/>
-              </a:lnSpc>
-              <a:buAutoNum type="arabicPeriod" startAt="3"/>
-              <a:tabLst>
-                <a:tab pos="1617663" algn="l"/>
-              </a:tabLst>
-            </a:pPr>
-            <a:r>
-              <a:rPr lang="he-IL" altLang="en-US" dirty="0"/>
-              <a:t>הלקוח ישלח את המזהה שקיבל בסעיף 2 </a:t>
-            </a:r>
-            <a:r>
-              <a:rPr lang="he-IL" altLang="en-US" dirty="0" err="1"/>
-              <a:t>לאלאופ</a:t>
-            </a:r>
-            <a:endParaRPr lang="he-IL" altLang="en-US" dirty="0"/>
-          </a:p>
-          <a:p>
-            <a:pPr marL="1065212" lvl="1" indent="-342900">
-              <a:lnSpc>
-                <a:spcPct val="150000"/>
-              </a:lnSpc>
-              <a:buAutoNum type="arabicPeriod" startAt="3"/>
-              <a:tabLst>
-                <a:tab pos="1617663" algn="l"/>
-              </a:tabLst>
-            </a:pPr>
-            <a:r>
-              <a:rPr lang="he-IL" altLang="en-US" dirty="0" err="1"/>
-              <a:t>אלאופ</a:t>
-            </a:r>
-            <a:r>
-              <a:rPr lang="he-IL" altLang="en-US" dirty="0"/>
-              <a:t> תנפיק ללקוח רישיון, על בסיס מזהה, באמצעות אפליקציה ייעודית</a:t>
-            </a:r>
-          </a:p>
-          <a:p>
-            <a:pPr marL="1143000" lvl="1">
-              <a:lnSpc>
-                <a:spcPct val="150000"/>
-              </a:lnSpc>
-              <a:tabLst>
-                <a:tab pos="1617663" algn="l"/>
-              </a:tabLst>
-            </a:pPr>
-            <a:r>
-              <a:rPr lang="he-IL" altLang="en-US" sz="1800" dirty="0"/>
-              <a:t> </a:t>
-            </a:r>
-          </a:p>
-          <a:p>
-            <a:pPr marL="1143000" lvl="1" indent="204788">
-              <a:lnSpc>
-                <a:spcPct val="150000"/>
-              </a:lnSpc>
-              <a:buFont typeface="Arial" panose="020B0604020202020204" pitchFamily="34" charset="0"/>
-              <a:buChar char="•"/>
-              <a:tabLst>
-                <a:tab pos="1617663" algn="l"/>
-              </a:tabLst>
-            </a:pPr>
-            <a:r>
-              <a:rPr lang="he-IL" altLang="en-US" sz="1800" dirty="0"/>
-              <a:t>נוסיף לטופס תיבת גלילה שתכיל את סוג המוצר עבור</a:t>
-            </a:r>
-          </a:p>
-          <a:p>
-            <a:pPr marL="1143000" lvl="1">
-              <a:lnSpc>
-                <a:spcPct val="150000"/>
-              </a:lnSpc>
-              <a:tabLst>
-                <a:tab pos="1617663" algn="l"/>
-              </a:tabLst>
-            </a:pPr>
-            <a:r>
-              <a:rPr lang="he-IL" altLang="en-US" dirty="0"/>
-              <a:t>    נרצה להנפיק את הרישיון</a:t>
-            </a:r>
-            <a:endParaRPr lang="he-IL" altLang="en-US" sz="1800" dirty="0"/>
+              <a:rPr lang="he-IL" altLang="en-US" sz="6000" b="1" dirty="0">
+                <a:solidFill>
+                  <a:srgbClr val="4285F4"/>
+                </a:solidFill>
+                <a:latin typeface="Segoe UI" panose="020B0502040204020203" pitchFamily="34" charset="0"/>
+                <a:cs typeface="Segoe UI" panose="020B0502040204020203" pitchFamily="34" charset="0"/>
+              </a:rPr>
+              <a:t>ניהול רישיונות</a:t>
+            </a:r>
           </a:p>
         </p:txBody>
       </p:sp>
       <p:pic>
         <p:nvPicPr>
-          <p:cNvPr id="8" name="Picture 7">
-            <a:extLst>
-              <a:ext uri="{FF2B5EF4-FFF2-40B4-BE49-F238E27FC236}">
-                <a16:creationId xmlns:a16="http://schemas.microsoft.com/office/drawing/2014/main" id="{6C426DCC-8F00-E9E1-DF1D-BB5E93CE2C83}"/>
+          <p:cNvPr id="4" name="גרפיקה 3" descr="הוסף">
+            <a:extLst>
+              <a:ext uri="{FF2B5EF4-FFF2-40B4-BE49-F238E27FC236}">
+                <a16:creationId xmlns:a16="http://schemas.microsoft.com/office/drawing/2014/main" id="{9907C250-B7CA-AE13-B829-17FC0B4F6C49}"/>
               </a:ext>
             </a:extLst>
           </p:cNvPr>
@@ -17831,45 +17663,21 @@
           <p:nvPr/>
         </p:nvPicPr>
         <p:blipFill>
-          <a:blip r:embed="rId2"/>
+          <a:blip r:embed="rId2">
+            <a:extLst>
+              <a:ext uri="{96DAC541-7B7A-43D3-8B79-37D633B846F1}">
+                <asvg:svgBlip xmlns:asvg="http://schemas.microsoft.com/office/drawing/2016/SVG/main" r:embed="rId3"/>
+              </a:ext>
+            </a:extLst>
+          </a:blip>
           <a:stretch>
             <a:fillRect/>
           </a:stretch>
         </p:blipFill>
         <p:spPr>
           <a:xfrm>
-            <a:off x="730982" y="2295367"/>
-            <a:ext cx="4526282" cy="1133633"/>
-          </a:xfrm>
-          <a:prstGeom prst="rect">
-            <a:avLst/>
-          </a:prstGeom>
-        </p:spPr>
-      </p:pic>
-      <p:pic>
-        <p:nvPicPr>
-          <p:cNvPr id="12" name="Picture 11">
-            <a:extLst>
-              <a:ext uri="{FF2B5EF4-FFF2-40B4-BE49-F238E27FC236}">
-                <a16:creationId xmlns:a16="http://schemas.microsoft.com/office/drawing/2014/main" id="{2AD8469F-BD0E-D5F3-6CAC-C4D05D363CD8}"/>
-              </a:ext>
-            </a:extLst>
-          </p:cNvPr>
-          <p:cNvPicPr>
-            <a:picLocks noChangeAspect="1"/>
-          </p:cNvPicPr>
-          <p:nvPr/>
-        </p:nvPicPr>
-        <p:blipFill>
-          <a:blip r:embed="rId3"/>
-          <a:stretch>
-            <a:fillRect/>
-          </a:stretch>
-        </p:blipFill>
-        <p:spPr>
-          <a:xfrm>
-            <a:off x="736999" y="4254282"/>
-            <a:ext cx="4526281" cy="1756143"/>
+            <a:off x="5638799" y="2164414"/>
+            <a:ext cx="914400" cy="914400"/>
           </a:xfrm>
           <a:prstGeom prst="rect">
             <a:avLst/>
@@ -17879,7 +17687,7 @@
     </p:spTree>
     <p:extLst>
       <p:ext uri="{BB962C8B-B14F-4D97-AF65-F5344CB8AC3E}">
-        <p14:creationId xmlns:p14="http://schemas.microsoft.com/office/powerpoint/2010/main" val="3073647664"/>
+        <p14:creationId xmlns:p14="http://schemas.microsoft.com/office/powerpoint/2010/main" val="2506923234"/>
       </p:ext>
     </p:extLst>
   </p:cSld>
@@ -22397,7 +22205,7 @@
             </a:pPr>
             <a:r>
               <a:rPr lang="he-IL" dirty="0"/>
-              <a:t>לאחר הורדת הקבצים, מריצים את האפליקציה </a:t>
+              <a:t>לאחר הורדת הקבצים הבינאריים, מריצים את האפליקציה </a:t>
             </a:r>
             <a:r>
               <a:rPr lang="he-IL" dirty="0" err="1"/>
@@ -22538,7 +22346,7 @@
             </a:r>
             <a:r>
               <a:rPr lang="he-IL" dirty="0"/>
-              <a:t> – מחיקה מתאפשרת לאחר הורדת נתונים. רשימת הקבצים שיימחקו נגזרת מהרשימה שהורדה</a:t>
+              <a:t> – מחיקה קבצים מהמערכת מתאפשרת לאחר הורדת נתונים. רשימת הקבצים שיימחקו נגזרת מהרשימה שהורדה</a:t>
             </a:r>
           </a:p>
           <a:p>
